--- a/Slides/D3.pptx
+++ b/Slides/D3.pptx
@@ -5,7 +5,7 @@
     <p:sldMasterId id="2147483660" r:id="rId1"/>
   </p:sldMasterIdLst>
   <p:notesMasterIdLst>
-    <p:notesMasterId r:id="rId15"/>
+    <p:notesMasterId r:id="rId19"/>
   </p:notesMasterIdLst>
   <p:sldIdLst>
     <p:sldId id="256" r:id="rId2"/>
@@ -21,6 +21,10 @@
     <p:sldId id="266" r:id="rId12"/>
     <p:sldId id="267" r:id="rId13"/>
     <p:sldId id="268" r:id="rId14"/>
+    <p:sldId id="269" r:id="rId15"/>
+    <p:sldId id="270" r:id="rId16"/>
+    <p:sldId id="271" r:id="rId17"/>
+    <p:sldId id="272" r:id="rId18"/>
   </p:sldIdLst>
   <p:sldSz cx="12192000" cy="6858000"/>
   <p:notesSz cx="6858000" cy="9144000"/>
@@ -119,6 +123,11 @@
       </a:defRPr>
     </a:lvl9pPr>
   </p:defaultTextStyle>
+  <p:extLst>
+    <p:ext uri="{EFAFB233-063F-42B5-8137-9DF3F51BA10A}">
+      <p15:sldGuideLst xmlns:p15="http://schemas.microsoft.com/office/powerpoint/2012/main"/>
+    </p:ext>
+  </p:extLst>
 </p:presentation>
 </file>
 
@@ -204,7 +213,7 @@
           <a:p>
             <a:fld id="{F2FD5E34-5871-4249-913E-D69CD2F5B120}" type="datetimeFigureOut">
               <a:rPr lang="en-US" smtClean="0"/>
-              <a:t>3/22/2014</a:t>
+              <a:t>3/25/2014</a:t>
             </a:fld>
             <a:endParaRPr lang="en-US"/>
           </a:p>
@@ -1085,6 +1094,376 @@
 </p:notes>
 </file>
 
+<file path=ppt/notesSlides/notesSlide12.xml><?xml version="1.0" encoding="utf-8"?>
+<p:notes xmlns:a="http://schemas.openxmlformats.org/drawingml/2006/main" xmlns:r="http://schemas.openxmlformats.org/officeDocument/2006/relationships" xmlns:p="http://schemas.openxmlformats.org/presentationml/2006/main">
+  <p:cSld>
+    <p:spTree>
+      <p:nvGrpSpPr>
+        <p:cNvPr id="1" name=""/>
+        <p:cNvGrpSpPr/>
+        <p:nvPr/>
+      </p:nvGrpSpPr>
+      <p:grpSpPr>
+        <a:xfrm>
+          <a:off x="0" y="0"/>
+          <a:ext cx="0" cy="0"/>
+          <a:chOff x="0" y="0"/>
+          <a:chExt cx="0" cy="0"/>
+        </a:xfrm>
+      </p:grpSpPr>
+      <p:sp>
+        <p:nvSpPr>
+          <p:cNvPr id="2" name="Slide Image Placeholder 1"/>
+          <p:cNvSpPr>
+            <a:spLocks noGrp="1" noRot="1" noChangeAspect="1"/>
+          </p:cNvSpPr>
+          <p:nvPr>
+            <p:ph type="sldImg"/>
+          </p:nvPr>
+        </p:nvSpPr>
+        <p:spPr/>
+      </p:sp>
+      <p:sp>
+        <p:nvSpPr>
+          <p:cNvPr id="3" name="Notes Placeholder 2"/>
+          <p:cNvSpPr>
+            <a:spLocks noGrp="1"/>
+          </p:cNvSpPr>
+          <p:nvPr>
+            <p:ph type="body" idx="1"/>
+          </p:nvPr>
+        </p:nvSpPr>
+        <p:spPr/>
+        <p:txBody>
+          <a:bodyPr/>
+          <a:lstStyle/>
+          <a:p>
+            <a:r>
+              <a:rPr lang="en-US" dirty="0" smtClean="0"/>
+              <a:t>Show</a:t>
+            </a:r>
+            <a:r>
+              <a:rPr lang="en-US" baseline="0" dirty="0" smtClean="0"/>
+              <a:t> basic updating</a:t>
+            </a:r>
+          </a:p>
+        </p:txBody>
+      </p:sp>
+      <p:sp>
+        <p:nvSpPr>
+          <p:cNvPr id="4" name="Slide Number Placeholder 3"/>
+          <p:cNvSpPr>
+            <a:spLocks noGrp="1"/>
+          </p:cNvSpPr>
+          <p:nvPr>
+            <p:ph type="sldNum" sz="quarter" idx="10"/>
+          </p:nvPr>
+        </p:nvSpPr>
+        <p:spPr/>
+        <p:txBody>
+          <a:bodyPr/>
+          <a:lstStyle/>
+          <a:p>
+            <a:fld id="{2CA6A022-9899-462F-AF11-091E7F58E280}" type="slidenum">
+              <a:rPr lang="en-US" smtClean="0"/>
+              <a:t>14</a:t>
+            </a:fld>
+            <a:endParaRPr lang="en-US"/>
+          </a:p>
+        </p:txBody>
+      </p:sp>
+    </p:spTree>
+    <p:extLst>
+      <p:ext uri="{BB962C8B-B14F-4D97-AF65-F5344CB8AC3E}">
+        <p14:creationId xmlns:p14="http://schemas.microsoft.com/office/powerpoint/2010/main" val="773276683"/>
+      </p:ext>
+    </p:extLst>
+  </p:cSld>
+  <p:clrMapOvr>
+    <a:masterClrMapping/>
+  </p:clrMapOvr>
+</p:notes>
+</file>
+
+<file path=ppt/notesSlides/notesSlide13.xml><?xml version="1.0" encoding="utf-8"?>
+<p:notes xmlns:a="http://schemas.openxmlformats.org/drawingml/2006/main" xmlns:r="http://schemas.openxmlformats.org/officeDocument/2006/relationships" xmlns:p="http://schemas.openxmlformats.org/presentationml/2006/main">
+  <p:cSld>
+    <p:spTree>
+      <p:nvGrpSpPr>
+        <p:cNvPr id="1" name=""/>
+        <p:cNvGrpSpPr/>
+        <p:nvPr/>
+      </p:nvGrpSpPr>
+      <p:grpSpPr>
+        <a:xfrm>
+          <a:off x="0" y="0"/>
+          <a:ext cx="0" cy="0"/>
+          <a:chOff x="0" y="0"/>
+          <a:chExt cx="0" cy="0"/>
+        </a:xfrm>
+      </p:grpSpPr>
+      <p:sp>
+        <p:nvSpPr>
+          <p:cNvPr id="2" name="Slide Image Placeholder 1"/>
+          <p:cNvSpPr>
+            <a:spLocks noGrp="1" noRot="1" noChangeAspect="1"/>
+          </p:cNvSpPr>
+          <p:nvPr>
+            <p:ph type="sldImg"/>
+          </p:nvPr>
+        </p:nvSpPr>
+        <p:spPr/>
+      </p:sp>
+      <p:sp>
+        <p:nvSpPr>
+          <p:cNvPr id="3" name="Notes Placeholder 2"/>
+          <p:cNvSpPr>
+            <a:spLocks noGrp="1"/>
+          </p:cNvSpPr>
+          <p:nvPr>
+            <p:ph type="body" idx="1"/>
+          </p:nvPr>
+        </p:nvSpPr>
+        <p:spPr/>
+        <p:txBody>
+          <a:bodyPr/>
+          <a:lstStyle/>
+          <a:p>
+            <a:r>
+              <a:rPr lang="en-US" dirty="0" err="1" smtClean="0"/>
+              <a:t>Todo</a:t>
+            </a:r>
+            <a:endParaRPr lang="en-US" dirty="0" smtClean="0"/>
+          </a:p>
+          <a:p>
+            <a:endParaRPr lang="en-US" dirty="0" smtClean="0"/>
+          </a:p>
+          <a:p>
+            <a:r>
+              <a:rPr lang="en-US" dirty="0" smtClean="0"/>
+              <a:t>Show</a:t>
+            </a:r>
+            <a:r>
+              <a:rPr lang="en-US" baseline="0" dirty="0" smtClean="0"/>
+              <a:t> some of the different layouts and demo one of them</a:t>
+            </a:r>
+            <a:endParaRPr lang="en-US" dirty="0"/>
+          </a:p>
+        </p:txBody>
+      </p:sp>
+      <p:sp>
+        <p:nvSpPr>
+          <p:cNvPr id="4" name="Slide Number Placeholder 3"/>
+          <p:cNvSpPr>
+            <a:spLocks noGrp="1"/>
+          </p:cNvSpPr>
+          <p:nvPr>
+            <p:ph type="sldNum" sz="quarter" idx="10"/>
+          </p:nvPr>
+        </p:nvSpPr>
+        <p:spPr/>
+        <p:txBody>
+          <a:bodyPr/>
+          <a:lstStyle/>
+          <a:p>
+            <a:fld id="{2CA6A022-9899-462F-AF11-091E7F58E280}" type="slidenum">
+              <a:rPr lang="en-US" smtClean="0"/>
+              <a:t>15</a:t>
+            </a:fld>
+            <a:endParaRPr lang="en-US"/>
+          </a:p>
+        </p:txBody>
+      </p:sp>
+    </p:spTree>
+    <p:extLst>
+      <p:ext uri="{BB962C8B-B14F-4D97-AF65-F5344CB8AC3E}">
+        <p14:creationId xmlns:p14="http://schemas.microsoft.com/office/powerpoint/2010/main" val="2892448011"/>
+      </p:ext>
+    </p:extLst>
+  </p:cSld>
+  <p:clrMapOvr>
+    <a:masterClrMapping/>
+  </p:clrMapOvr>
+</p:notes>
+</file>
+
+<file path=ppt/notesSlides/notesSlide14.xml><?xml version="1.0" encoding="utf-8"?>
+<p:notes xmlns:a="http://schemas.openxmlformats.org/drawingml/2006/main" xmlns:r="http://schemas.openxmlformats.org/officeDocument/2006/relationships" xmlns:p="http://schemas.openxmlformats.org/presentationml/2006/main">
+  <p:cSld>
+    <p:spTree>
+      <p:nvGrpSpPr>
+        <p:cNvPr id="1" name=""/>
+        <p:cNvGrpSpPr/>
+        <p:nvPr/>
+      </p:nvGrpSpPr>
+      <p:grpSpPr>
+        <a:xfrm>
+          <a:off x="0" y="0"/>
+          <a:ext cx="0" cy="0"/>
+          <a:chOff x="0" y="0"/>
+          <a:chExt cx="0" cy="0"/>
+        </a:xfrm>
+      </p:grpSpPr>
+      <p:sp>
+        <p:nvSpPr>
+          <p:cNvPr id="2" name="Slide Image Placeholder 1"/>
+          <p:cNvSpPr>
+            <a:spLocks noGrp="1" noRot="1" noChangeAspect="1"/>
+          </p:cNvSpPr>
+          <p:nvPr>
+            <p:ph type="sldImg"/>
+          </p:nvPr>
+        </p:nvSpPr>
+        <p:spPr/>
+      </p:sp>
+      <p:sp>
+        <p:nvSpPr>
+          <p:cNvPr id="3" name="Notes Placeholder 2"/>
+          <p:cNvSpPr>
+            <a:spLocks noGrp="1"/>
+          </p:cNvSpPr>
+          <p:nvPr>
+            <p:ph type="body" idx="1"/>
+          </p:nvPr>
+        </p:nvSpPr>
+        <p:spPr/>
+        <p:txBody>
+          <a:bodyPr/>
+          <a:lstStyle/>
+          <a:p>
+            <a:r>
+              <a:rPr lang="en-US" dirty="0" smtClean="0"/>
+              <a:t>Save the SVG</a:t>
+            </a:r>
+          </a:p>
+          <a:p>
+            <a:endParaRPr lang="en-US" dirty="0" smtClean="0"/>
+          </a:p>
+          <a:p>
+            <a:endParaRPr lang="en-US" dirty="0"/>
+          </a:p>
+        </p:txBody>
+      </p:sp>
+      <p:sp>
+        <p:nvSpPr>
+          <p:cNvPr id="4" name="Slide Number Placeholder 3"/>
+          <p:cNvSpPr>
+            <a:spLocks noGrp="1"/>
+          </p:cNvSpPr>
+          <p:nvPr>
+            <p:ph type="sldNum" sz="quarter" idx="10"/>
+          </p:nvPr>
+        </p:nvSpPr>
+        <p:spPr/>
+        <p:txBody>
+          <a:bodyPr/>
+          <a:lstStyle/>
+          <a:p>
+            <a:fld id="{2CA6A022-9899-462F-AF11-091E7F58E280}" type="slidenum">
+              <a:rPr lang="en-US" smtClean="0"/>
+              <a:t>16</a:t>
+            </a:fld>
+            <a:endParaRPr lang="en-US"/>
+          </a:p>
+        </p:txBody>
+      </p:sp>
+    </p:spTree>
+    <p:extLst>
+      <p:ext uri="{BB962C8B-B14F-4D97-AF65-F5344CB8AC3E}">
+        <p14:creationId xmlns:p14="http://schemas.microsoft.com/office/powerpoint/2010/main" val="1784429299"/>
+      </p:ext>
+    </p:extLst>
+  </p:cSld>
+  <p:clrMapOvr>
+    <a:masterClrMapping/>
+  </p:clrMapOvr>
+</p:notes>
+</file>
+
+<file path=ppt/notesSlides/notesSlide15.xml><?xml version="1.0" encoding="utf-8"?>
+<p:notes xmlns:a="http://schemas.openxmlformats.org/drawingml/2006/main" xmlns:r="http://schemas.openxmlformats.org/officeDocument/2006/relationships" xmlns:p="http://schemas.openxmlformats.org/presentationml/2006/main">
+  <p:cSld>
+    <p:spTree>
+      <p:nvGrpSpPr>
+        <p:cNvPr id="1" name=""/>
+        <p:cNvGrpSpPr/>
+        <p:nvPr/>
+      </p:nvGrpSpPr>
+      <p:grpSpPr>
+        <a:xfrm>
+          <a:off x="0" y="0"/>
+          <a:ext cx="0" cy="0"/>
+          <a:chOff x="0" y="0"/>
+          <a:chExt cx="0" cy="0"/>
+        </a:xfrm>
+      </p:grpSpPr>
+      <p:sp>
+        <p:nvSpPr>
+          <p:cNvPr id="2" name="Slide Image Placeholder 1"/>
+          <p:cNvSpPr>
+            <a:spLocks noGrp="1" noRot="1" noChangeAspect="1"/>
+          </p:cNvSpPr>
+          <p:nvPr>
+            <p:ph type="sldImg"/>
+          </p:nvPr>
+        </p:nvSpPr>
+        <p:spPr/>
+      </p:sp>
+      <p:sp>
+        <p:nvSpPr>
+          <p:cNvPr id="3" name="Notes Placeholder 2"/>
+          <p:cNvSpPr>
+            <a:spLocks noGrp="1"/>
+          </p:cNvSpPr>
+          <p:nvPr>
+            <p:ph type="body" idx="1"/>
+          </p:nvPr>
+        </p:nvSpPr>
+        <p:spPr/>
+        <p:txBody>
+          <a:bodyPr/>
+          <a:lstStyle/>
+          <a:p>
+            <a:endParaRPr lang="en-US" dirty="0"/>
+          </a:p>
+        </p:txBody>
+      </p:sp>
+      <p:sp>
+        <p:nvSpPr>
+          <p:cNvPr id="4" name="Slide Number Placeholder 3"/>
+          <p:cNvSpPr>
+            <a:spLocks noGrp="1"/>
+          </p:cNvSpPr>
+          <p:nvPr>
+            <p:ph type="sldNum" sz="quarter" idx="10"/>
+          </p:nvPr>
+        </p:nvSpPr>
+        <p:spPr/>
+        <p:txBody>
+          <a:bodyPr/>
+          <a:lstStyle/>
+          <a:p>
+            <a:fld id="{2CA6A022-9899-462F-AF11-091E7F58E280}" type="slidenum">
+              <a:rPr lang="en-US" smtClean="0"/>
+              <a:t>17</a:t>
+            </a:fld>
+            <a:endParaRPr lang="en-US"/>
+          </a:p>
+        </p:txBody>
+      </p:sp>
+    </p:spTree>
+    <p:extLst>
+      <p:ext uri="{BB962C8B-B14F-4D97-AF65-F5344CB8AC3E}">
+        <p14:creationId xmlns:p14="http://schemas.microsoft.com/office/powerpoint/2010/main" val="694072251"/>
+      </p:ext>
+    </p:extLst>
+  </p:cSld>
+  <p:clrMapOvr>
+    <a:masterClrMapping/>
+  </p:clrMapOvr>
+</p:notes>
+</file>
+
 <file path=ppt/notesSlides/notesSlide2.xml><?xml version="1.0" encoding="utf-8"?>
 <p:notes xmlns:a="http://schemas.openxmlformats.org/drawingml/2006/main" xmlns:r="http://schemas.openxmlformats.org/officeDocument/2006/relationships" xmlns:p="http://schemas.openxmlformats.org/presentationml/2006/main">
   <p:cSld>
@@ -2436,7 +2815,7 @@
           <a:p>
             <a:fld id="{67971B23-299D-4CF4-B59D-A17DAEBDFBC2}" type="datetimeFigureOut">
               <a:rPr lang="en-US" smtClean="0"/>
-              <a:t>3/22/2014</a:t>
+              <a:t>3/25/2014</a:t>
             </a:fld>
             <a:endParaRPr lang="en-US"/>
           </a:p>
@@ -2734,7 +3113,7 @@
           <a:p>
             <a:fld id="{67971B23-299D-4CF4-B59D-A17DAEBDFBC2}" type="datetimeFigureOut">
               <a:rPr lang="en-US" smtClean="0"/>
-              <a:t>3/22/2014</a:t>
+              <a:t>3/25/2014</a:t>
             </a:fld>
             <a:endParaRPr lang="en-US"/>
           </a:p>
@@ -2926,7 +3305,7 @@
           <a:p>
             <a:fld id="{67971B23-299D-4CF4-B59D-A17DAEBDFBC2}" type="datetimeFigureOut">
               <a:rPr lang="en-US" smtClean="0"/>
-              <a:t>3/22/2014</a:t>
+              <a:t>3/25/2014</a:t>
             </a:fld>
             <a:endParaRPr lang="en-US"/>
           </a:p>
@@ -3187,7 +3566,7 @@
           <a:p>
             <a:fld id="{67971B23-299D-4CF4-B59D-A17DAEBDFBC2}" type="datetimeFigureOut">
               <a:rPr lang="en-US" smtClean="0"/>
-              <a:t>3/22/2014</a:t>
+              <a:t>3/25/2014</a:t>
             </a:fld>
             <a:endParaRPr lang="en-US"/>
           </a:p>
@@ -3611,7 +3990,7 @@
           <a:p>
             <a:fld id="{67971B23-299D-4CF4-B59D-A17DAEBDFBC2}" type="datetimeFigureOut">
               <a:rPr lang="en-US" smtClean="0"/>
-              <a:t>3/22/2014</a:t>
+              <a:t>3/25/2014</a:t>
             </a:fld>
             <a:endParaRPr lang="en-US"/>
           </a:p>
@@ -4148,7 +4527,7 @@
           <a:p>
             <a:fld id="{67971B23-299D-4CF4-B59D-A17DAEBDFBC2}" type="datetimeFigureOut">
               <a:rPr lang="en-US" smtClean="0"/>
-              <a:t>3/22/2014</a:t>
+              <a:t>3/25/2014</a:t>
             </a:fld>
             <a:endParaRPr lang="en-US"/>
           </a:p>
@@ -5012,7 +5391,7 @@
           <a:p>
             <a:fld id="{67971B23-299D-4CF4-B59D-A17DAEBDFBC2}" type="datetimeFigureOut">
               <a:rPr lang="en-US" smtClean="0"/>
-              <a:t>3/22/2014</a:t>
+              <a:t>3/25/2014</a:t>
             </a:fld>
             <a:endParaRPr lang="en-US"/>
           </a:p>
@@ -5182,7 +5561,7 @@
           <a:p>
             <a:fld id="{67971B23-299D-4CF4-B59D-A17DAEBDFBC2}" type="datetimeFigureOut">
               <a:rPr lang="en-US" smtClean="0"/>
-              <a:t>3/22/2014</a:t>
+              <a:t>3/25/2014</a:t>
             </a:fld>
             <a:endParaRPr lang="en-US"/>
           </a:p>
@@ -5366,7 +5745,7 @@
           <a:p>
             <a:fld id="{67971B23-299D-4CF4-B59D-A17DAEBDFBC2}" type="datetimeFigureOut">
               <a:rPr lang="en-US" smtClean="0"/>
-              <a:t>3/22/2014</a:t>
+              <a:t>3/25/2014</a:t>
             </a:fld>
             <a:endParaRPr lang="en-US"/>
           </a:p>
@@ -5536,7 +5915,7 @@
           <a:p>
             <a:fld id="{67971B23-299D-4CF4-B59D-A17DAEBDFBC2}" type="datetimeFigureOut">
               <a:rPr lang="en-US" smtClean="0"/>
-              <a:t>3/22/2014</a:t>
+              <a:t>3/25/2014</a:t>
             </a:fld>
             <a:endParaRPr lang="en-US"/>
           </a:p>
@@ -5780,7 +6159,7 @@
           <a:p>
             <a:fld id="{67971B23-299D-4CF4-B59D-A17DAEBDFBC2}" type="datetimeFigureOut">
               <a:rPr lang="en-US" smtClean="0"/>
-              <a:t>3/22/2014</a:t>
+              <a:t>3/25/2014</a:t>
             </a:fld>
             <a:endParaRPr lang="en-US"/>
           </a:p>
@@ -6016,7 +6395,7 @@
           <a:p>
             <a:fld id="{67971B23-299D-4CF4-B59D-A17DAEBDFBC2}" type="datetimeFigureOut">
               <a:rPr lang="en-US" smtClean="0"/>
-              <a:t>3/22/2014</a:t>
+              <a:t>3/25/2014</a:t>
             </a:fld>
             <a:endParaRPr lang="en-US"/>
           </a:p>
@@ -6482,7 +6861,7 @@
           <a:p>
             <a:fld id="{67971B23-299D-4CF4-B59D-A17DAEBDFBC2}" type="datetimeFigureOut">
               <a:rPr lang="en-US" smtClean="0"/>
-              <a:t>3/22/2014</a:t>
+              <a:t>3/25/2014</a:t>
             </a:fld>
             <a:endParaRPr lang="en-US"/>
           </a:p>
@@ -6600,7 +6979,7 @@
           <a:p>
             <a:fld id="{67971B23-299D-4CF4-B59D-A17DAEBDFBC2}" type="datetimeFigureOut">
               <a:rPr lang="en-US" smtClean="0"/>
-              <a:t>3/22/2014</a:t>
+              <a:t>3/25/2014</a:t>
             </a:fld>
             <a:endParaRPr lang="en-US"/>
           </a:p>
@@ -6695,7 +7074,7 @@
           <a:p>
             <a:fld id="{67971B23-299D-4CF4-B59D-A17DAEBDFBC2}" type="datetimeFigureOut">
               <a:rPr lang="en-US" smtClean="0"/>
-              <a:t>3/22/2014</a:t>
+              <a:t>3/25/2014</a:t>
             </a:fld>
             <a:endParaRPr lang="en-US"/>
           </a:p>
@@ -6950,7 +7329,7 @@
           <a:p>
             <a:fld id="{67971B23-299D-4CF4-B59D-A17DAEBDFBC2}" type="datetimeFigureOut">
               <a:rPr lang="en-US" smtClean="0"/>
-              <a:t>3/22/2014</a:t>
+              <a:t>3/25/2014</a:t>
             </a:fld>
             <a:endParaRPr lang="en-US"/>
           </a:p>
@@ -7250,7 +7629,7 @@
           <a:p>
             <a:fld id="{67971B23-299D-4CF4-B59D-A17DAEBDFBC2}" type="datetimeFigureOut">
               <a:rPr lang="en-US" smtClean="0"/>
-              <a:t>3/22/2014</a:t>
+              <a:t>3/25/2014</a:t>
             </a:fld>
             <a:endParaRPr lang="en-US"/>
           </a:p>
@@ -7484,7 +7863,7 @@
           <a:p>
             <a:fld id="{67971B23-299D-4CF4-B59D-A17DAEBDFBC2}" type="datetimeFigureOut">
               <a:rPr lang="en-US" smtClean="0"/>
-              <a:t>3/22/2014</a:t>
+              <a:t>3/25/2014</a:t>
             </a:fld>
             <a:endParaRPr lang="en-US"/>
           </a:p>
@@ -8648,6 +9027,477 @@
 </p:sld>
 </file>
 
+<file path=ppt/slides/slide14.xml><?xml version="1.0" encoding="utf-8"?>
+<p:sld xmlns:a="http://schemas.openxmlformats.org/drawingml/2006/main" xmlns:r="http://schemas.openxmlformats.org/officeDocument/2006/relationships" xmlns:p="http://schemas.openxmlformats.org/presentationml/2006/main">
+  <p:cSld>
+    <p:spTree>
+      <p:nvGrpSpPr>
+        <p:cNvPr id="1" name=""/>
+        <p:cNvGrpSpPr/>
+        <p:nvPr/>
+      </p:nvGrpSpPr>
+      <p:grpSpPr>
+        <a:xfrm>
+          <a:off x="0" y="0"/>
+          <a:ext cx="0" cy="0"/>
+          <a:chOff x="0" y="0"/>
+          <a:chExt cx="0" cy="0"/>
+        </a:xfrm>
+      </p:grpSpPr>
+      <p:sp>
+        <p:nvSpPr>
+          <p:cNvPr id="2" name="Title 1"/>
+          <p:cNvSpPr>
+            <a:spLocks noGrp="1"/>
+          </p:cNvSpPr>
+          <p:nvPr>
+            <p:ph type="title"/>
+          </p:nvPr>
+        </p:nvSpPr>
+        <p:spPr/>
+        <p:txBody>
+          <a:bodyPr/>
+          <a:lstStyle/>
+          <a:p>
+            <a:r>
+              <a:rPr lang="en-US" dirty="0" smtClean="0"/>
+              <a:t>Updating Data</a:t>
+            </a:r>
+            <a:endParaRPr lang="en-US" dirty="0"/>
+          </a:p>
+        </p:txBody>
+      </p:sp>
+      <p:sp>
+        <p:nvSpPr>
+          <p:cNvPr id="3" name="Content Placeholder 2"/>
+          <p:cNvSpPr>
+            <a:spLocks noGrp="1"/>
+          </p:cNvSpPr>
+          <p:nvPr>
+            <p:ph idx="1"/>
+          </p:nvPr>
+        </p:nvSpPr>
+        <p:spPr/>
+        <p:txBody>
+          <a:bodyPr/>
+          <a:lstStyle/>
+          <a:p>
+            <a:endParaRPr lang="en-US"/>
+          </a:p>
+        </p:txBody>
+      </p:sp>
+    </p:spTree>
+    <p:extLst>
+      <p:ext uri="{BB962C8B-B14F-4D97-AF65-F5344CB8AC3E}">
+        <p14:creationId xmlns:p14="http://schemas.microsoft.com/office/powerpoint/2010/main" val="590700555"/>
+      </p:ext>
+    </p:extLst>
+  </p:cSld>
+  <p:clrMapOvr>
+    <a:masterClrMapping/>
+  </p:clrMapOvr>
+</p:sld>
+</file>
+
+<file path=ppt/slides/slide15.xml><?xml version="1.0" encoding="utf-8"?>
+<p:sld xmlns:a="http://schemas.openxmlformats.org/drawingml/2006/main" xmlns:r="http://schemas.openxmlformats.org/officeDocument/2006/relationships" xmlns:p="http://schemas.openxmlformats.org/presentationml/2006/main">
+  <p:cSld>
+    <p:spTree>
+      <p:nvGrpSpPr>
+        <p:cNvPr id="1" name=""/>
+        <p:cNvGrpSpPr/>
+        <p:nvPr/>
+      </p:nvGrpSpPr>
+      <p:grpSpPr>
+        <a:xfrm>
+          <a:off x="0" y="0"/>
+          <a:ext cx="0" cy="0"/>
+          <a:chOff x="0" y="0"/>
+          <a:chExt cx="0" cy="0"/>
+        </a:xfrm>
+      </p:grpSpPr>
+      <p:sp>
+        <p:nvSpPr>
+          <p:cNvPr id="2" name="Title 1"/>
+          <p:cNvSpPr>
+            <a:spLocks noGrp="1"/>
+          </p:cNvSpPr>
+          <p:nvPr>
+            <p:ph type="title"/>
+          </p:nvPr>
+        </p:nvSpPr>
+        <p:spPr/>
+        <p:txBody>
+          <a:bodyPr/>
+          <a:lstStyle/>
+          <a:p>
+            <a:r>
+              <a:rPr lang="en-US" dirty="0" smtClean="0"/>
+              <a:t>Building different types of charts with Layouts</a:t>
+            </a:r>
+            <a:endParaRPr lang="en-US" dirty="0"/>
+          </a:p>
+        </p:txBody>
+      </p:sp>
+      <p:sp>
+        <p:nvSpPr>
+          <p:cNvPr id="3" name="Content Placeholder 2"/>
+          <p:cNvSpPr>
+            <a:spLocks noGrp="1"/>
+          </p:cNvSpPr>
+          <p:nvPr>
+            <p:ph idx="1"/>
+          </p:nvPr>
+        </p:nvSpPr>
+        <p:spPr/>
+        <p:txBody>
+          <a:bodyPr/>
+          <a:lstStyle/>
+          <a:p>
+            <a:endParaRPr lang="en-US"/>
+          </a:p>
+        </p:txBody>
+      </p:sp>
+    </p:spTree>
+    <p:extLst>
+      <p:ext uri="{BB962C8B-B14F-4D97-AF65-F5344CB8AC3E}">
+        <p14:creationId xmlns:p14="http://schemas.microsoft.com/office/powerpoint/2010/main" val="3508602416"/>
+      </p:ext>
+    </p:extLst>
+  </p:cSld>
+  <p:clrMapOvr>
+    <a:masterClrMapping/>
+  </p:clrMapOvr>
+</p:sld>
+</file>
+
+<file path=ppt/slides/slide16.xml><?xml version="1.0" encoding="utf-8"?>
+<p:sld xmlns:a="http://schemas.openxmlformats.org/drawingml/2006/main" xmlns:r="http://schemas.openxmlformats.org/officeDocument/2006/relationships" xmlns:p="http://schemas.openxmlformats.org/presentationml/2006/main">
+  <p:cSld>
+    <p:spTree>
+      <p:nvGrpSpPr>
+        <p:cNvPr id="1" name=""/>
+        <p:cNvGrpSpPr/>
+        <p:nvPr/>
+      </p:nvGrpSpPr>
+      <p:grpSpPr>
+        <a:xfrm>
+          <a:off x="0" y="0"/>
+          <a:ext cx="0" cy="0"/>
+          <a:chOff x="0" y="0"/>
+          <a:chExt cx="0" cy="0"/>
+        </a:xfrm>
+      </p:grpSpPr>
+      <p:sp>
+        <p:nvSpPr>
+          <p:cNvPr id="2" name="Title 1"/>
+          <p:cNvSpPr>
+            <a:spLocks noGrp="1"/>
+          </p:cNvSpPr>
+          <p:nvPr>
+            <p:ph type="title"/>
+          </p:nvPr>
+        </p:nvSpPr>
+        <p:spPr/>
+        <p:txBody>
+          <a:bodyPr/>
+          <a:lstStyle/>
+          <a:p>
+            <a:r>
+              <a:rPr lang="en-US" dirty="0" smtClean="0"/>
+              <a:t>Exporting Data</a:t>
+            </a:r>
+            <a:endParaRPr lang="en-US" dirty="0"/>
+          </a:p>
+        </p:txBody>
+      </p:sp>
+      <p:sp>
+        <p:nvSpPr>
+          <p:cNvPr id="3" name="Content Placeholder 2"/>
+          <p:cNvSpPr>
+            <a:spLocks noGrp="1"/>
+          </p:cNvSpPr>
+          <p:nvPr>
+            <p:ph idx="1"/>
+          </p:nvPr>
+        </p:nvSpPr>
+        <p:spPr/>
+        <p:txBody>
+          <a:bodyPr/>
+          <a:lstStyle/>
+          <a:p>
+            <a:endParaRPr lang="en-US"/>
+          </a:p>
+        </p:txBody>
+      </p:sp>
+    </p:spTree>
+    <p:extLst>
+      <p:ext uri="{BB962C8B-B14F-4D97-AF65-F5344CB8AC3E}">
+        <p14:creationId xmlns:p14="http://schemas.microsoft.com/office/powerpoint/2010/main" val="1338051610"/>
+      </p:ext>
+    </p:extLst>
+  </p:cSld>
+  <p:clrMapOvr>
+    <a:masterClrMapping/>
+  </p:clrMapOvr>
+</p:sld>
+</file>
+
+<file path=ppt/slides/slide17.xml><?xml version="1.0" encoding="utf-8"?>
+<p:sld xmlns:a="http://schemas.openxmlformats.org/drawingml/2006/main" xmlns:r="http://schemas.openxmlformats.org/officeDocument/2006/relationships" xmlns:p="http://schemas.openxmlformats.org/presentationml/2006/main">
+  <p:cSld>
+    <p:spTree>
+      <p:nvGrpSpPr>
+        <p:cNvPr id="1" name=""/>
+        <p:cNvGrpSpPr/>
+        <p:nvPr/>
+      </p:nvGrpSpPr>
+      <p:grpSpPr>
+        <a:xfrm>
+          <a:off x="0" y="0"/>
+          <a:ext cx="0" cy="0"/>
+          <a:chOff x="0" y="0"/>
+          <a:chExt cx="0" cy="0"/>
+        </a:xfrm>
+      </p:grpSpPr>
+      <p:sp>
+        <p:nvSpPr>
+          <p:cNvPr id="2" name="Title 1"/>
+          <p:cNvSpPr>
+            <a:spLocks noGrp="1"/>
+          </p:cNvSpPr>
+          <p:nvPr>
+            <p:ph type="title"/>
+          </p:nvPr>
+        </p:nvSpPr>
+        <p:spPr/>
+        <p:txBody>
+          <a:bodyPr>
+            <a:normAutofit/>
+          </a:bodyPr>
+          <a:lstStyle/>
+          <a:p>
+            <a:r>
+              <a:rPr lang="en-US" dirty="0" smtClean="0"/>
+              <a:t>Resources</a:t>
+            </a:r>
+            <a:endParaRPr lang="en-US" dirty="0"/>
+          </a:p>
+        </p:txBody>
+      </p:sp>
+      <p:sp>
+        <p:nvSpPr>
+          <p:cNvPr id="3" name="Content Placeholder 2"/>
+          <p:cNvSpPr>
+            <a:spLocks noGrp="1"/>
+          </p:cNvSpPr>
+          <p:nvPr>
+            <p:ph idx="1"/>
+          </p:nvPr>
+        </p:nvSpPr>
+        <p:spPr>
+          <a:xfrm>
+            <a:off x="983975" y="1732449"/>
+            <a:ext cx="10366512" cy="4867134"/>
+          </a:xfrm>
+        </p:spPr>
+        <p:txBody>
+          <a:bodyPr>
+            <a:normAutofit lnSpcReduction="10000"/>
+          </a:bodyPr>
+          <a:lstStyle/>
+          <a:p>
+            <a:pPr marL="36900" indent="0">
+              <a:buNone/>
+            </a:pPr>
+            <a:r>
+              <a:rPr lang="en-US" dirty="0" smtClean="0"/>
+              <a:t>Info About D3.js: </a:t>
+            </a:r>
+          </a:p>
+          <a:p>
+            <a:pPr marL="36900" indent="0">
+              <a:buNone/>
+            </a:pPr>
+            <a:r>
+              <a:rPr lang="en-US" dirty="0">
+                <a:hlinkClick r:id="rId3"/>
+              </a:rPr>
+              <a:t>http://d3js.org</a:t>
+            </a:r>
+            <a:r>
+              <a:rPr lang="en-US" dirty="0" smtClean="0">
+                <a:hlinkClick r:id="rId3"/>
+              </a:rPr>
+              <a:t>/</a:t>
+            </a:r>
+            <a:endParaRPr lang="en-US" dirty="0" smtClean="0"/>
+          </a:p>
+          <a:p>
+            <a:pPr marL="36900" indent="0">
+              <a:buNone/>
+            </a:pPr>
+            <a:r>
+              <a:rPr lang="en-US" dirty="0">
+                <a:hlinkClick r:id="rId4"/>
+              </a:rPr>
+              <a:t>http://bost.ocks.org/mike</a:t>
+            </a:r>
+            <a:r>
+              <a:rPr lang="en-US" dirty="0" smtClean="0">
+                <a:hlinkClick r:id="rId4"/>
+              </a:rPr>
+              <a:t>/</a:t>
+            </a:r>
+            <a:endParaRPr lang="en-US" dirty="0" smtClean="0"/>
+          </a:p>
+          <a:p>
+            <a:pPr marL="36900" indent="0">
+              <a:buNone/>
+            </a:pPr>
+            <a:r>
+              <a:rPr lang="en-US" dirty="0">
+                <a:hlinkClick r:id="rId5"/>
+              </a:rPr>
+              <a:t>Interactive Data Visualization for the Web</a:t>
+            </a:r>
+            <a:endParaRPr lang="en-US" dirty="0"/>
+          </a:p>
+          <a:p>
+            <a:pPr marL="36900" indent="0">
+              <a:buNone/>
+            </a:pPr>
+            <a:r>
+              <a:rPr lang="en-US" dirty="0">
+                <a:hlinkClick r:id="rId6"/>
+              </a:rPr>
+              <a:t>http://alignedleft.com/tutorials/d3</a:t>
+            </a:r>
+            <a:r>
+              <a:rPr lang="en-US" dirty="0" smtClean="0">
+                <a:hlinkClick r:id="rId6"/>
+              </a:rPr>
+              <a:t>/</a:t>
+            </a:r>
+            <a:endParaRPr lang="en-US" dirty="0" smtClean="0"/>
+          </a:p>
+          <a:p>
+            <a:pPr marL="36900" indent="0">
+              <a:buNone/>
+            </a:pPr>
+            <a:endParaRPr lang="en-US" dirty="0" smtClean="0"/>
+          </a:p>
+          <a:p>
+            <a:pPr marL="36900" indent="0">
+              <a:buNone/>
+            </a:pPr>
+            <a:r>
+              <a:rPr lang="en-US" dirty="0" smtClean="0"/>
+              <a:t>Datasets: </a:t>
+            </a:r>
+          </a:p>
+          <a:p>
+            <a:pPr marL="36900" indent="0">
+              <a:buNone/>
+            </a:pPr>
+            <a:r>
+              <a:rPr lang="en-US" dirty="0">
+                <a:effectLst/>
+                <a:hlinkClick r:id="rId7"/>
+              </a:rPr>
+              <a:t>http://www.gapminder.org/data</a:t>
+            </a:r>
+            <a:r>
+              <a:rPr lang="en-US" dirty="0" smtClean="0">
+                <a:effectLst/>
+                <a:hlinkClick r:id="rId7"/>
+              </a:rPr>
+              <a:t>/</a:t>
+            </a:r>
+            <a:endParaRPr lang="en-US" dirty="0"/>
+          </a:p>
+          <a:p>
+            <a:pPr marL="36900" indent="0">
+              <a:buNone/>
+            </a:pPr>
+            <a:r>
+              <a:rPr lang="en-US" dirty="0">
+                <a:hlinkClick r:id="rId8"/>
+              </a:rPr>
+              <a:t>http://www.data.gov</a:t>
+            </a:r>
+            <a:r>
+              <a:rPr lang="en-US" dirty="0" smtClean="0">
+                <a:hlinkClick r:id="rId8"/>
+              </a:rPr>
+              <a:t>/</a:t>
+            </a:r>
+            <a:endParaRPr lang="en-US" dirty="0" smtClean="0"/>
+          </a:p>
+          <a:p>
+            <a:pPr marL="36900" indent="0">
+              <a:buNone/>
+            </a:pPr>
+            <a:r>
+              <a:rPr lang="en-US" dirty="0">
+                <a:effectLst/>
+                <a:hlinkClick r:id="rId9"/>
+              </a:rPr>
+              <a:t>http://www.bls.gov/</a:t>
+            </a:r>
+            <a:endParaRPr lang="en-US" dirty="0">
+              <a:effectLst/>
+            </a:endParaRPr>
+          </a:p>
+          <a:p>
+            <a:pPr marL="36900" indent="0">
+              <a:buNone/>
+            </a:pPr>
+            <a:r>
+              <a:rPr lang="en-US" dirty="0" smtClean="0">
+                <a:effectLst/>
+                <a:hlinkClick r:id="rId10"/>
+              </a:rPr>
+              <a:t>https</a:t>
+            </a:r>
+            <a:r>
+              <a:rPr lang="en-US" dirty="0">
+                <a:effectLst/>
+                <a:hlinkClick r:id="rId10"/>
+              </a:rPr>
+              <a:t>://data.cityofmadison.com/</a:t>
+            </a:r>
+            <a:endParaRPr lang="en-US" dirty="0">
+              <a:effectLst/>
+            </a:endParaRPr>
+          </a:p>
+          <a:p>
+            <a:pPr marL="36900" indent="0">
+              <a:buNone/>
+            </a:pPr>
+            <a:endParaRPr lang="en-US" dirty="0"/>
+          </a:p>
+          <a:p>
+            <a:pPr marL="36900" indent="0">
+              <a:buNone/>
+            </a:pPr>
+            <a:endParaRPr lang="en-US" dirty="0"/>
+          </a:p>
+        </p:txBody>
+      </p:sp>
+    </p:spTree>
+    <p:extLst>
+      <p:ext uri="{BB962C8B-B14F-4D97-AF65-F5344CB8AC3E}">
+        <p14:creationId xmlns:p14="http://schemas.microsoft.com/office/powerpoint/2010/main" val="297674098"/>
+      </p:ext>
+    </p:extLst>
+  </p:cSld>
+  <p:clrMapOvr>
+    <a:masterClrMapping/>
+  </p:clrMapOvr>
+</p:sld>
+</file>
+
 <file path=ppt/slides/slide2.xml><?xml version="1.0" encoding="utf-8"?>
 <p:sld xmlns:a="http://schemas.openxmlformats.org/drawingml/2006/main" xmlns:r="http://schemas.openxmlformats.org/officeDocument/2006/relationships" xmlns:p="http://schemas.openxmlformats.org/presentationml/2006/main">
   <p:cSld>

--- a/Slides/D3.pptx
+++ b/Slides/D3.pptx
@@ -2,31 +2,29 @@
 <file path=ppt/presentation.xml><?xml version="1.0" encoding="utf-8"?>
 <p:presentation xmlns:a="http://schemas.openxmlformats.org/drawingml/2006/main" xmlns:r="http://schemas.openxmlformats.org/officeDocument/2006/relationships" xmlns:p="http://schemas.openxmlformats.org/presentationml/2006/main" saveSubsetFonts="1" bookmarkIdSeed="2">
   <p:sldMasterIdLst>
-    <p:sldMasterId id="2147483660" r:id="rId1"/>
+    <p:sldMasterId id="2147483678" r:id="rId1"/>
   </p:sldMasterIdLst>
   <p:notesMasterIdLst>
-    <p:notesMasterId r:id="rId19"/>
+    <p:notesMasterId r:id="rId17"/>
   </p:notesMasterIdLst>
   <p:sldIdLst>
     <p:sldId id="256" r:id="rId2"/>
     <p:sldId id="257" r:id="rId3"/>
-    <p:sldId id="258" r:id="rId4"/>
-    <p:sldId id="259" r:id="rId5"/>
-    <p:sldId id="260" r:id="rId6"/>
-    <p:sldId id="261" r:id="rId7"/>
-    <p:sldId id="262" r:id="rId8"/>
-    <p:sldId id="263" r:id="rId9"/>
-    <p:sldId id="264" r:id="rId10"/>
-    <p:sldId id="265" r:id="rId11"/>
-    <p:sldId id="266" r:id="rId12"/>
-    <p:sldId id="267" r:id="rId13"/>
-    <p:sldId id="268" r:id="rId14"/>
-    <p:sldId id="269" r:id="rId15"/>
-    <p:sldId id="270" r:id="rId16"/>
-    <p:sldId id="271" r:id="rId17"/>
-    <p:sldId id="272" r:id="rId18"/>
+    <p:sldId id="273" r:id="rId4"/>
+    <p:sldId id="275" r:id="rId5"/>
+    <p:sldId id="259" r:id="rId6"/>
+    <p:sldId id="274" r:id="rId7"/>
+    <p:sldId id="258" r:id="rId8"/>
+    <p:sldId id="260" r:id="rId9"/>
+    <p:sldId id="261" r:id="rId10"/>
+    <p:sldId id="262" r:id="rId11"/>
+    <p:sldId id="265" r:id="rId12"/>
+    <p:sldId id="266" r:id="rId13"/>
+    <p:sldId id="267" r:id="rId14"/>
+    <p:sldId id="263" r:id="rId15"/>
+    <p:sldId id="272" r:id="rId16"/>
   </p:sldIdLst>
-  <p:sldSz cx="12192000" cy="6858000"/>
+  <p:sldSz cx="9144000" cy="6858000" type="screen4x3"/>
   <p:notesSz cx="6858000" cy="9144000"/>
   <p:defaultTextStyle>
     <a:defPPr>
@@ -213,7 +211,7 @@
           <a:p>
             <a:fld id="{F2FD5E34-5871-4249-913E-D69CD2F5B120}" type="datetimeFigureOut">
               <a:rPr lang="en-US" smtClean="0"/>
-              <a:t>3/25/2014</a:t>
+              <a:t>3/29/2014</a:t>
             </a:fld>
             <a:endParaRPr lang="en-US"/>
           </a:p>
@@ -231,8 +229,8 @@
         </p:nvSpPr>
         <p:spPr>
           <a:xfrm>
-            <a:off x="685800" y="1143000"/>
-            <a:ext cx="5486400" cy="3086100"/>
+            <a:off x="1371600" y="1143000"/>
+            <a:ext cx="4114800" cy="3086100"/>
           </a:xfrm>
           <a:prstGeom prst="rect">
             <a:avLst/>
@@ -525,316 +523,6 @@
           <a:bodyPr/>
           <a:lstStyle/>
           <a:p>
-            <a:r>
-              <a:rPr lang="en-US" dirty="0" smtClean="0"/>
-              <a:t>The amount of data available</a:t>
-            </a:r>
-            <a:r>
-              <a:rPr lang="en-US" baseline="0" dirty="0" smtClean="0"/>
-              <a:t> to humanity is huge. </a:t>
-            </a:r>
-          </a:p>
-          <a:p>
-            <a:endParaRPr lang="en-US" baseline="0" dirty="0" smtClean="0"/>
-          </a:p>
-          <a:p>
-            <a:pPr marL="171450" indent="-171450">
-              <a:buFontTx/>
-              <a:buChar char="-"/>
-            </a:pPr>
-            <a:r>
-              <a:rPr lang="en-US" baseline="0" dirty="0" smtClean="0"/>
-              <a:t>Eric Schmidt claims that we are creating as much data in two days as humanity has created up until 2003</a:t>
-            </a:r>
-          </a:p>
-          <a:p>
-            <a:pPr marL="171450" indent="-171450">
-              <a:buFontTx/>
-              <a:buChar char="-"/>
-            </a:pPr>
-            <a:r>
-              <a:rPr lang="en-US" baseline="0" dirty="0" smtClean="0"/>
-              <a:t>IBM claims that we create 2.5 Quintillion Bytes of data every day</a:t>
-            </a:r>
-          </a:p>
-          <a:p>
-            <a:pPr marL="171450" indent="-171450">
-              <a:buFontTx/>
-              <a:buChar char="-"/>
-            </a:pPr>
-            <a:r>
-              <a:rPr lang="en-US" sz="1200" b="0" i="0" kern="1200" dirty="0" smtClean="0">
-                <a:solidFill>
-                  <a:schemeClr val="tx1"/>
-                </a:solidFill>
-                <a:effectLst/>
-                <a:latin typeface="+mn-lt"/>
-                <a:ea typeface="+mn-ea"/>
-                <a:cs typeface="+mn-cs"/>
-              </a:rPr>
-              <a:t>SINTEF </a:t>
-            </a:r>
-            <a:r>
-              <a:rPr lang="en-US" dirty="0" smtClean="0"/>
-              <a:t>claims that 90%</a:t>
-            </a:r>
-            <a:r>
-              <a:rPr lang="en-US" baseline="0" dirty="0" smtClean="0"/>
-              <a:t> of the our current data was created in the last two years</a:t>
-            </a:r>
-          </a:p>
-          <a:p>
-            <a:pPr marL="171450" indent="-171450">
-              <a:buFontTx/>
-              <a:buChar char="-"/>
-            </a:pPr>
-            <a:endParaRPr lang="en-US" baseline="0" dirty="0" smtClean="0"/>
-          </a:p>
-          <a:p>
-            <a:pPr marL="171450" indent="-171450">
-              <a:buFontTx/>
-              <a:buChar char="-"/>
-            </a:pPr>
-            <a:r>
-              <a:rPr lang="en-US" baseline="0" dirty="0" smtClean="0"/>
-              <a:t>Governments and research organizations are opening up their data sets</a:t>
-            </a:r>
-          </a:p>
-          <a:p>
-            <a:r>
-              <a:rPr lang="en-US" sz="1200" b="0" i="0" kern="1200" dirty="0" smtClean="0">
-                <a:solidFill>
-                  <a:schemeClr val="tx1"/>
-                </a:solidFill>
-                <a:effectLst/>
-                <a:latin typeface="+mn-lt"/>
-                <a:ea typeface="+mn-ea"/>
-                <a:cs typeface="+mn-cs"/>
-                <a:hlinkClick r:id="rId3"/>
-              </a:rPr>
-              <a:t>http://www.data.gov/education/</a:t>
-            </a:r>
-            <a:endParaRPr lang="en-US" sz="1200" b="0" i="0" kern="1200" dirty="0" smtClean="0">
-              <a:solidFill>
-                <a:schemeClr val="tx1"/>
-              </a:solidFill>
-              <a:effectLst/>
-              <a:latin typeface="+mn-lt"/>
-              <a:ea typeface="+mn-ea"/>
-              <a:cs typeface="+mn-cs"/>
-            </a:endParaRPr>
-          </a:p>
-          <a:p>
-            <a:r>
-              <a:rPr lang="en-US" sz="1200" b="0" i="0" kern="1200" dirty="0" smtClean="0">
-                <a:solidFill>
-                  <a:schemeClr val="tx1"/>
-                </a:solidFill>
-                <a:effectLst/>
-                <a:latin typeface="+mn-lt"/>
-                <a:ea typeface="+mn-ea"/>
-                <a:cs typeface="+mn-cs"/>
-                <a:hlinkClick r:id="rId4"/>
-              </a:rPr>
-              <a:t>http://www.census.gov/</a:t>
-            </a:r>
-            <a:endParaRPr lang="en-US" sz="1200" b="0" i="0" kern="1200" dirty="0" smtClean="0">
-              <a:solidFill>
-                <a:schemeClr val="tx1"/>
-              </a:solidFill>
-              <a:effectLst/>
-              <a:latin typeface="+mn-lt"/>
-              <a:ea typeface="+mn-ea"/>
-              <a:cs typeface="+mn-cs"/>
-            </a:endParaRPr>
-          </a:p>
-          <a:p>
-            <a:r>
-              <a:rPr lang="en-US" sz="1200" b="0" i="0" kern="1200" dirty="0" smtClean="0">
-                <a:solidFill>
-                  <a:schemeClr val="tx1"/>
-                </a:solidFill>
-                <a:effectLst/>
-                <a:latin typeface="+mn-lt"/>
-                <a:ea typeface="+mn-ea"/>
-                <a:cs typeface="+mn-cs"/>
-                <a:hlinkClick r:id="rId5"/>
-              </a:rPr>
-              <a:t>http://www.bls.gov/</a:t>
-            </a:r>
-            <a:endParaRPr lang="en-US" sz="1200" b="0" i="0" kern="1200" dirty="0" smtClean="0">
-              <a:solidFill>
-                <a:schemeClr val="tx1"/>
-              </a:solidFill>
-              <a:effectLst/>
-              <a:latin typeface="+mn-lt"/>
-              <a:ea typeface="+mn-ea"/>
-              <a:cs typeface="+mn-cs"/>
-            </a:endParaRPr>
-          </a:p>
-          <a:p>
-            <a:r>
-              <a:rPr lang="en-US" sz="1200" b="0" i="0" kern="1200" dirty="0" smtClean="0">
-                <a:solidFill>
-                  <a:schemeClr val="tx1"/>
-                </a:solidFill>
-                <a:effectLst/>
-                <a:latin typeface="+mn-lt"/>
-                <a:ea typeface="+mn-ea"/>
-                <a:cs typeface="+mn-cs"/>
-                <a:hlinkClick r:id="rId6"/>
-              </a:rPr>
-              <a:t>http://www.gapminder.org/data/</a:t>
-            </a:r>
-            <a:r>
-              <a:rPr lang="en-US" sz="1200" b="0" i="0" kern="1200" dirty="0" smtClean="0">
-                <a:solidFill>
-                  <a:schemeClr val="tx1"/>
-                </a:solidFill>
-                <a:effectLst/>
-                <a:latin typeface="+mn-lt"/>
-                <a:ea typeface="+mn-ea"/>
-                <a:cs typeface="+mn-cs"/>
-              </a:rPr>
-              <a:t> </a:t>
-            </a:r>
-          </a:p>
-          <a:p>
-            <a:r>
-              <a:rPr lang="en-US" sz="1200" b="0" i="0" kern="1200" dirty="0" smtClean="0">
-                <a:solidFill>
-                  <a:schemeClr val="tx1"/>
-                </a:solidFill>
-                <a:effectLst/>
-                <a:latin typeface="+mn-lt"/>
-                <a:ea typeface="+mn-ea"/>
-                <a:cs typeface="+mn-cs"/>
-                <a:hlinkClick r:id="rId7"/>
-              </a:rPr>
-              <a:t>https://data.cityofmadison.com/</a:t>
-            </a:r>
-            <a:endParaRPr lang="en-US" sz="1200" b="0" i="0" kern="1200" dirty="0" smtClean="0">
-              <a:solidFill>
-                <a:schemeClr val="tx1"/>
-              </a:solidFill>
-              <a:effectLst/>
-              <a:latin typeface="+mn-lt"/>
-              <a:ea typeface="+mn-ea"/>
-              <a:cs typeface="+mn-cs"/>
-            </a:endParaRPr>
-          </a:p>
-          <a:p>
-            <a:pPr marL="171450" indent="-171450">
-              <a:buFontTx/>
-              <a:buChar char="-"/>
-            </a:pPr>
-            <a:endParaRPr lang="en-US" baseline="0" dirty="0" smtClean="0"/>
-          </a:p>
-          <a:p>
-            <a:pPr marL="171450" indent="-171450">
-              <a:buFontTx/>
-              <a:buChar char="-"/>
-            </a:pPr>
-            <a:r>
-              <a:rPr lang="en-US" baseline="0" dirty="0" smtClean="0"/>
-              <a:t>Data from Social Media sites</a:t>
-            </a:r>
-          </a:p>
-          <a:p>
-            <a:pPr marL="171450" indent="-171450">
-              <a:buFontTx/>
-              <a:buChar char="-"/>
-            </a:pPr>
-            <a:r>
-              <a:rPr lang="en-US" baseline="0" dirty="0" smtClean="0"/>
-              <a:t>Marketing and Tracking Data</a:t>
-            </a:r>
-          </a:p>
-          <a:p>
-            <a:pPr marL="171450" indent="-171450">
-              <a:buFontTx/>
-              <a:buChar char="-"/>
-            </a:pPr>
-            <a:r>
-              <a:rPr lang="en-US" baseline="0" dirty="0" smtClean="0"/>
-              <a:t>The Internet of Things</a:t>
-            </a:r>
-          </a:p>
-          <a:p>
-            <a:pPr marL="171450" indent="-171450">
-              <a:buFontTx/>
-              <a:buChar char="-"/>
-            </a:pPr>
-            <a:r>
-              <a:rPr lang="en-US" baseline="0" dirty="0" smtClean="0"/>
-              <a:t>Logging Data</a:t>
-            </a:r>
-          </a:p>
-          <a:p>
-            <a:pPr marL="171450" indent="-171450">
-              <a:buFontTx/>
-              <a:buChar char="-"/>
-            </a:pPr>
-            <a:r>
-              <a:rPr lang="en-US" baseline="0" dirty="0" smtClean="0"/>
-              <a:t>A/B Tests and Usage Data</a:t>
-            </a:r>
-          </a:p>
-          <a:p>
-            <a:pPr marL="171450" indent="-171450">
-              <a:buFontTx/>
-              <a:buChar char="-"/>
-            </a:pPr>
-            <a:endParaRPr lang="en-US" baseline="0" dirty="0" smtClean="0"/>
-          </a:p>
-          <a:p>
-            <a:pPr marL="171450" indent="-171450">
-              <a:buFontTx/>
-              <a:buChar char="-"/>
-            </a:pPr>
-            <a:r>
-              <a:rPr lang="en-US" baseline="0" dirty="0" smtClean="0"/>
-              <a:t>Sources: </a:t>
-            </a:r>
-          </a:p>
-          <a:p>
-            <a:pPr marL="171450" indent="-171450">
-              <a:buFontTx/>
-              <a:buChar char="-"/>
-            </a:pPr>
-            <a:r>
-              <a:rPr lang="en-US" baseline="0" dirty="0" smtClean="0"/>
-              <a:t>http://www.storagenewsletter.com/rubriques/market-reportsresearch/ibm-cmo-study/</a:t>
-            </a:r>
-          </a:p>
-          <a:p>
-            <a:pPr marL="171450" indent="-171450">
-              <a:buFontTx/>
-              <a:buChar char="-"/>
-            </a:pPr>
-            <a:r>
-              <a:rPr lang="en-US" baseline="0" dirty="0" smtClean="0"/>
-              <a:t>http://www.sciencedaily.com/releases/2013/05/130522085217.htm</a:t>
-            </a:r>
-          </a:p>
-          <a:p>
-            <a:pPr marL="171450" indent="-171450">
-              <a:buFontTx/>
-              <a:buChar char="-"/>
-            </a:pPr>
-            <a:endParaRPr lang="en-US" baseline="0" dirty="0" smtClean="0"/>
-          </a:p>
-          <a:p>
-            <a:pPr marL="171450" indent="-171450">
-              <a:buFontTx/>
-              <a:buChar char="-"/>
-            </a:pPr>
-            <a:endParaRPr lang="en-US" dirty="0" smtClean="0"/>
-          </a:p>
-          <a:p>
-            <a:endParaRPr lang="en-US" dirty="0" smtClean="0"/>
-          </a:p>
-          <a:p>
             <a:endParaRPr lang="en-US" dirty="0"/>
           </a:p>
         </p:txBody>
@@ -865,7 +553,7 @@
     </p:spTree>
     <p:extLst>
       <p:ext uri="{BB962C8B-B14F-4D97-AF65-F5344CB8AC3E}">
-        <p14:creationId xmlns:p14="http://schemas.microsoft.com/office/powerpoint/2010/main" val="986720431"/>
+        <p14:creationId xmlns:p14="http://schemas.microsoft.com/office/powerpoint/2010/main" val="1713446858"/>
       </p:ext>
     </p:extLst>
   </p:cSld>
@@ -902,70 +590,37 @@
             <p:ph type="sldImg"/>
           </p:nvPr>
         </p:nvSpPr>
+        <p:spPr>
+          <a:xfrm>
+            <a:off x="1371600" y="1143000"/>
+            <a:ext cx="4114800" cy="3086100"/>
+          </a:xfrm>
+        </p:spPr>
+      </p:sp>
+      <p:sp>
+        <p:nvSpPr>
+          <p:cNvPr id="3" name="Notes Placeholder 2"/>
+          <p:cNvSpPr>
+            <a:spLocks noGrp="1"/>
+          </p:cNvSpPr>
+          <p:nvPr>
+            <p:ph type="body" idx="1"/>
+          </p:nvPr>
+        </p:nvSpPr>
         <p:spPr/>
-      </p:sp>
-      <p:sp>
-        <p:nvSpPr>
-          <p:cNvPr id="3" name="Notes Placeholder 2"/>
-          <p:cNvSpPr>
-            <a:spLocks noGrp="1"/>
-          </p:cNvSpPr>
-          <p:nvPr>
-            <p:ph type="body" idx="1"/>
-          </p:nvPr>
-        </p:nvSpPr>
-        <p:spPr/>
         <p:txBody>
           <a:bodyPr/>
           <a:lstStyle/>
           <a:p>
-            <a:r>
-              <a:rPr lang="en-US" dirty="0" err="1" smtClean="0"/>
-              <a:t>Rect</a:t>
-            </a:r>
+            <a:endParaRPr lang="en-US" baseline="0" dirty="0" smtClean="0"/>
+          </a:p>
+          <a:p>
             <a:r>
               <a:rPr lang="en-US" baseline="0" dirty="0" smtClean="0"/>
-              <a:t> – x, y, width, height</a:t>
-            </a:r>
-          </a:p>
-          <a:p>
-            <a:endParaRPr lang="en-US" baseline="0" dirty="0" smtClean="0"/>
-          </a:p>
-          <a:p>
-            <a:r>
-              <a:rPr lang="en-US" baseline="0" dirty="0" smtClean="0"/>
-              <a:t>SVG concepts</a:t>
-            </a:r>
-          </a:p>
-          <a:p>
-            <a:pPr marL="171450" indent="-171450">
-              <a:buFontTx/>
-              <a:buChar char="-"/>
-            </a:pPr>
-            <a:r>
-              <a:rPr lang="en-US" baseline="0" dirty="0" smtClean="0"/>
-              <a:t>Can apply classes</a:t>
-            </a:r>
-          </a:p>
-          <a:p>
-            <a:pPr marL="171450" indent="-171450">
-              <a:buFontTx/>
-              <a:buChar char="-"/>
-            </a:pPr>
-            <a:r>
-              <a:rPr lang="en-US" dirty="0" smtClean="0"/>
-              <a:t>Layering</a:t>
-            </a:r>
-            <a:r>
-              <a:rPr lang="en-US" baseline="0" dirty="0" smtClean="0"/>
-              <a:t> -&gt; no z-index</a:t>
-            </a:r>
-          </a:p>
-          <a:p>
-            <a:pPr marL="171450" indent="-171450">
-              <a:buFontTx/>
-              <a:buChar char="-"/>
-            </a:pPr>
+              <a:t>Circles have a center x, y and a radius</a:t>
+            </a:r>
+          </a:p>
+          <a:p>
             <a:endParaRPr lang="en-US" dirty="0"/>
           </a:p>
         </p:txBody>
@@ -996,7 +651,7 @@
     </p:spTree>
     <p:extLst>
       <p:ext uri="{BB962C8B-B14F-4D97-AF65-F5344CB8AC3E}">
-        <p14:creationId xmlns:p14="http://schemas.microsoft.com/office/powerpoint/2010/main" val="4083622278"/>
+        <p14:creationId xmlns:p14="http://schemas.microsoft.com/office/powerpoint/2010/main" val="2161615869"/>
       </p:ext>
     </p:extLst>
   </p:cSld>
@@ -1033,27 +688,75 @@
             <p:ph type="sldImg"/>
           </p:nvPr>
         </p:nvSpPr>
+        <p:spPr>
+          <a:xfrm>
+            <a:off x="1371600" y="1143000"/>
+            <a:ext cx="4114800" cy="3086100"/>
+          </a:xfrm>
+        </p:spPr>
+      </p:sp>
+      <p:sp>
+        <p:nvSpPr>
+          <p:cNvPr id="3" name="Notes Placeholder 2"/>
+          <p:cNvSpPr>
+            <a:spLocks noGrp="1"/>
+          </p:cNvSpPr>
+          <p:nvPr>
+            <p:ph type="body" idx="1"/>
+          </p:nvPr>
+        </p:nvSpPr>
         <p:spPr/>
-      </p:sp>
-      <p:sp>
-        <p:nvSpPr>
-          <p:cNvPr id="3" name="Notes Placeholder 2"/>
-          <p:cNvSpPr>
-            <a:spLocks noGrp="1"/>
-          </p:cNvSpPr>
-          <p:nvPr>
-            <p:ph type="body" idx="1"/>
-          </p:nvPr>
-        </p:nvSpPr>
-        <p:spPr/>
         <p:txBody>
           <a:bodyPr/>
           <a:lstStyle/>
           <a:p>
             <a:r>
-              <a:rPr lang="en-US" smtClean="0"/>
-              <a:t>Demo</a:t>
-            </a:r>
+              <a:rPr lang="en-US" dirty="0" err="1" smtClean="0"/>
+              <a:t>Rect</a:t>
+            </a:r>
+            <a:r>
+              <a:rPr lang="en-US" baseline="0" dirty="0" smtClean="0"/>
+              <a:t> – x, y, width, height</a:t>
+            </a:r>
+          </a:p>
+          <a:p>
+            <a:endParaRPr lang="en-US" baseline="0" dirty="0" smtClean="0"/>
+          </a:p>
+          <a:p>
+            <a:r>
+              <a:rPr lang="en-US" baseline="0" dirty="0" smtClean="0"/>
+              <a:t>SVG concepts</a:t>
+            </a:r>
+          </a:p>
+          <a:p>
+            <a:pPr marL="171450" indent="-171450">
+              <a:buFontTx/>
+              <a:buChar char="-"/>
+            </a:pPr>
+            <a:r>
+              <a:rPr lang="en-US" baseline="0" dirty="0" smtClean="0"/>
+              <a:t>Can apply classes</a:t>
+            </a:r>
+          </a:p>
+          <a:p>
+            <a:pPr marL="171450" indent="-171450">
+              <a:buFontTx/>
+              <a:buChar char="-"/>
+            </a:pPr>
+            <a:r>
+              <a:rPr lang="en-US" dirty="0" smtClean="0"/>
+              <a:t>Layering</a:t>
+            </a:r>
+            <a:r>
+              <a:rPr lang="en-US" baseline="0" dirty="0" smtClean="0"/>
+              <a:t> -&gt; no z-index</a:t>
+            </a:r>
+          </a:p>
+          <a:p>
+            <a:pPr marL="171450" indent="-171450">
+              <a:buFontTx/>
+              <a:buChar char="-"/>
+            </a:pPr>
             <a:endParaRPr lang="en-US" dirty="0"/>
           </a:p>
         </p:txBody>
@@ -1084,7 +787,7 @@
     </p:spTree>
     <p:extLst>
       <p:ext uri="{BB962C8B-B14F-4D97-AF65-F5344CB8AC3E}">
-        <p14:creationId xmlns:p14="http://schemas.microsoft.com/office/powerpoint/2010/main" val="465035691"/>
+        <p14:creationId xmlns:p14="http://schemas.microsoft.com/office/powerpoint/2010/main" val="4083622278"/>
       </p:ext>
     </p:extLst>
   </p:cSld>
@@ -1121,31 +824,33 @@
             <p:ph type="sldImg"/>
           </p:nvPr>
         </p:nvSpPr>
+        <p:spPr>
+          <a:xfrm>
+            <a:off x="1371600" y="1143000"/>
+            <a:ext cx="4114800" cy="3086100"/>
+          </a:xfrm>
+        </p:spPr>
+      </p:sp>
+      <p:sp>
+        <p:nvSpPr>
+          <p:cNvPr id="3" name="Notes Placeholder 2"/>
+          <p:cNvSpPr>
+            <a:spLocks noGrp="1"/>
+          </p:cNvSpPr>
+          <p:nvPr>
+            <p:ph type="body" idx="1"/>
+          </p:nvPr>
+        </p:nvSpPr>
         <p:spPr/>
-      </p:sp>
-      <p:sp>
-        <p:nvSpPr>
-          <p:cNvPr id="3" name="Notes Placeholder 2"/>
-          <p:cNvSpPr>
-            <a:spLocks noGrp="1"/>
-          </p:cNvSpPr>
-          <p:nvPr>
-            <p:ph type="body" idx="1"/>
-          </p:nvPr>
-        </p:nvSpPr>
-        <p:spPr/>
         <p:txBody>
           <a:bodyPr/>
           <a:lstStyle/>
           <a:p>
             <a:r>
               <a:rPr lang="en-US" dirty="0" smtClean="0"/>
-              <a:t>Show</a:t>
-            </a:r>
-            <a:r>
-              <a:rPr lang="en-US" baseline="0" dirty="0" smtClean="0"/>
-              <a:t> basic updating</a:t>
-            </a:r>
+              <a:t>Demo</a:t>
+            </a:r>
+            <a:endParaRPr lang="en-US" dirty="0"/>
           </a:p>
         </p:txBody>
       </p:sp>
@@ -1175,7 +880,7 @@
     </p:spTree>
     <p:extLst>
       <p:ext uri="{BB962C8B-B14F-4D97-AF65-F5344CB8AC3E}">
-        <p14:creationId xmlns:p14="http://schemas.microsoft.com/office/powerpoint/2010/main" val="773276683"/>
+        <p14:creationId xmlns:p14="http://schemas.microsoft.com/office/powerpoint/2010/main" val="158761495"/>
       </p:ext>
     </p:extLst>
   </p:cSld>
@@ -1212,16 +917,40 @@
             <p:ph type="sldImg"/>
           </p:nvPr>
         </p:nvSpPr>
+        <p:spPr>
+          <a:xfrm>
+            <a:off x="1371600" y="1143000"/>
+            <a:ext cx="4114800" cy="3086100"/>
+          </a:xfrm>
+        </p:spPr>
+      </p:sp>
+      <p:sp>
+        <p:nvSpPr>
+          <p:cNvPr id="3" name="Notes Placeholder 2"/>
+          <p:cNvSpPr>
+            <a:spLocks noGrp="1"/>
+          </p:cNvSpPr>
+          <p:nvPr>
+            <p:ph type="body" idx="1"/>
+          </p:nvPr>
+        </p:nvSpPr>
         <p:spPr/>
-      </p:sp>
-      <p:sp>
-        <p:nvSpPr>
-          <p:cNvPr id="3" name="Notes Placeholder 2"/>
-          <p:cNvSpPr>
-            <a:spLocks noGrp="1"/>
-          </p:cNvSpPr>
-          <p:nvPr>
-            <p:ph type="body" idx="1"/>
+        <p:txBody>
+          <a:bodyPr/>
+          <a:lstStyle/>
+          <a:p>
+            <a:endParaRPr lang="en-US" dirty="0"/>
+          </a:p>
+        </p:txBody>
+      </p:sp>
+      <p:sp>
+        <p:nvSpPr>
+          <p:cNvPr id="4" name="Slide Number Placeholder 3"/>
+          <p:cNvSpPr>
+            <a:spLocks noGrp="1"/>
+          </p:cNvSpPr>
+          <p:nvPr>
+            <p:ph type="sldNum" sz="quarter" idx="10"/>
           </p:nvPr>
         </p:nvSpPr>
         <p:spPr/>
@@ -1229,223 +958,9 @@
           <a:bodyPr/>
           <a:lstStyle/>
           <a:p>
-            <a:r>
-              <a:rPr lang="en-US" dirty="0" err="1" smtClean="0"/>
-              <a:t>Todo</a:t>
-            </a:r>
-            <a:endParaRPr lang="en-US" dirty="0" smtClean="0"/>
-          </a:p>
-          <a:p>
-            <a:endParaRPr lang="en-US" dirty="0" smtClean="0"/>
-          </a:p>
-          <a:p>
-            <a:r>
-              <a:rPr lang="en-US" dirty="0" smtClean="0"/>
-              <a:t>Show</a:t>
-            </a:r>
-            <a:r>
-              <a:rPr lang="en-US" baseline="0" dirty="0" smtClean="0"/>
-              <a:t> some of the different layouts and demo one of them</a:t>
-            </a:r>
-            <a:endParaRPr lang="en-US" dirty="0"/>
-          </a:p>
-        </p:txBody>
-      </p:sp>
-      <p:sp>
-        <p:nvSpPr>
-          <p:cNvPr id="4" name="Slide Number Placeholder 3"/>
-          <p:cNvSpPr>
-            <a:spLocks noGrp="1"/>
-          </p:cNvSpPr>
-          <p:nvPr>
-            <p:ph type="sldNum" sz="quarter" idx="10"/>
-          </p:nvPr>
-        </p:nvSpPr>
-        <p:spPr/>
-        <p:txBody>
-          <a:bodyPr/>
-          <a:lstStyle/>
-          <a:p>
             <a:fld id="{2CA6A022-9899-462F-AF11-091E7F58E280}" type="slidenum">
               <a:rPr lang="en-US" smtClean="0"/>
               <a:t>15</a:t>
-            </a:fld>
-            <a:endParaRPr lang="en-US"/>
-          </a:p>
-        </p:txBody>
-      </p:sp>
-    </p:spTree>
-    <p:extLst>
-      <p:ext uri="{BB962C8B-B14F-4D97-AF65-F5344CB8AC3E}">
-        <p14:creationId xmlns:p14="http://schemas.microsoft.com/office/powerpoint/2010/main" val="2892448011"/>
-      </p:ext>
-    </p:extLst>
-  </p:cSld>
-  <p:clrMapOvr>
-    <a:masterClrMapping/>
-  </p:clrMapOvr>
-</p:notes>
-</file>
-
-<file path=ppt/notesSlides/notesSlide14.xml><?xml version="1.0" encoding="utf-8"?>
-<p:notes xmlns:a="http://schemas.openxmlformats.org/drawingml/2006/main" xmlns:r="http://schemas.openxmlformats.org/officeDocument/2006/relationships" xmlns:p="http://schemas.openxmlformats.org/presentationml/2006/main">
-  <p:cSld>
-    <p:spTree>
-      <p:nvGrpSpPr>
-        <p:cNvPr id="1" name=""/>
-        <p:cNvGrpSpPr/>
-        <p:nvPr/>
-      </p:nvGrpSpPr>
-      <p:grpSpPr>
-        <a:xfrm>
-          <a:off x="0" y="0"/>
-          <a:ext cx="0" cy="0"/>
-          <a:chOff x="0" y="0"/>
-          <a:chExt cx="0" cy="0"/>
-        </a:xfrm>
-      </p:grpSpPr>
-      <p:sp>
-        <p:nvSpPr>
-          <p:cNvPr id="2" name="Slide Image Placeholder 1"/>
-          <p:cNvSpPr>
-            <a:spLocks noGrp="1" noRot="1" noChangeAspect="1"/>
-          </p:cNvSpPr>
-          <p:nvPr>
-            <p:ph type="sldImg"/>
-          </p:nvPr>
-        </p:nvSpPr>
-        <p:spPr/>
-      </p:sp>
-      <p:sp>
-        <p:nvSpPr>
-          <p:cNvPr id="3" name="Notes Placeholder 2"/>
-          <p:cNvSpPr>
-            <a:spLocks noGrp="1"/>
-          </p:cNvSpPr>
-          <p:nvPr>
-            <p:ph type="body" idx="1"/>
-          </p:nvPr>
-        </p:nvSpPr>
-        <p:spPr/>
-        <p:txBody>
-          <a:bodyPr/>
-          <a:lstStyle/>
-          <a:p>
-            <a:r>
-              <a:rPr lang="en-US" dirty="0" smtClean="0"/>
-              <a:t>Save the SVG</a:t>
-            </a:r>
-          </a:p>
-          <a:p>
-            <a:endParaRPr lang="en-US" dirty="0" smtClean="0"/>
-          </a:p>
-          <a:p>
-            <a:endParaRPr lang="en-US" dirty="0"/>
-          </a:p>
-        </p:txBody>
-      </p:sp>
-      <p:sp>
-        <p:nvSpPr>
-          <p:cNvPr id="4" name="Slide Number Placeholder 3"/>
-          <p:cNvSpPr>
-            <a:spLocks noGrp="1"/>
-          </p:cNvSpPr>
-          <p:nvPr>
-            <p:ph type="sldNum" sz="quarter" idx="10"/>
-          </p:nvPr>
-        </p:nvSpPr>
-        <p:spPr/>
-        <p:txBody>
-          <a:bodyPr/>
-          <a:lstStyle/>
-          <a:p>
-            <a:fld id="{2CA6A022-9899-462F-AF11-091E7F58E280}" type="slidenum">
-              <a:rPr lang="en-US" smtClean="0"/>
-              <a:t>16</a:t>
-            </a:fld>
-            <a:endParaRPr lang="en-US"/>
-          </a:p>
-        </p:txBody>
-      </p:sp>
-    </p:spTree>
-    <p:extLst>
-      <p:ext uri="{BB962C8B-B14F-4D97-AF65-F5344CB8AC3E}">
-        <p14:creationId xmlns:p14="http://schemas.microsoft.com/office/powerpoint/2010/main" val="1784429299"/>
-      </p:ext>
-    </p:extLst>
-  </p:cSld>
-  <p:clrMapOvr>
-    <a:masterClrMapping/>
-  </p:clrMapOvr>
-</p:notes>
-</file>
-
-<file path=ppt/notesSlides/notesSlide15.xml><?xml version="1.0" encoding="utf-8"?>
-<p:notes xmlns:a="http://schemas.openxmlformats.org/drawingml/2006/main" xmlns:r="http://schemas.openxmlformats.org/officeDocument/2006/relationships" xmlns:p="http://schemas.openxmlformats.org/presentationml/2006/main">
-  <p:cSld>
-    <p:spTree>
-      <p:nvGrpSpPr>
-        <p:cNvPr id="1" name=""/>
-        <p:cNvGrpSpPr/>
-        <p:nvPr/>
-      </p:nvGrpSpPr>
-      <p:grpSpPr>
-        <a:xfrm>
-          <a:off x="0" y="0"/>
-          <a:ext cx="0" cy="0"/>
-          <a:chOff x="0" y="0"/>
-          <a:chExt cx="0" cy="0"/>
-        </a:xfrm>
-      </p:grpSpPr>
-      <p:sp>
-        <p:nvSpPr>
-          <p:cNvPr id="2" name="Slide Image Placeholder 1"/>
-          <p:cNvSpPr>
-            <a:spLocks noGrp="1" noRot="1" noChangeAspect="1"/>
-          </p:cNvSpPr>
-          <p:nvPr>
-            <p:ph type="sldImg"/>
-          </p:nvPr>
-        </p:nvSpPr>
-        <p:spPr/>
-      </p:sp>
-      <p:sp>
-        <p:nvSpPr>
-          <p:cNvPr id="3" name="Notes Placeholder 2"/>
-          <p:cNvSpPr>
-            <a:spLocks noGrp="1"/>
-          </p:cNvSpPr>
-          <p:nvPr>
-            <p:ph type="body" idx="1"/>
-          </p:nvPr>
-        </p:nvSpPr>
-        <p:spPr/>
-        <p:txBody>
-          <a:bodyPr/>
-          <a:lstStyle/>
-          <a:p>
-            <a:endParaRPr lang="en-US" dirty="0"/>
-          </a:p>
-        </p:txBody>
-      </p:sp>
-      <p:sp>
-        <p:nvSpPr>
-          <p:cNvPr id="4" name="Slide Number Placeholder 3"/>
-          <p:cNvSpPr>
-            <a:spLocks noGrp="1"/>
-          </p:cNvSpPr>
-          <p:nvPr>
-            <p:ph type="sldNum" sz="quarter" idx="10"/>
-          </p:nvPr>
-        </p:nvSpPr>
-        <p:spPr/>
-        <p:txBody>
-          <a:bodyPr/>
-          <a:lstStyle/>
-          <a:p>
-            <a:fld id="{2CA6A022-9899-462F-AF11-091E7F58E280}" type="slidenum">
-              <a:rPr lang="en-US" smtClean="0"/>
-              <a:t>17</a:t>
             </a:fld>
             <a:endParaRPr lang="en-US"/>
           </a:p>
@@ -1491,164 +1006,105 @@
             <p:ph type="sldImg"/>
           </p:nvPr>
         </p:nvSpPr>
+        <p:spPr>
+          <a:xfrm>
+            <a:off x="1371600" y="1143000"/>
+            <a:ext cx="4114800" cy="3086100"/>
+          </a:xfrm>
+        </p:spPr>
+      </p:sp>
+      <p:sp>
+        <p:nvSpPr>
+          <p:cNvPr id="3" name="Notes Placeholder 2"/>
+          <p:cNvSpPr>
+            <a:spLocks noGrp="1"/>
+          </p:cNvSpPr>
+          <p:nvPr>
+            <p:ph type="body" idx="1"/>
+          </p:nvPr>
+        </p:nvSpPr>
         <p:spPr/>
-      </p:sp>
-      <p:sp>
-        <p:nvSpPr>
-          <p:cNvPr id="3" name="Notes Placeholder 2"/>
-          <p:cNvSpPr>
-            <a:spLocks noGrp="1"/>
-          </p:cNvSpPr>
-          <p:nvPr>
-            <p:ph type="body" idx="1"/>
-          </p:nvPr>
-        </p:nvSpPr>
-        <p:spPr/>
         <p:txBody>
           <a:bodyPr/>
           <a:lstStyle/>
           <a:p>
             <a:r>
               <a:rPr lang="en-US" dirty="0" smtClean="0"/>
-              <a:t>We can use visuals to</a:t>
+              <a:t>Two ways:</a:t>
             </a:r>
             <a:r>
               <a:rPr lang="en-US" baseline="0" dirty="0" smtClean="0"/>
-              <a:t> give meaning to data that’s too abstract to understand. This understanding creates perspective. </a:t>
-            </a:r>
-          </a:p>
-          <a:p>
-            <a:endParaRPr lang="en-US" baseline="0" dirty="0" smtClean="0"/>
-          </a:p>
-          <a:p>
+              <a:t> </a:t>
+            </a:r>
+          </a:p>
+          <a:p>
+            <a:pPr marL="228600" indent="-228600">
+              <a:buAutoNum type="arabicPeriod"/>
+            </a:pPr>
             <a:r>
               <a:rPr lang="en-US" baseline="0" dirty="0" smtClean="0"/>
-              <a:t>Examples: </a:t>
-            </a:r>
-          </a:p>
-          <a:p>
+              <a:t>Increased conceptualization of large numbers</a:t>
+            </a:r>
+          </a:p>
+          <a:p>
+            <a:pPr marL="685800" lvl="1" indent="-228600">
+              <a:buAutoNum type="arabicPeriod"/>
+            </a:pPr>
             <a:r>
               <a:rPr lang="en-US" baseline="0" dirty="0" smtClean="0"/>
-              <a:t>Federal budget numbers</a:t>
-            </a:r>
-          </a:p>
-          <a:p>
+              <a:t>National Budgets</a:t>
+            </a:r>
+          </a:p>
+          <a:p>
+            <a:pPr marL="685800" lvl="1" indent="-228600">
+              <a:buAutoNum type="arabicPeriod"/>
+            </a:pPr>
             <a:r>
               <a:rPr lang="en-US" baseline="0" dirty="0" smtClean="0"/>
-              <a:t>Planet Sized</a:t>
-            </a:r>
-          </a:p>
-          <a:p>
-            <a:endParaRPr lang="en-US" baseline="0" dirty="0" smtClean="0"/>
-          </a:p>
-          <a:p>
-            <a:r>
-              <a:rPr lang="en-US" baseline="0" dirty="0" smtClean="0"/>
-              <a:t>Examples: </a:t>
-            </a:r>
-          </a:p>
-          <a:p>
-            <a:r>
-              <a:rPr lang="en-US" baseline="0" dirty="0" smtClean="0"/>
-              <a:t>http://xkcd.com/980/huge</a:t>
-            </a:r>
-          </a:p>
-          <a:p>
-            <a:r>
-              <a:rPr lang="en-US" baseline="0" dirty="0" smtClean="0"/>
-              <a:t>- Money from 1$ to National Budget</a:t>
-            </a:r>
-          </a:p>
-          <a:p>
-            <a:endParaRPr lang="en-US" baseline="0" dirty="0" smtClean="0"/>
-          </a:p>
-          <a:p>
-            <a:r>
-              <a:rPr lang="en-US" baseline="0" dirty="0" smtClean="0"/>
-              <a:t>http://bost.ocks.org/mike/nations/</a:t>
-            </a:r>
-          </a:p>
-          <a:p>
-            <a:pPr marL="171450" indent="-171450">
-              <a:buFontTx/>
-              <a:buChar char="-"/>
-            </a:pPr>
-            <a:r>
-              <a:rPr lang="en-US" baseline="0" dirty="0" smtClean="0"/>
-              <a:t>D3 representation of </a:t>
-            </a:r>
-            <a:r>
-              <a:rPr lang="en-US" baseline="0" dirty="0" err="1" smtClean="0"/>
-              <a:t>Gapminder</a:t>
-            </a:r>
-            <a:r>
-              <a:rPr lang="en-US" baseline="0" dirty="0" smtClean="0"/>
-              <a:t> data</a:t>
-            </a:r>
-          </a:p>
-          <a:p>
-            <a:pPr marL="171450" indent="-171450">
-              <a:buFontTx/>
-              <a:buChar char="-"/>
+              <a:t>Planet Sizes</a:t>
+            </a:r>
+          </a:p>
+          <a:p>
+            <a:pPr marL="685800" lvl="1" indent="-228600">
+              <a:buAutoNum type="arabicPeriod"/>
             </a:pPr>
             <a:endParaRPr lang="en-US" baseline="0" dirty="0" smtClean="0"/>
           </a:p>
           <a:p>
-            <a:pPr marL="171450" indent="-171450">
-              <a:buFontTx/>
-              <a:buChar char="-"/>
+            <a:pPr marL="337500" lvl="1" indent="0">
+              <a:buNone/>
             </a:pPr>
             <a:r>
-              <a:rPr lang="en-US" baseline="0" dirty="0" smtClean="0"/>
-              <a:t>200 years that changed the world (</a:t>
-            </a:r>
-            <a:r>
-              <a:rPr lang="en-US" baseline="0" dirty="0" err="1" smtClean="0"/>
-              <a:t>Gapminder</a:t>
-            </a:r>
-            <a:r>
-              <a:rPr lang="en-US" baseline="0" dirty="0" smtClean="0"/>
-              <a:t>)</a:t>
-            </a:r>
-          </a:p>
-          <a:p>
-            <a:pPr marL="0" indent="0">
-              <a:buFontTx/>
+              <a:rPr lang="en-US" dirty="0" smtClean="0">
+                <a:hlinkClick r:id="rId3"/>
+              </a:rPr>
+              <a:t>http://xkcd.com/980/huge</a:t>
+            </a:r>
+            <a:endParaRPr lang="en-US" dirty="0" smtClean="0"/>
+          </a:p>
+          <a:p>
+            <a:pPr marL="337500" lvl="1" indent="0">
               <a:buNone/>
             </a:pPr>
             <a:r>
-              <a:rPr lang="en-US" baseline="0" dirty="0" smtClean="0"/>
-              <a:t>www.bit.ly/c6ItL7</a:t>
-            </a:r>
-          </a:p>
-          <a:p>
-            <a:pPr marL="171450" indent="-171450">
-              <a:buFontTx/>
-              <a:buChar char="-"/>
+              <a:rPr lang="en-US" dirty="0" smtClean="0">
+                <a:hlinkClick r:id="rId4"/>
+              </a:rPr>
+              <a:t>http://www.nytimes.com/interactive/2012/02/13/us/politics/2013-budget-proposal-graphic.html?_r=0</a:t>
+            </a:r>
+            <a:endParaRPr lang="en-US" dirty="0" smtClean="0"/>
+          </a:p>
+          <a:p>
+            <a:pPr marL="685800" lvl="1" indent="-228600">
+              <a:buAutoNum type="arabicPeriod"/>
             </a:pPr>
             <a:endParaRPr lang="en-US" baseline="0" dirty="0" smtClean="0"/>
           </a:p>
           <a:p>
-            <a:pPr marL="0" indent="0">
-              <a:buFontTx/>
-              <a:buNone/>
+            <a:pPr marL="685800" lvl="1" indent="-228600">
+              <a:buAutoNum type="arabicPeriod"/>
             </a:pPr>
-            <a:r>
-              <a:rPr lang="en-US" baseline="0" dirty="0" smtClean="0"/>
-              <a:t>Additional Representations</a:t>
-            </a:r>
-          </a:p>
-          <a:p>
-            <a:r>
-              <a:rPr lang="en-US" baseline="0" dirty="0" smtClean="0"/>
-              <a:t>-  https://github.com/mbostock/d3/wiki/Gallery</a:t>
-            </a:r>
-          </a:p>
-          <a:p>
             <a:endParaRPr lang="en-US" baseline="0" dirty="0" smtClean="0"/>
-          </a:p>
-          <a:p>
-            <a:endParaRPr lang="en-US" dirty="0"/>
           </a:p>
         </p:txBody>
       </p:sp>
@@ -1678,7 +1134,7 @@
     </p:spTree>
     <p:extLst>
       <p:ext uri="{BB962C8B-B14F-4D97-AF65-F5344CB8AC3E}">
-        <p14:creationId xmlns:p14="http://schemas.microsoft.com/office/powerpoint/2010/main" val="1345226008"/>
+        <p14:creationId xmlns:p14="http://schemas.microsoft.com/office/powerpoint/2010/main" val="1244309802"/>
       </p:ext>
     </p:extLst>
   </p:cSld>
@@ -1715,75 +1171,139 @@
             <p:ph type="sldImg"/>
           </p:nvPr>
         </p:nvSpPr>
+        <p:spPr>
+          <a:xfrm>
+            <a:off x="1371600" y="1143000"/>
+            <a:ext cx="4114800" cy="3086100"/>
+          </a:xfrm>
+        </p:spPr>
+      </p:sp>
+      <p:sp>
+        <p:nvSpPr>
+          <p:cNvPr id="3" name="Notes Placeholder 2"/>
+          <p:cNvSpPr>
+            <a:spLocks noGrp="1"/>
+          </p:cNvSpPr>
+          <p:nvPr>
+            <p:ph type="body" idx="1"/>
+          </p:nvPr>
+        </p:nvSpPr>
         <p:spPr/>
-      </p:sp>
-      <p:sp>
-        <p:nvSpPr>
-          <p:cNvPr id="3" name="Notes Placeholder 2"/>
-          <p:cNvSpPr>
-            <a:spLocks noGrp="1"/>
-          </p:cNvSpPr>
-          <p:nvPr>
-            <p:ph type="body" idx="1"/>
-          </p:nvPr>
-        </p:nvSpPr>
-        <p:spPr/>
         <p:txBody>
           <a:bodyPr/>
           <a:lstStyle/>
           <a:p>
+            <a:pPr marL="228600" indent="-228600">
+              <a:buAutoNum type="arabicPeriod"/>
+            </a:pPr>
+            <a:r>
+              <a:rPr lang="en-US" baseline="0" dirty="0" smtClean="0"/>
+              <a:t>Allows for meaning to be attached to large datasets</a:t>
+            </a:r>
+          </a:p>
+          <a:p>
+            <a:pPr marL="685800" lvl="1" indent="-228600">
+              <a:buAutoNum type="arabicPeriod"/>
+            </a:pPr>
+            <a:r>
+              <a:rPr lang="en-US" baseline="0" dirty="0" err="1" smtClean="0"/>
+              <a:t>Gapminder</a:t>
+            </a:r>
+            <a:r>
+              <a:rPr lang="en-US" baseline="0" dirty="0" smtClean="0"/>
+              <a:t> </a:t>
+            </a:r>
+            <a:r>
+              <a:rPr lang="en-US" baseline="0" dirty="0" smtClean="0"/>
+              <a:t>data</a:t>
+            </a:r>
+          </a:p>
+          <a:p>
+            <a:pPr marL="685800" lvl="1" indent="-228600">
+              <a:buAutoNum type="arabicPeriod"/>
+            </a:pPr>
+            <a:endParaRPr lang="en-US" baseline="0" dirty="0" smtClean="0"/>
+          </a:p>
+          <a:p>
+            <a:pPr marL="27675" indent="0">
+              <a:buNone/>
+            </a:pPr>
+            <a:r>
+              <a:rPr lang="en-US" sz="1200" dirty="0" smtClean="0">
+                <a:hlinkClick r:id="rId3"/>
+              </a:rPr>
+              <a:t>http://bost.ocks.org/mike/nations/</a:t>
+            </a:r>
+            <a:endParaRPr lang="en-US" sz="1200" dirty="0" smtClean="0"/>
+          </a:p>
+          <a:p>
+            <a:pPr marL="27675" indent="0">
+              <a:buNone/>
+            </a:pPr>
+            <a:endParaRPr lang="en-US" sz="1200" dirty="0" smtClean="0"/>
+          </a:p>
+          <a:p>
+            <a:endParaRPr lang="en-US" dirty="0" smtClean="0"/>
+          </a:p>
+          <a:p>
             <a:r>
               <a:rPr lang="en-US" dirty="0" smtClean="0"/>
-              <a:t>Stands</a:t>
+              <a:t>We can use visuals to</a:t>
             </a:r>
             <a:r>
               <a:rPr lang="en-US" baseline="0" dirty="0" smtClean="0"/>
-              <a:t> for </a:t>
-            </a:r>
-            <a:r>
-              <a:rPr lang="en-US" dirty="0" smtClean="0"/>
-              <a:t>Data Driven Documents</a:t>
-            </a:r>
-          </a:p>
-          <a:p>
-            <a:endParaRPr lang="en-US" dirty="0" smtClean="0"/>
-          </a:p>
-          <a:p>
-            <a:r>
-              <a:rPr lang="en-US" dirty="0" smtClean="0"/>
-              <a:t>Invented by Mike </a:t>
-            </a:r>
-            <a:r>
-              <a:rPr lang="en-US" dirty="0" err="1" smtClean="0"/>
-              <a:t>Bostock</a:t>
-            </a:r>
-            <a:r>
-              <a:rPr lang="en-US" dirty="0" smtClean="0"/>
-              <a:t> in 2011</a:t>
-            </a:r>
-          </a:p>
-          <a:p>
-            <a:r>
-              <a:rPr lang="en-US" dirty="0" smtClean="0"/>
-              <a:t>-</a:t>
-            </a:r>
+              <a:t> give meaning to data that’s too abstract to understand. This understanding creates perspective. </a:t>
+            </a:r>
+          </a:p>
+          <a:p>
+            <a:endParaRPr lang="en-US" baseline="0" dirty="0" smtClean="0"/>
+          </a:p>
+          <a:p>
             <a:r>
               <a:rPr lang="en-US" baseline="0" dirty="0" smtClean="0"/>
-              <a:t> NY Times -&gt; Where you’ll find some nice Data Vis</a:t>
-            </a:r>
-            <a:endParaRPr lang="en-US" dirty="0" smtClean="0"/>
-          </a:p>
-          <a:p>
-            <a:endParaRPr lang="en-US" dirty="0" smtClean="0"/>
-          </a:p>
-          <a:p>
-            <a:r>
-              <a:rPr lang="en-US" dirty="0" smtClean="0"/>
-              <a:t>A toolbox for creating</a:t>
-            </a:r>
+              <a:t>Examples: </a:t>
+            </a:r>
+          </a:p>
+          <a:p>
             <a:r>
               <a:rPr lang="en-US" baseline="0" dirty="0" smtClean="0"/>
-              <a:t> data visualizations on the web using JavaScript (usually in SVG)</a:t>
+              <a:t>Federal budget numbers</a:t>
+            </a:r>
+          </a:p>
+          <a:p>
+            <a:r>
+              <a:rPr lang="en-US" baseline="0" dirty="0" smtClean="0"/>
+              <a:t>Planet Sized</a:t>
+            </a:r>
+          </a:p>
+          <a:p>
+            <a:endParaRPr lang="en-US" baseline="0" dirty="0" smtClean="0"/>
+          </a:p>
+          <a:p>
+            <a:r>
+              <a:rPr lang="en-US" baseline="0" dirty="0" smtClean="0"/>
+              <a:t>Examples: </a:t>
+            </a:r>
+          </a:p>
+          <a:p>
+            <a:r>
+              <a:rPr lang="en-US" baseline="0" dirty="0" smtClean="0"/>
+              <a:t>http://xkcd.com/980/huge</a:t>
+            </a:r>
+          </a:p>
+          <a:p>
+            <a:r>
+              <a:rPr lang="en-US" baseline="0" dirty="0" smtClean="0"/>
+              <a:t>- Money from 1$ to National Budget</a:t>
+            </a:r>
+          </a:p>
+          <a:p>
+            <a:endParaRPr lang="en-US" baseline="0" dirty="0" smtClean="0"/>
+          </a:p>
+          <a:p>
+            <a:r>
+              <a:rPr lang="en-US" baseline="0" dirty="0" smtClean="0"/>
+              <a:t>http://bost.ocks.org/mike/nations/</a:t>
             </a:r>
           </a:p>
           <a:p>
@@ -1793,39 +1313,15 @@
             </a:pPr>
             <a:r>
               <a:rPr lang="en-US" baseline="0" dirty="0" smtClean="0"/>
-              <a:t>Doesn’t render canned visuals</a:t>
-            </a:r>
-          </a:p>
-          <a:p>
-            <a:pPr marL="171450" indent="-171450">
-              <a:buFontTx/>
-              <a:buChar char="-"/>
-            </a:pPr>
-            <a:r>
-              <a:rPr lang="en-US" dirty="0" smtClean="0"/>
-              <a:t>Uses web standards like SVG, JavaScript</a:t>
+              <a:t>D3 representation of </a:t>
+            </a:r>
+            <a:r>
+              <a:rPr lang="en-US" baseline="0" dirty="0" err="1" smtClean="0"/>
+              <a:t>Gapminder</a:t>
             </a:r>
             <a:r>
               <a:rPr lang="en-US" baseline="0" dirty="0" smtClean="0"/>
-              <a:t>, etc…</a:t>
-            </a:r>
-          </a:p>
-          <a:p>
-            <a:pPr marL="171450" indent="-171450">
-              <a:buFontTx/>
-              <a:buChar char="-"/>
-            </a:pPr>
-            <a:r>
-              <a:rPr lang="en-US" baseline="0" dirty="0" smtClean="0"/>
-              <a:t>Comes from a history of plugin based tools like </a:t>
-            </a:r>
-            <a:r>
-              <a:rPr lang="en-US" baseline="0" dirty="0" err="1" smtClean="0"/>
-              <a:t>prefuse</a:t>
-            </a:r>
-            <a:r>
-              <a:rPr lang="en-US" baseline="0" dirty="0" smtClean="0"/>
-              <a:t> and Flare</a:t>
+              <a:t> data</a:t>
             </a:r>
           </a:p>
           <a:p>
@@ -1840,7 +1336,54 @@
               <a:buFontTx/>
               <a:buChar char="-"/>
             </a:pPr>
-            <a:endParaRPr lang="en-US" dirty="0" smtClean="0"/>
+            <a:r>
+              <a:rPr lang="en-US" baseline="0" dirty="0" smtClean="0"/>
+              <a:t>200 years that changed the world (</a:t>
+            </a:r>
+            <a:r>
+              <a:rPr lang="en-US" baseline="0" dirty="0" err="1" smtClean="0"/>
+              <a:t>Gapminder</a:t>
+            </a:r>
+            <a:r>
+              <a:rPr lang="en-US" baseline="0" dirty="0" smtClean="0"/>
+              <a:t>)</a:t>
+            </a:r>
+          </a:p>
+          <a:p>
+            <a:pPr marL="0" indent="0">
+              <a:buFontTx/>
+              <a:buNone/>
+            </a:pPr>
+            <a:r>
+              <a:rPr lang="en-US" baseline="0" dirty="0" smtClean="0"/>
+              <a:t>www.bit.ly/c6ItL7</a:t>
+            </a:r>
+          </a:p>
+          <a:p>
+            <a:pPr marL="171450" indent="-171450">
+              <a:buFontTx/>
+              <a:buChar char="-"/>
+            </a:pPr>
+            <a:endParaRPr lang="en-US" baseline="0" dirty="0" smtClean="0"/>
+          </a:p>
+          <a:p>
+            <a:pPr marL="0" indent="0">
+              <a:buFontTx/>
+              <a:buNone/>
+            </a:pPr>
+            <a:r>
+              <a:rPr lang="en-US" baseline="0" dirty="0" smtClean="0"/>
+              <a:t>Additional Representations</a:t>
+            </a:r>
+          </a:p>
+          <a:p>
+            <a:r>
+              <a:rPr lang="en-US" baseline="0" dirty="0" smtClean="0"/>
+              <a:t>-  https://github.com/mbostock/d3/wiki/Gallery</a:t>
+            </a:r>
+          </a:p>
+          <a:p>
+            <a:endParaRPr lang="en-US" baseline="0" dirty="0" smtClean="0"/>
           </a:p>
           <a:p>
             <a:endParaRPr lang="en-US" dirty="0"/>
@@ -1873,7 +1416,7 @@
     </p:spTree>
     <p:extLst>
       <p:ext uri="{BB962C8B-B14F-4D97-AF65-F5344CB8AC3E}">
-        <p14:creationId xmlns:p14="http://schemas.microsoft.com/office/powerpoint/2010/main" val="2181638493"/>
+        <p14:creationId xmlns:p14="http://schemas.microsoft.com/office/powerpoint/2010/main" val="1345226008"/>
       </p:ext>
     </p:extLst>
   </p:cSld>
@@ -1910,78 +1453,45 @@
             <p:ph type="sldImg"/>
           </p:nvPr>
         </p:nvSpPr>
+        <p:spPr>
+          <a:xfrm>
+            <a:off x="1371600" y="1143000"/>
+            <a:ext cx="4114800" cy="3086100"/>
+          </a:xfrm>
+        </p:spPr>
+      </p:sp>
+      <p:sp>
+        <p:nvSpPr>
+          <p:cNvPr id="3" name="Notes Placeholder 2"/>
+          <p:cNvSpPr>
+            <a:spLocks noGrp="1"/>
+          </p:cNvSpPr>
+          <p:nvPr>
+            <p:ph type="body" idx="1"/>
+          </p:nvPr>
+        </p:nvSpPr>
         <p:spPr/>
-      </p:sp>
-      <p:sp>
-        <p:nvSpPr>
-          <p:cNvPr id="3" name="Notes Placeholder 2"/>
-          <p:cNvSpPr>
-            <a:spLocks noGrp="1"/>
-          </p:cNvSpPr>
-          <p:nvPr>
-            <p:ph type="body" idx="1"/>
-          </p:nvPr>
-        </p:nvSpPr>
-        <p:spPr/>
         <p:txBody>
           <a:bodyPr/>
           <a:lstStyle/>
           <a:p>
             <a:r>
               <a:rPr lang="en-US" dirty="0" smtClean="0"/>
-              <a:t>D3 excels at creating interactive web visualizations in SVG</a:t>
+              <a:t>Mint</a:t>
             </a:r>
             <a:endParaRPr lang="en-US" baseline="0" dirty="0" smtClean="0"/>
           </a:p>
           <a:p>
-            <a:endParaRPr lang="en-US" baseline="0" dirty="0" smtClean="0"/>
-          </a:p>
-          <a:p>
             <a:r>
               <a:rPr lang="en-US" baseline="0" dirty="0" smtClean="0"/>
-              <a:t>Includes tools for creating lots of common data </a:t>
-            </a:r>
+              <a:t>Khan Academy</a:t>
+            </a:r>
+          </a:p>
+          <a:p>
             <a:r>
               <a:rPr lang="en-US" baseline="0" dirty="0" err="1" smtClean="0"/>
-              <a:t>vizualizations</a:t>
-            </a:r>
-            <a:r>
-              <a:rPr lang="en-US" baseline="0" dirty="0" smtClean="0"/>
-              <a:t>, including Geo Maps</a:t>
-            </a:r>
-          </a:p>
-          <a:p>
-            <a:endParaRPr lang="en-US" baseline="0" dirty="0" smtClean="0"/>
-          </a:p>
-          <a:p>
-            <a:r>
-              <a:rPr lang="en-US" baseline="0" dirty="0" smtClean="0"/>
-              <a:t>It’s web based so it’s easy to embed in web apps</a:t>
-            </a:r>
-          </a:p>
-          <a:p>
-            <a:endParaRPr lang="en-US" baseline="0" dirty="0" smtClean="0"/>
-          </a:p>
-          <a:p>
-            <a:r>
-              <a:rPr lang="en-US" baseline="0" dirty="0" smtClean="0"/>
-              <a:t>There’s no stupid plugins</a:t>
-            </a:r>
-          </a:p>
-          <a:p>
-            <a:endParaRPr lang="en-US" baseline="0" dirty="0" smtClean="0"/>
-          </a:p>
-          <a:p>
-            <a:r>
-              <a:rPr lang="en-US" baseline="0" dirty="0" smtClean="0"/>
-              <a:t>It’s free and Open Source</a:t>
-            </a:r>
-            <a:endParaRPr lang="en-US" dirty="0" smtClean="0"/>
-          </a:p>
-          <a:p>
-            <a:endParaRPr lang="en-US" dirty="0" smtClean="0"/>
-          </a:p>
-          <a:p>
+              <a:t>Github</a:t>
+            </a:r>
             <a:endParaRPr lang="en-US" dirty="0"/>
           </a:p>
         </p:txBody>
@@ -2012,7 +1522,7 @@
     </p:spTree>
     <p:extLst>
       <p:ext uri="{BB962C8B-B14F-4D97-AF65-F5344CB8AC3E}">
-        <p14:creationId xmlns:p14="http://schemas.microsoft.com/office/powerpoint/2010/main" val="1599171817"/>
+        <p14:creationId xmlns:p14="http://schemas.microsoft.com/office/powerpoint/2010/main" val="2874735513"/>
       </p:ext>
     </p:extLst>
   </p:cSld>
@@ -2049,73 +1559,338 @@
             <p:ph type="sldImg"/>
           </p:nvPr>
         </p:nvSpPr>
+        <p:spPr>
+          <a:xfrm>
+            <a:off x="1371600" y="1143000"/>
+            <a:ext cx="4114800" cy="3086100"/>
+          </a:xfrm>
+        </p:spPr>
+      </p:sp>
+      <p:sp>
+        <p:nvSpPr>
+          <p:cNvPr id="3" name="Notes Placeholder 2"/>
+          <p:cNvSpPr>
+            <a:spLocks noGrp="1"/>
+          </p:cNvSpPr>
+          <p:nvPr>
+            <p:ph type="body" idx="1"/>
+          </p:nvPr>
+        </p:nvSpPr>
         <p:spPr/>
-      </p:sp>
-      <p:sp>
-        <p:nvSpPr>
-          <p:cNvPr id="3" name="Notes Placeholder 2"/>
-          <p:cNvSpPr>
-            <a:spLocks noGrp="1"/>
-          </p:cNvSpPr>
-          <p:nvPr>
-            <p:ph type="body" idx="1"/>
-          </p:nvPr>
-        </p:nvSpPr>
-        <p:spPr/>
         <p:txBody>
           <a:bodyPr/>
           <a:lstStyle/>
           <a:p>
             <a:r>
               <a:rPr lang="en-US" dirty="0" smtClean="0"/>
-              <a:t>D3 has a steep learning curve</a:t>
-            </a:r>
-          </a:p>
-          <a:p>
+              <a:t>The amount of data available</a:t>
+            </a:r>
+            <a:r>
+              <a:rPr lang="en-US" baseline="0" dirty="0" smtClean="0"/>
+              <a:t> to humanity is huge. </a:t>
+            </a:r>
+          </a:p>
+          <a:p>
+            <a:endParaRPr lang="en-US" baseline="0" dirty="0" smtClean="0"/>
+          </a:p>
+          <a:p>
+            <a:pPr marL="171450" indent="-171450">
+              <a:buFontTx/>
+              <a:buChar char="-"/>
+            </a:pPr>
+            <a:r>
+              <a:rPr lang="en-US" baseline="0" dirty="0" smtClean="0"/>
+              <a:t>Eric Schmidt claims that we are creating as much data in two days as humanity has created up until 2003</a:t>
+            </a:r>
+          </a:p>
+          <a:p>
+            <a:pPr marL="171450" indent="-171450">
+              <a:buFontTx/>
+              <a:buChar char="-"/>
+            </a:pPr>
+            <a:r>
+              <a:rPr lang="en-US" baseline="0" dirty="0" smtClean="0"/>
+              <a:t>IBM claims that we create 2.5 Quintillion Bytes of data every day</a:t>
+            </a:r>
+          </a:p>
+          <a:p>
+            <a:pPr marL="171450" indent="-171450">
+              <a:buFontTx/>
+              <a:buChar char="-"/>
+            </a:pPr>
+            <a:r>
+              <a:rPr lang="en-US" sz="1200" b="0" i="0" kern="1200" dirty="0" smtClean="0">
+                <a:solidFill>
+                  <a:schemeClr val="tx1"/>
+                </a:solidFill>
+                <a:effectLst/>
+                <a:latin typeface="+mn-lt"/>
+                <a:ea typeface="+mn-ea"/>
+                <a:cs typeface="+mn-cs"/>
+              </a:rPr>
+              <a:t>SINTEF </a:t>
+            </a:r>
+            <a:r>
+              <a:rPr lang="en-US" dirty="0" smtClean="0"/>
+              <a:t>claims that 90%</a:t>
+            </a:r>
+            <a:r>
+              <a:rPr lang="en-US" baseline="0" dirty="0" smtClean="0"/>
+              <a:t> of the our current data was created in the last two years</a:t>
+            </a:r>
+          </a:p>
+          <a:p>
+            <a:pPr marL="171450" indent="-171450">
+              <a:buFontTx/>
+              <a:buChar char="-"/>
+            </a:pPr>
+            <a:endParaRPr lang="en-US" baseline="0" dirty="0" smtClean="0"/>
+          </a:p>
+          <a:p>
+            <a:pPr marL="171450" indent="-171450">
+              <a:buFontTx/>
+              <a:buChar char="-"/>
+            </a:pPr>
+            <a:r>
+              <a:rPr lang="en-US" baseline="0" dirty="0" smtClean="0"/>
+              <a:t>Governments and research organizations are opening up their data sets</a:t>
+            </a:r>
+          </a:p>
+          <a:p>
+            <a:r>
+              <a:rPr lang="en-US" sz="1200" b="0" i="0" kern="1200" dirty="0" smtClean="0">
+                <a:solidFill>
+                  <a:schemeClr val="tx1"/>
+                </a:solidFill>
+                <a:effectLst/>
+                <a:latin typeface="+mn-lt"/>
+                <a:ea typeface="+mn-ea"/>
+                <a:cs typeface="+mn-cs"/>
+                <a:hlinkClick r:id="rId3"/>
+              </a:rPr>
+              <a:t>http://www.data.gov/education/</a:t>
+            </a:r>
+            <a:endParaRPr lang="en-US" sz="1200" b="0" i="0" kern="1200" dirty="0" smtClean="0">
+              <a:solidFill>
+                <a:schemeClr val="tx1"/>
+              </a:solidFill>
+              <a:effectLst/>
+              <a:latin typeface="+mn-lt"/>
+              <a:ea typeface="+mn-ea"/>
+              <a:cs typeface="+mn-cs"/>
+            </a:endParaRPr>
+          </a:p>
+          <a:p>
+            <a:r>
+              <a:rPr lang="en-US" sz="1200" b="0" i="0" kern="1200" dirty="0" smtClean="0">
+                <a:solidFill>
+                  <a:schemeClr val="tx1"/>
+                </a:solidFill>
+                <a:effectLst/>
+                <a:latin typeface="+mn-lt"/>
+                <a:ea typeface="+mn-ea"/>
+                <a:cs typeface="+mn-cs"/>
+                <a:hlinkClick r:id="rId4"/>
+              </a:rPr>
+              <a:t>http://www.census.gov/</a:t>
+            </a:r>
+            <a:endParaRPr lang="en-US" sz="1200" b="0" i="0" kern="1200" dirty="0" smtClean="0">
+              <a:solidFill>
+                <a:schemeClr val="tx1"/>
+              </a:solidFill>
+              <a:effectLst/>
+              <a:latin typeface="+mn-lt"/>
+              <a:ea typeface="+mn-ea"/>
+              <a:cs typeface="+mn-cs"/>
+            </a:endParaRPr>
+          </a:p>
+          <a:p>
+            <a:r>
+              <a:rPr lang="en-US" sz="1200" b="0" i="0" kern="1200" dirty="0" smtClean="0">
+                <a:solidFill>
+                  <a:schemeClr val="tx1"/>
+                </a:solidFill>
+                <a:effectLst/>
+                <a:latin typeface="+mn-lt"/>
+                <a:ea typeface="+mn-ea"/>
+                <a:cs typeface="+mn-cs"/>
+                <a:hlinkClick r:id="rId5"/>
+              </a:rPr>
+              <a:t>http://www.bls.gov/</a:t>
+            </a:r>
+            <a:endParaRPr lang="en-US" sz="1200" b="0" i="0" kern="1200" dirty="0" smtClean="0">
+              <a:solidFill>
+                <a:schemeClr val="tx1"/>
+              </a:solidFill>
+              <a:effectLst/>
+              <a:latin typeface="+mn-lt"/>
+              <a:ea typeface="+mn-ea"/>
+              <a:cs typeface="+mn-cs"/>
+            </a:endParaRPr>
+          </a:p>
+          <a:p>
+            <a:r>
+              <a:rPr lang="en-US" sz="1200" b="0" i="0" kern="1200" dirty="0" smtClean="0">
+                <a:solidFill>
+                  <a:schemeClr val="tx1"/>
+                </a:solidFill>
+                <a:effectLst/>
+                <a:latin typeface="+mn-lt"/>
+                <a:ea typeface="+mn-ea"/>
+                <a:cs typeface="+mn-cs"/>
+                <a:hlinkClick r:id="rId6"/>
+              </a:rPr>
+              <a:t>http://www.gapminder.org/data/</a:t>
+            </a:r>
+            <a:r>
+              <a:rPr lang="en-US" sz="1200" b="0" i="0" kern="1200" dirty="0" smtClean="0">
+                <a:solidFill>
+                  <a:schemeClr val="tx1"/>
+                </a:solidFill>
+                <a:effectLst/>
+                <a:latin typeface="+mn-lt"/>
+                <a:ea typeface="+mn-ea"/>
+                <a:cs typeface="+mn-cs"/>
+              </a:rPr>
+              <a:t> </a:t>
+            </a:r>
+          </a:p>
+          <a:p>
+            <a:r>
+              <a:rPr lang="en-US" sz="1200" b="0" i="0" kern="1200" dirty="0" smtClean="0">
+                <a:solidFill>
+                  <a:schemeClr val="tx1"/>
+                </a:solidFill>
+                <a:effectLst/>
+                <a:latin typeface="+mn-lt"/>
+                <a:ea typeface="+mn-ea"/>
+                <a:cs typeface="+mn-cs"/>
+                <a:hlinkClick r:id="rId7"/>
+              </a:rPr>
+              <a:t>https://data.cityofmadison.com/</a:t>
+            </a:r>
+            <a:endParaRPr lang="en-US" sz="1200" b="0" i="0" kern="1200" dirty="0" smtClean="0">
+              <a:solidFill>
+                <a:schemeClr val="tx1"/>
+              </a:solidFill>
+              <a:effectLst/>
+              <a:latin typeface="+mn-lt"/>
+              <a:ea typeface="+mn-ea"/>
+              <a:cs typeface="+mn-cs"/>
+            </a:endParaRPr>
+          </a:p>
+          <a:p>
+            <a:pPr marL="171450" indent="-171450">
+              <a:buFontTx/>
+              <a:buChar char="-"/>
+            </a:pPr>
+            <a:endParaRPr lang="en-US" baseline="0" dirty="0" smtClean="0"/>
+          </a:p>
+          <a:p>
+            <a:pPr marL="171450" indent="-171450">
+              <a:buFontTx/>
+              <a:buChar char="-"/>
+            </a:pPr>
+            <a:r>
+              <a:rPr lang="en-US" baseline="0" dirty="0" smtClean="0"/>
+              <a:t>Data from Social Media sites</a:t>
+            </a:r>
+          </a:p>
+          <a:p>
+            <a:pPr marL="171450" indent="-171450">
+              <a:buFontTx/>
+              <a:buChar char="-"/>
+            </a:pPr>
+            <a:r>
+              <a:rPr lang="en-US" baseline="0" dirty="0" smtClean="0"/>
+              <a:t>Marketing and Tracking Data</a:t>
+            </a:r>
+          </a:p>
+          <a:p>
+            <a:pPr marL="171450" indent="-171450">
+              <a:buFontTx/>
+              <a:buChar char="-"/>
+            </a:pPr>
+            <a:r>
+              <a:rPr lang="en-US" baseline="0" dirty="0" smtClean="0"/>
+              <a:t>The Internet of Things</a:t>
+            </a:r>
+          </a:p>
+          <a:p>
+            <a:pPr marL="171450" indent="-171450">
+              <a:buFontTx/>
+              <a:buChar char="-"/>
+            </a:pPr>
+            <a:r>
+              <a:rPr lang="en-US" baseline="0" dirty="0" smtClean="0"/>
+              <a:t>Logging Data</a:t>
+            </a:r>
+          </a:p>
+          <a:p>
+            <a:pPr marL="171450" indent="-171450">
+              <a:buFontTx/>
+              <a:buChar char="-"/>
+            </a:pPr>
+            <a:r>
+              <a:rPr lang="en-US" baseline="0" dirty="0" smtClean="0"/>
+              <a:t>A/B Tests and Usage Data</a:t>
+            </a:r>
+          </a:p>
+          <a:p>
+            <a:pPr marL="171450" indent="-171450">
+              <a:buFontTx/>
+              <a:buChar char="-"/>
+            </a:pPr>
+            <a:endParaRPr lang="en-US" baseline="0" dirty="0" smtClean="0"/>
+          </a:p>
+          <a:p>
+            <a:pPr marL="171450" indent="-171450">
+              <a:buFontTx/>
+              <a:buChar char="-"/>
+            </a:pPr>
+            <a:r>
+              <a:rPr lang="en-US" baseline="0" dirty="0" smtClean="0"/>
+              <a:t>Sources: </a:t>
+            </a:r>
+          </a:p>
+          <a:p>
+            <a:pPr marL="171450" indent="-171450">
+              <a:buFontTx/>
+              <a:buChar char="-"/>
+            </a:pPr>
+            <a:r>
+              <a:rPr lang="en-US" baseline="0" dirty="0" smtClean="0"/>
+              <a:t>http://www.storagenewsletter.com/rubriques/market-reportsresearch/ibm-cmo-study/</a:t>
+            </a:r>
+          </a:p>
+          <a:p>
+            <a:pPr marL="171450" indent="-171450">
+              <a:buFontTx/>
+              <a:buChar char="-"/>
+            </a:pPr>
+            <a:r>
+              <a:rPr lang="en-US" baseline="0" dirty="0" smtClean="0"/>
+              <a:t>http://www.sciencedaily.com/releases/2013/05/130522085217.htm</a:t>
+            </a:r>
+          </a:p>
+          <a:p>
+            <a:pPr marL="171450" indent="-171450">
+              <a:buFontTx/>
+              <a:buChar char="-"/>
+            </a:pPr>
+            <a:endParaRPr lang="en-US" baseline="0" dirty="0" smtClean="0"/>
+          </a:p>
+          <a:p>
+            <a:pPr marL="171450" indent="-171450">
+              <a:buFontTx/>
+              <a:buChar char="-"/>
+            </a:pPr>
             <a:endParaRPr lang="en-US" dirty="0" smtClean="0"/>
           </a:p>
           <a:p>
-            <a:r>
-              <a:rPr lang="en-US" dirty="0" smtClean="0"/>
-              <a:t>Doesn’t include</a:t>
-            </a:r>
-            <a:r>
-              <a:rPr lang="en-US" baseline="0" dirty="0" smtClean="0"/>
-              <a:t> any pre-canned visuals</a:t>
-            </a:r>
-          </a:p>
-          <a:p>
-            <a:endParaRPr lang="en-US" baseline="0" dirty="0" smtClean="0"/>
-          </a:p>
-          <a:p>
-            <a:r>
-              <a:rPr lang="en-US" baseline="0" dirty="0" smtClean="0"/>
-              <a:t>Doesn’t support older browsers (no IE 8)</a:t>
-            </a:r>
-          </a:p>
-          <a:p>
-            <a:endParaRPr lang="en-US" baseline="0" dirty="0" smtClean="0"/>
-          </a:p>
-          <a:p>
-            <a:r>
-              <a:rPr lang="en-US" baseline="0" dirty="0" smtClean="0"/>
-              <a:t>Best for SVG, not bitmaps or canvas</a:t>
-            </a:r>
-          </a:p>
-          <a:p>
-            <a:endParaRPr lang="en-US" baseline="0" dirty="0" smtClean="0"/>
-          </a:p>
-          <a:p>
-            <a:r>
-              <a:rPr lang="en-US" baseline="0" dirty="0" smtClean="0"/>
-              <a:t>Doesn’t hide root data (because JavaScript)</a:t>
-            </a:r>
-          </a:p>
-          <a:p>
-            <a:r>
-              <a:rPr lang="en-US" baseline="0" dirty="0" smtClean="0"/>
-              <a:t>	</a:t>
-            </a:r>
+            <a:endParaRPr lang="en-US" dirty="0" smtClean="0"/>
+          </a:p>
+          <a:p>
             <a:endParaRPr lang="en-US" dirty="0"/>
           </a:p>
         </p:txBody>
@@ -2146,7 +1921,7 @@
     </p:spTree>
     <p:extLst>
       <p:ext uri="{BB962C8B-B14F-4D97-AF65-F5344CB8AC3E}">
-        <p14:creationId xmlns:p14="http://schemas.microsoft.com/office/powerpoint/2010/main" val="3125936859"/>
+        <p14:creationId xmlns:p14="http://schemas.microsoft.com/office/powerpoint/2010/main" val="986720431"/>
       </p:ext>
     </p:extLst>
   </p:cSld>
@@ -2183,27 +1958,149 @@
             <p:ph type="sldImg"/>
           </p:nvPr>
         </p:nvSpPr>
+        <p:spPr>
+          <a:xfrm>
+            <a:off x="1371600" y="1143000"/>
+            <a:ext cx="4114800" cy="3086100"/>
+          </a:xfrm>
+        </p:spPr>
+      </p:sp>
+      <p:sp>
+        <p:nvSpPr>
+          <p:cNvPr id="3" name="Notes Placeholder 2"/>
+          <p:cNvSpPr>
+            <a:spLocks noGrp="1"/>
+          </p:cNvSpPr>
+          <p:nvPr>
+            <p:ph type="body" idx="1"/>
+          </p:nvPr>
+        </p:nvSpPr>
         <p:spPr/>
-      </p:sp>
-      <p:sp>
-        <p:nvSpPr>
-          <p:cNvPr id="3" name="Notes Placeholder 2"/>
-          <p:cNvSpPr>
-            <a:spLocks noGrp="1"/>
-          </p:cNvSpPr>
-          <p:nvPr>
-            <p:ph type="body" idx="1"/>
-          </p:nvPr>
-        </p:nvSpPr>
-        <p:spPr/>
         <p:txBody>
           <a:bodyPr/>
           <a:lstStyle/>
           <a:p>
             <a:r>
               <a:rPr lang="en-US" dirty="0" smtClean="0"/>
-              <a:t>Demo</a:t>
-            </a:r>
+              <a:t>Stands</a:t>
+            </a:r>
+            <a:r>
+              <a:rPr lang="en-US" baseline="0" dirty="0" smtClean="0"/>
+              <a:t> for </a:t>
+            </a:r>
+            <a:r>
+              <a:rPr lang="en-US" dirty="0" smtClean="0"/>
+              <a:t>Data Driven Documents</a:t>
+            </a:r>
+          </a:p>
+          <a:p>
+            <a:endParaRPr lang="en-US" dirty="0" smtClean="0"/>
+          </a:p>
+          <a:p>
+            <a:r>
+              <a:rPr lang="en-US" dirty="0" smtClean="0"/>
+              <a:t>Invented by Mike </a:t>
+            </a:r>
+            <a:r>
+              <a:rPr lang="en-US" dirty="0" err="1" smtClean="0"/>
+              <a:t>Bostock</a:t>
+            </a:r>
+            <a:r>
+              <a:rPr lang="en-US" dirty="0" smtClean="0"/>
+              <a:t> in 2011</a:t>
+            </a:r>
+          </a:p>
+          <a:p>
+            <a:r>
+              <a:rPr lang="en-US" dirty="0" smtClean="0"/>
+              <a:t>-</a:t>
+            </a:r>
+            <a:r>
+              <a:rPr lang="en-US" baseline="0" dirty="0" smtClean="0"/>
+              <a:t> NY Times -&gt; Where you’ll find some nice Data </a:t>
+            </a:r>
+            <a:r>
+              <a:rPr lang="en-US" baseline="0" dirty="0" smtClean="0"/>
+              <a:t>Vis</a:t>
+            </a:r>
+            <a:endParaRPr lang="en-US" dirty="0" smtClean="0"/>
+          </a:p>
+          <a:p>
+            <a:endParaRPr lang="en-US" dirty="0" smtClean="0"/>
+          </a:p>
+          <a:p>
+            <a:r>
+              <a:rPr lang="en-US" dirty="0" smtClean="0"/>
+              <a:t>A toolbox for creating</a:t>
+            </a:r>
+            <a:r>
+              <a:rPr lang="en-US" baseline="0" dirty="0" smtClean="0"/>
+              <a:t> data visualizations on the web using JavaScript (usually in SVG)</a:t>
+            </a:r>
+          </a:p>
+          <a:p>
+            <a:pPr marL="171450" indent="-171450">
+              <a:buFontTx/>
+              <a:buChar char="-"/>
+            </a:pPr>
+            <a:r>
+              <a:rPr lang="en-US" baseline="0" dirty="0" smtClean="0"/>
+              <a:t>Doesn’t render canned visuals</a:t>
+            </a:r>
+          </a:p>
+          <a:p>
+            <a:pPr marL="171450" indent="-171450">
+              <a:buFontTx/>
+              <a:buChar char="-"/>
+            </a:pPr>
+            <a:r>
+              <a:rPr lang="en-US" dirty="0" smtClean="0"/>
+              <a:t>Uses web standards like SVG, JavaScript</a:t>
+            </a:r>
+            <a:r>
+              <a:rPr lang="en-US" baseline="0" dirty="0" smtClean="0"/>
+              <a:t>, etc…</a:t>
+            </a:r>
+          </a:p>
+          <a:p>
+            <a:pPr marL="171450" indent="-171450">
+              <a:buFontTx/>
+              <a:buChar char="-"/>
+            </a:pPr>
+            <a:r>
+              <a:rPr lang="en-US" baseline="0" dirty="0" smtClean="0"/>
+              <a:t>Comes from a history of plugin based tools like </a:t>
+            </a:r>
+            <a:r>
+              <a:rPr lang="en-US" baseline="0" dirty="0" err="1" smtClean="0"/>
+              <a:t>prefuse</a:t>
+            </a:r>
+            <a:r>
+              <a:rPr lang="en-US" baseline="0" dirty="0" smtClean="0"/>
+              <a:t> and </a:t>
+            </a:r>
+            <a:r>
+              <a:rPr lang="en-US" baseline="0" dirty="0" smtClean="0"/>
+              <a:t>Flare</a:t>
+            </a:r>
+            <a:endParaRPr lang="en-US" baseline="0" dirty="0" smtClean="0"/>
+          </a:p>
+          <a:p>
+            <a:pPr marL="171450" indent="-171450">
+              <a:buFontTx/>
+              <a:buChar char="-"/>
+            </a:pPr>
+            <a:r>
+              <a:rPr lang="en-US" dirty="0" smtClean="0"/>
+              <a:t>Supports a large number of types of visuals,</a:t>
+            </a:r>
+            <a:r>
+              <a:rPr lang="en-US" baseline="0" dirty="0" smtClean="0"/>
+              <a:t> including maps and animations</a:t>
+            </a:r>
+            <a:endParaRPr lang="en-US" dirty="0" smtClean="0"/>
+          </a:p>
+          <a:p>
             <a:endParaRPr lang="en-US" dirty="0"/>
           </a:p>
         </p:txBody>
@@ -2234,7 +2131,7 @@
     </p:spTree>
     <p:extLst>
       <p:ext uri="{BB962C8B-B14F-4D97-AF65-F5344CB8AC3E}">
-        <p14:creationId xmlns:p14="http://schemas.microsoft.com/office/powerpoint/2010/main" val="158761495"/>
+        <p14:creationId xmlns:p14="http://schemas.microsoft.com/office/powerpoint/2010/main" val="2181638493"/>
       </p:ext>
     </p:extLst>
   </p:cSld>
@@ -2271,87 +2168,81 @@
             <p:ph type="sldImg"/>
           </p:nvPr>
         </p:nvSpPr>
+        <p:spPr>
+          <a:xfrm>
+            <a:off x="1371600" y="1143000"/>
+            <a:ext cx="4114800" cy="3086100"/>
+          </a:xfrm>
+        </p:spPr>
+      </p:sp>
+      <p:sp>
+        <p:nvSpPr>
+          <p:cNvPr id="3" name="Notes Placeholder 2"/>
+          <p:cNvSpPr>
+            <a:spLocks noGrp="1"/>
+          </p:cNvSpPr>
+          <p:nvPr>
+            <p:ph type="body" idx="1"/>
+          </p:nvPr>
+        </p:nvSpPr>
         <p:spPr/>
-      </p:sp>
-      <p:sp>
-        <p:nvSpPr>
-          <p:cNvPr id="3" name="Notes Placeholder 2"/>
-          <p:cNvSpPr>
-            <a:spLocks noGrp="1"/>
-          </p:cNvSpPr>
-          <p:nvPr>
-            <p:ph type="body" idx="1"/>
-          </p:nvPr>
-        </p:nvSpPr>
-        <p:spPr/>
         <p:txBody>
           <a:bodyPr/>
           <a:lstStyle/>
           <a:p>
-            <a:pPr marL="0" marR="0" indent="0" algn="l" defTabSz="914400" rtl="0" eaLnBrk="1" fontAlgn="auto" latinLnBrk="0" hangingPunct="1">
-              <a:lnSpc>
-                <a:spcPct val="100000"/>
-              </a:lnSpc>
-              <a:spcBef>
-                <a:spcPts val="0"/>
-              </a:spcBef>
-              <a:spcAft>
-                <a:spcPts val="0"/>
-              </a:spcAft>
-              <a:buClrTx/>
-              <a:buSzTx/>
-              <a:buFontTx/>
-              <a:buNone/>
-              <a:tabLst/>
-              <a:defRPr/>
-            </a:pPr>
             <a:r>
               <a:rPr lang="en-US" dirty="0" smtClean="0"/>
-              <a:t>Demo</a:t>
-            </a:r>
-          </a:p>
-          <a:p>
-            <a:pPr marL="0" marR="0" indent="0" algn="l" defTabSz="914400" rtl="0" eaLnBrk="1" fontAlgn="auto" latinLnBrk="0" hangingPunct="1">
-              <a:lnSpc>
-                <a:spcPct val="100000"/>
-              </a:lnSpc>
-              <a:spcBef>
-                <a:spcPts val="0"/>
-              </a:spcBef>
-              <a:spcAft>
-                <a:spcPts val="0"/>
-              </a:spcAft>
-              <a:buClrTx/>
-              <a:buSzTx/>
-              <a:buFontTx/>
-              <a:buNone/>
-              <a:tabLst/>
-              <a:defRPr/>
-            </a:pPr>
+              <a:t>D3 excels at creating interactive web visualizations in SVG</a:t>
+            </a:r>
+            <a:endParaRPr lang="en-US" baseline="0" dirty="0" smtClean="0"/>
+          </a:p>
+          <a:p>
+            <a:endParaRPr lang="en-US" baseline="0" dirty="0" smtClean="0"/>
+          </a:p>
+          <a:p>
+            <a:r>
+              <a:rPr lang="en-US" baseline="0" dirty="0" smtClean="0"/>
+              <a:t>Includes tools for creating lots of common data </a:t>
+            </a:r>
+            <a:r>
+              <a:rPr lang="en-US" baseline="0" dirty="0" err="1" smtClean="0"/>
+              <a:t>vizualizations</a:t>
+            </a:r>
+            <a:r>
+              <a:rPr lang="en-US" baseline="0" dirty="0" smtClean="0"/>
+              <a:t>, including Geo Maps</a:t>
+            </a:r>
+          </a:p>
+          <a:p>
+            <a:endParaRPr lang="en-US" baseline="0" dirty="0" smtClean="0"/>
+          </a:p>
+          <a:p>
+            <a:r>
+              <a:rPr lang="en-US" baseline="0" dirty="0" smtClean="0"/>
+              <a:t>It’s web based so it’s easy to embed in web apps</a:t>
+            </a:r>
+          </a:p>
+          <a:p>
+            <a:endParaRPr lang="en-US" baseline="0" dirty="0" smtClean="0"/>
+          </a:p>
+          <a:p>
+            <a:r>
+              <a:rPr lang="en-US" baseline="0" dirty="0" smtClean="0"/>
+              <a:t>There’s no stupid plugins</a:t>
+            </a:r>
+          </a:p>
+          <a:p>
+            <a:endParaRPr lang="en-US" baseline="0" dirty="0" smtClean="0"/>
+          </a:p>
+          <a:p>
+            <a:r>
+              <a:rPr lang="en-US" baseline="0" dirty="0" smtClean="0"/>
+              <a:t>It’s free and Open Source</a:t>
+            </a:r>
             <a:endParaRPr lang="en-US" dirty="0" smtClean="0"/>
           </a:p>
           <a:p>
-            <a:pPr marL="0" marR="0" indent="0" algn="l" defTabSz="914400" rtl="0" eaLnBrk="1" fontAlgn="auto" latinLnBrk="0" hangingPunct="1">
-              <a:lnSpc>
-                <a:spcPct val="100000"/>
-              </a:lnSpc>
-              <a:spcBef>
-                <a:spcPts val="0"/>
-              </a:spcBef>
-              <a:spcAft>
-                <a:spcPts val="0"/>
-              </a:spcAft>
-              <a:buClrTx/>
-              <a:buSzTx/>
-              <a:buFontTx/>
-              <a:buNone/>
-              <a:tabLst/>
-              <a:defRPr/>
-            </a:pPr>
-            <a:r>
-              <a:rPr lang="en-US" dirty="0" smtClean="0"/>
-              <a:t>Select – Data – Enter – Append</a:t>
-            </a:r>
+            <a:endParaRPr lang="en-US" dirty="0" smtClean="0"/>
           </a:p>
           <a:p>
             <a:endParaRPr lang="en-US" dirty="0"/>
@@ -2384,7 +2275,7 @@
     </p:spTree>
     <p:extLst>
       <p:ext uri="{BB962C8B-B14F-4D97-AF65-F5344CB8AC3E}">
-        <p14:creationId xmlns:p14="http://schemas.microsoft.com/office/powerpoint/2010/main" val="3327026233"/>
+        <p14:creationId xmlns:p14="http://schemas.microsoft.com/office/powerpoint/2010/main" val="1599171817"/>
       </p:ext>
     </p:extLst>
   </p:cSld>
@@ -2421,30 +2312,44 @@
             <p:ph type="sldImg"/>
           </p:nvPr>
         </p:nvSpPr>
+        <p:spPr>
+          <a:xfrm>
+            <a:off x="1371600" y="1143000"/>
+            <a:ext cx="4114800" cy="3086100"/>
+          </a:xfrm>
+        </p:spPr>
+      </p:sp>
+      <p:sp>
+        <p:nvSpPr>
+          <p:cNvPr id="3" name="Notes Placeholder 2"/>
+          <p:cNvSpPr>
+            <a:spLocks noGrp="1"/>
+          </p:cNvSpPr>
+          <p:nvPr>
+            <p:ph type="body" idx="1"/>
+          </p:nvPr>
+        </p:nvSpPr>
         <p:spPr/>
-      </p:sp>
-      <p:sp>
-        <p:nvSpPr>
-          <p:cNvPr id="3" name="Notes Placeholder 2"/>
-          <p:cNvSpPr>
-            <a:spLocks noGrp="1"/>
-          </p:cNvSpPr>
-          <p:nvPr>
-            <p:ph type="body" idx="1"/>
-          </p:nvPr>
-        </p:nvSpPr>
-        <p:spPr/>
         <p:txBody>
           <a:bodyPr/>
           <a:lstStyle/>
           <a:p>
             <a:r>
               <a:rPr lang="en-US" dirty="0" smtClean="0"/>
-              <a:t>SVG = Scalable Vector</a:t>
+              <a:t>D3 has a steep learning curve</a:t>
+            </a:r>
+          </a:p>
+          <a:p>
+            <a:endParaRPr lang="en-US" dirty="0" smtClean="0"/>
+          </a:p>
+          <a:p>
+            <a:r>
+              <a:rPr lang="en-US" dirty="0" smtClean="0"/>
+              <a:t>Doesn’t include</a:t>
             </a:r>
             <a:r>
               <a:rPr lang="en-US" baseline="0" dirty="0" smtClean="0"/>
-              <a:t> Graphics</a:t>
+              <a:t> any pre-canned visuals</a:t>
             </a:r>
           </a:p>
           <a:p>
@@ -2453,51 +2358,33 @@
           <a:p>
             <a:r>
               <a:rPr lang="en-US" baseline="0" dirty="0" smtClean="0"/>
-              <a:t>Vector, math based as opposed to bitmap based like JPEG or PNG</a:t>
-            </a:r>
+              <a:t>Doesn’t support older browsers (no IE 8)</a:t>
+            </a:r>
+          </a:p>
+          <a:p>
+            <a:endParaRPr lang="en-US" baseline="0" dirty="0" smtClean="0"/>
           </a:p>
           <a:p>
             <a:r>
               <a:rPr lang="en-US" baseline="0" dirty="0" smtClean="0"/>
-              <a:t>HTML Based</a:t>
+              <a:t>Best for SVG, not bitmaps or canvas</a:t>
             </a:r>
           </a:p>
           <a:p>
             <a:endParaRPr lang="en-US" baseline="0" dirty="0" smtClean="0"/>
           </a:p>
           <a:p>
-            <a:pPr marL="0" marR="0" indent="0" algn="l" defTabSz="914400" rtl="0" eaLnBrk="1" fontAlgn="auto" latinLnBrk="0" hangingPunct="1">
-              <a:lnSpc>
-                <a:spcPct val="100000"/>
-              </a:lnSpc>
-              <a:spcBef>
-                <a:spcPts val="0"/>
-              </a:spcBef>
-              <a:spcAft>
-                <a:spcPts val="0"/>
-              </a:spcAft>
-              <a:buClrTx/>
-              <a:buSzTx/>
-              <a:buFontTx/>
-              <a:buNone/>
-              <a:tabLst/>
-              <a:defRPr/>
-            </a:pPr>
-            <a:r>
-              <a:rPr lang="en-US" dirty="0" smtClean="0"/>
-              <a:t>There are several</a:t>
-            </a:r>
             <a:r>
               <a:rPr lang="en-US" baseline="0" dirty="0" smtClean="0"/>
-              <a:t> basic SVG shapes, including circles, ellipses, rectangles, and lines</a:t>
-            </a:r>
-          </a:p>
-          <a:p>
-            <a:pPr marL="0" indent="0">
-              <a:buFontTx/>
-              <a:buNone/>
-            </a:pPr>
-            <a:endParaRPr lang="en-US" baseline="0" dirty="0" smtClean="0"/>
+              <a:t>Doesn’t hide root data (because JavaScript)</a:t>
+            </a:r>
+          </a:p>
+          <a:p>
+            <a:r>
+              <a:rPr lang="en-US" baseline="0" dirty="0" smtClean="0"/>
+              <a:t>	</a:t>
+            </a:r>
+            <a:endParaRPr lang="en-US" dirty="0"/>
           </a:p>
         </p:txBody>
       </p:sp>
@@ -2527,7 +2414,7 @@
     </p:spTree>
     <p:extLst>
       <p:ext uri="{BB962C8B-B14F-4D97-AF65-F5344CB8AC3E}">
-        <p14:creationId xmlns:p14="http://schemas.microsoft.com/office/powerpoint/2010/main" val="1967444448"/>
+        <p14:creationId xmlns:p14="http://schemas.microsoft.com/office/powerpoint/2010/main" val="3125936859"/>
       </p:ext>
     </p:extLst>
   </p:cSld>
@@ -2564,33 +2451,88 @@
             <p:ph type="sldImg"/>
           </p:nvPr>
         </p:nvSpPr>
+        <p:spPr>
+          <a:xfrm>
+            <a:off x="1371600" y="1143000"/>
+            <a:ext cx="4114800" cy="3086100"/>
+          </a:xfrm>
+        </p:spPr>
+      </p:sp>
+      <p:sp>
+        <p:nvSpPr>
+          <p:cNvPr id="3" name="Notes Placeholder 2"/>
+          <p:cNvSpPr>
+            <a:spLocks noGrp="1"/>
+          </p:cNvSpPr>
+          <p:nvPr>
+            <p:ph type="body" idx="1"/>
+          </p:nvPr>
+        </p:nvSpPr>
         <p:spPr/>
-      </p:sp>
-      <p:sp>
-        <p:nvSpPr>
-          <p:cNvPr id="3" name="Notes Placeholder 2"/>
-          <p:cNvSpPr>
-            <a:spLocks noGrp="1"/>
-          </p:cNvSpPr>
-          <p:nvPr>
-            <p:ph type="body" idx="1"/>
-          </p:nvPr>
-        </p:nvSpPr>
-        <p:spPr/>
         <p:txBody>
           <a:bodyPr/>
           <a:lstStyle/>
           <a:p>
+            <a:r>
+              <a:rPr lang="en-US" dirty="0" smtClean="0"/>
+              <a:t>SVG = Scalable Vector</a:t>
+            </a:r>
+            <a:r>
+              <a:rPr lang="en-US" baseline="0" dirty="0" smtClean="0"/>
+              <a:t> Graphics</a:t>
+            </a:r>
+          </a:p>
+          <a:p>
             <a:endParaRPr lang="en-US" baseline="0" dirty="0" smtClean="0"/>
           </a:p>
           <a:p>
             <a:r>
               <a:rPr lang="en-US" baseline="0" dirty="0" smtClean="0"/>
-              <a:t>Circles have a center x, y and a radius</a:t>
-            </a:r>
-          </a:p>
-          <a:p>
-            <a:endParaRPr lang="en-US" dirty="0"/>
+              <a:t>Vector, math based as opposed to bitmap based like JPEG or PNG</a:t>
+            </a:r>
+          </a:p>
+          <a:p>
+            <a:r>
+              <a:rPr lang="en-US" baseline="0" dirty="0" smtClean="0"/>
+              <a:t>HTML Based</a:t>
+            </a:r>
+          </a:p>
+          <a:p>
+            <a:endParaRPr lang="en-US" baseline="0" dirty="0" smtClean="0"/>
+          </a:p>
+          <a:p>
+            <a:pPr marL="0" marR="0" indent="0" algn="l" defTabSz="914400" rtl="0" eaLnBrk="1" fontAlgn="auto" latinLnBrk="0" hangingPunct="1">
+              <a:lnSpc>
+                <a:spcPct val="100000"/>
+              </a:lnSpc>
+              <a:spcBef>
+                <a:spcPts val="0"/>
+              </a:spcBef>
+              <a:spcAft>
+                <a:spcPts val="0"/>
+              </a:spcAft>
+              <a:buClrTx/>
+              <a:buSzTx/>
+              <a:buFontTx/>
+              <a:buNone/>
+              <a:tabLst/>
+              <a:defRPr/>
+            </a:pPr>
+            <a:r>
+              <a:rPr lang="en-US" dirty="0" smtClean="0"/>
+              <a:t>There are several</a:t>
+            </a:r>
+            <a:r>
+              <a:rPr lang="en-US" baseline="0" dirty="0" smtClean="0"/>
+              <a:t> basic SVG shapes, including circles, ellipses, rectangles, and lines</a:t>
+            </a:r>
+          </a:p>
+          <a:p>
+            <a:pPr marL="0" indent="0">
+              <a:buFontTx/>
+              <a:buNone/>
+            </a:pPr>
+            <a:endParaRPr lang="en-US" baseline="0" dirty="0" smtClean="0"/>
           </a:p>
         </p:txBody>
       </p:sp>
@@ -2620,7 +2562,7 @@
     </p:spTree>
     <p:extLst>
       <p:ext uri="{BB962C8B-B14F-4D97-AF65-F5344CB8AC3E}">
-        <p14:creationId xmlns:p14="http://schemas.microsoft.com/office/powerpoint/2010/main" val="2161615869"/>
+        <p14:creationId xmlns:p14="http://schemas.microsoft.com/office/powerpoint/2010/main" val="1967444448"/>
       </p:ext>
     </p:extLst>
   </p:cSld>
@@ -2659,8 +2601,8 @@
         </p:nvSpPr>
         <p:spPr>
           <a:xfrm>
-            <a:off x="1370693" y="1769540"/>
-            <a:ext cx="9440034" cy="1828801"/>
+            <a:off x="1028020" y="1769541"/>
+            <a:ext cx="7080026" cy="1828801"/>
           </a:xfrm>
         </p:spPr>
         <p:txBody>
@@ -2693,8 +2635,8 @@
         </p:nvSpPr>
         <p:spPr>
           <a:xfrm>
-            <a:off x="1370693" y="3598339"/>
-            <a:ext cx="9440034" cy="1049867"/>
+            <a:off x="1028020" y="3598339"/>
+            <a:ext cx="7080026" cy="1049867"/>
           </a:xfrm>
         </p:spPr>
         <p:txBody>
@@ -2815,7 +2757,7 @@
           <a:p>
             <a:fld id="{67971B23-299D-4CF4-B59D-A17DAEBDFBC2}" type="datetimeFigureOut">
               <a:rPr lang="en-US" smtClean="0"/>
-              <a:t>3/25/2014</a:t>
+              <a:t>3/29/2014</a:t>
             </a:fld>
             <a:endParaRPr lang="en-US"/>
           </a:p>
@@ -2866,7 +2808,7 @@
     </p:spTree>
     <p:extLst>
       <p:ext uri="{BB962C8B-B14F-4D97-AF65-F5344CB8AC3E}">
-        <p14:creationId xmlns:p14="http://schemas.microsoft.com/office/powerpoint/2010/main" val="1693959832"/>
+        <p14:creationId xmlns:p14="http://schemas.microsoft.com/office/powerpoint/2010/main" val="1001620063"/>
       </p:ext>
     </p:extLst>
   </p:cSld>
@@ -2895,7 +2837,7 @@
       </p:grpSpPr>
       <p:pic>
         <p:nvPicPr>
-          <p:cNvPr id="16" name="Picture 15" descr="Slate-V2-HD-panoPhotoInset.png"/>
+          <p:cNvPr id="8" name="Picture 7" descr="Slate-V2-SD-panoPhotoInset.png"/>
           <p:cNvPicPr>
             <a:picLocks noChangeAspect="1"/>
           </p:cNvPicPr>
@@ -2915,8 +2857,8 @@
         </p:blipFill>
         <p:spPr>
           <a:xfrm>
-            <a:off x="1013883" y="547807"/>
-            <a:ext cx="10141799" cy="3816806"/>
+            <a:off x="743995" y="540085"/>
+            <a:ext cx="7656010" cy="3834374"/>
           </a:xfrm>
           <a:prstGeom prst="rect">
             <a:avLst/>
@@ -2935,8 +2877,8 @@
         </p:nvSpPr>
         <p:spPr>
           <a:xfrm>
-            <a:off x="913806" y="4565255"/>
-            <a:ext cx="10355326" cy="543472"/>
+            <a:off x="685354" y="4565255"/>
+            <a:ext cx="7766495" cy="543472"/>
           </a:xfrm>
         </p:spPr>
         <p:txBody>
@@ -2969,8 +2911,8 @@
         </p:nvSpPr>
         <p:spPr>
           <a:xfrm>
-            <a:off x="1169349" y="695009"/>
-            <a:ext cx="9845346" cy="3525671"/>
+            <a:off x="926217" y="695010"/>
+            <a:ext cx="7285600" cy="3525671"/>
           </a:xfrm>
           <a:effectLst>
             <a:outerShdw blurRad="38100" dist="25400" dir="4440000">
@@ -3043,8 +2985,8 @@
         </p:nvSpPr>
         <p:spPr>
           <a:xfrm>
-            <a:off x="913795" y="5108728"/>
-            <a:ext cx="10353762" cy="682472"/>
+            <a:off x="685346" y="5108728"/>
+            <a:ext cx="7765322" cy="682472"/>
           </a:xfrm>
         </p:spPr>
         <p:txBody>
@@ -3113,7 +3055,7 @@
           <a:p>
             <a:fld id="{67971B23-299D-4CF4-B59D-A17DAEBDFBC2}" type="datetimeFigureOut">
               <a:rPr lang="en-US" smtClean="0"/>
-              <a:t>3/25/2014</a:t>
+              <a:t>3/29/2014</a:t>
             </a:fld>
             <a:endParaRPr lang="en-US"/>
           </a:p>
@@ -3164,7 +3106,7 @@
     </p:spTree>
     <p:extLst>
       <p:ext uri="{BB962C8B-B14F-4D97-AF65-F5344CB8AC3E}">
-        <p14:creationId xmlns:p14="http://schemas.microsoft.com/office/powerpoint/2010/main" val="1449508285"/>
+        <p14:creationId xmlns:p14="http://schemas.microsoft.com/office/powerpoint/2010/main" val="2499131441"/>
       </p:ext>
     </p:extLst>
   </p:cSld>
@@ -3203,8 +3145,8 @@
         </p:nvSpPr>
         <p:spPr>
           <a:xfrm>
-            <a:off x="913795" y="608437"/>
-            <a:ext cx="10353762" cy="3534344"/>
+            <a:off x="685346" y="608437"/>
+            <a:ext cx="7765322" cy="3534344"/>
           </a:xfrm>
         </p:spPr>
         <p:txBody>
@@ -3235,8 +3177,8 @@
         </p:nvSpPr>
         <p:spPr>
           <a:xfrm>
-            <a:off x="913794" y="4295180"/>
-            <a:ext cx="10353763" cy="1501826"/>
+            <a:off x="685346" y="4295180"/>
+            <a:ext cx="7765322" cy="1501826"/>
           </a:xfrm>
         </p:spPr>
         <p:txBody>
@@ -3305,7 +3247,7 @@
           <a:p>
             <a:fld id="{67971B23-299D-4CF4-B59D-A17DAEBDFBC2}" type="datetimeFigureOut">
               <a:rPr lang="en-US" smtClean="0"/>
-              <a:t>3/25/2014</a:t>
+              <a:t>3/29/2014</a:t>
             </a:fld>
             <a:endParaRPr lang="en-US"/>
           </a:p>
@@ -3356,7 +3298,7 @@
     </p:spTree>
     <p:extLst>
       <p:ext uri="{BB962C8B-B14F-4D97-AF65-F5344CB8AC3E}">
-        <p14:creationId xmlns:p14="http://schemas.microsoft.com/office/powerpoint/2010/main" val="940572379"/>
+        <p14:creationId xmlns:p14="http://schemas.microsoft.com/office/powerpoint/2010/main" val="217415475"/>
       </p:ext>
     </p:extLst>
   </p:cSld>
@@ -3395,8 +3337,8 @@
         </p:nvSpPr>
         <p:spPr>
           <a:xfrm>
-            <a:off x="1446212" y="609600"/>
-            <a:ext cx="9302752" cy="2992904"/>
+            <a:off x="1084659" y="609600"/>
+            <a:ext cx="6977064" cy="2992904"/>
           </a:xfrm>
         </p:spPr>
         <p:txBody>
@@ -3427,8 +3369,8 @@
         </p:nvSpPr>
         <p:spPr>
           <a:xfrm>
-            <a:off x="1720644" y="3610032"/>
-            <a:ext cx="8752299" cy="532749"/>
+            <a:off x="1290484" y="3610033"/>
+            <a:ext cx="6564224" cy="532749"/>
           </a:xfrm>
         </p:spPr>
         <p:txBody>
@@ -3494,8 +3436,8 @@
         </p:nvSpPr>
         <p:spPr>
           <a:xfrm>
-            <a:off x="913794" y="4304353"/>
-            <a:ext cx="10353763" cy="1489496"/>
+            <a:off x="685346" y="4304353"/>
+            <a:ext cx="7765322" cy="1489496"/>
           </a:xfrm>
         </p:spPr>
         <p:txBody>
@@ -3566,7 +3508,7 @@
           <a:p>
             <a:fld id="{67971B23-299D-4CF4-B59D-A17DAEBDFBC2}" type="datetimeFigureOut">
               <a:rPr lang="en-US" smtClean="0"/>
-              <a:t>3/25/2014</a:t>
+              <a:t>3/29/2014</a:t>
             </a:fld>
             <a:endParaRPr lang="en-US"/>
           </a:p>
@@ -3622,8 +3564,8 @@
         </p:nvSpPr>
         <p:spPr>
           <a:xfrm>
-            <a:off x="990600" y="884796"/>
-            <a:ext cx="609600" cy="584776"/>
+            <a:off x="627459" y="873912"/>
+            <a:ext cx="457200" cy="584776"/>
           </a:xfrm>
           <a:prstGeom prst="rect">
             <a:avLst/>
@@ -3738,8 +3680,8 @@
         </p:nvSpPr>
         <p:spPr>
           <a:xfrm>
-            <a:off x="10504716" y="2928258"/>
-            <a:ext cx="609600" cy="584776"/>
+            <a:off x="7828359" y="2933245"/>
+            <a:ext cx="457200" cy="584776"/>
           </a:xfrm>
           <a:prstGeom prst="rect">
             <a:avLst/>
@@ -3849,7 +3791,7 @@
     </p:spTree>
     <p:extLst>
       <p:ext uri="{BB962C8B-B14F-4D97-AF65-F5344CB8AC3E}">
-        <p14:creationId xmlns:p14="http://schemas.microsoft.com/office/powerpoint/2010/main" val="243529724"/>
+        <p14:creationId xmlns:p14="http://schemas.microsoft.com/office/powerpoint/2010/main" val="3052099074"/>
       </p:ext>
     </p:extLst>
   </p:cSld>
@@ -3888,8 +3830,8 @@
         </p:nvSpPr>
         <p:spPr>
           <a:xfrm>
-            <a:off x="913794" y="2126942"/>
-            <a:ext cx="10353763" cy="2511835"/>
+            <a:off x="685346" y="2126943"/>
+            <a:ext cx="7765322" cy="2511835"/>
           </a:xfrm>
         </p:spPr>
         <p:txBody>
@@ -3920,8 +3862,8 @@
         </p:nvSpPr>
         <p:spPr>
           <a:xfrm>
-            <a:off x="913784" y="4650556"/>
-            <a:ext cx="10352199" cy="1140644"/>
+            <a:off x="685339" y="4650556"/>
+            <a:ext cx="7764149" cy="1140644"/>
           </a:xfrm>
         </p:spPr>
         <p:txBody>
@@ -3990,7 +3932,7 @@
           <a:p>
             <a:fld id="{67971B23-299D-4CF4-B59D-A17DAEBDFBC2}" type="datetimeFigureOut">
               <a:rPr lang="en-US" smtClean="0"/>
-              <a:t>3/25/2014</a:t>
+              <a:t>3/29/2014</a:t>
             </a:fld>
             <a:endParaRPr lang="en-US"/>
           </a:p>
@@ -4041,7 +3983,7 @@
     </p:spTree>
     <p:extLst>
       <p:ext uri="{BB962C8B-B14F-4D97-AF65-F5344CB8AC3E}">
-        <p14:creationId xmlns:p14="http://schemas.microsoft.com/office/powerpoint/2010/main" val="1040729240"/>
+        <p14:creationId xmlns:p14="http://schemas.microsoft.com/office/powerpoint/2010/main" val="1458791193"/>
       </p:ext>
     </p:extLst>
   </p:cSld>
@@ -4080,8 +4022,8 @@
         </p:nvSpPr>
         <p:spPr>
           <a:xfrm>
-            <a:off x="913795" y="609600"/>
-            <a:ext cx="10353762" cy="970450"/>
+            <a:off x="685346" y="609600"/>
+            <a:ext cx="7765322" cy="970450"/>
           </a:xfrm>
         </p:spPr>
         <p:txBody>
@@ -4108,8 +4050,8 @@
         </p:nvSpPr>
         <p:spPr>
           <a:xfrm>
-            <a:off x="913795" y="1885950"/>
-            <a:ext cx="3300984" cy="576262"/>
+            <a:off x="685346" y="1885950"/>
+            <a:ext cx="2475738" cy="576262"/>
           </a:xfrm>
         </p:spPr>
         <p:txBody>
@@ -4179,8 +4121,8 @@
         </p:nvSpPr>
         <p:spPr>
           <a:xfrm>
-            <a:off x="913795" y="2571750"/>
-            <a:ext cx="3300984" cy="3219450"/>
+            <a:off x="685346" y="2571750"/>
+            <a:ext cx="2475738" cy="3219450"/>
           </a:xfrm>
         </p:spPr>
         <p:txBody>
@@ -4246,8 +4188,8 @@
         </p:nvSpPr>
         <p:spPr>
           <a:xfrm>
-            <a:off x="4446711" y="1885950"/>
-            <a:ext cx="3300984" cy="576262"/>
+            <a:off x="3335033" y="1885950"/>
+            <a:ext cx="2475738" cy="576262"/>
           </a:xfrm>
         </p:spPr>
         <p:txBody>
@@ -4317,8 +4259,8 @@
         </p:nvSpPr>
         <p:spPr>
           <a:xfrm>
-            <a:off x="4441435" y="2571750"/>
-            <a:ext cx="3300984" cy="3219450"/>
+            <a:off x="3331076" y="2571750"/>
+            <a:ext cx="2475738" cy="3219450"/>
           </a:xfrm>
         </p:spPr>
         <p:txBody>
@@ -4384,8 +4326,8 @@
         </p:nvSpPr>
         <p:spPr>
           <a:xfrm>
-            <a:off x="7966572" y="1885950"/>
-            <a:ext cx="3300984" cy="576262"/>
+            <a:off x="5974929" y="1885950"/>
+            <a:ext cx="2475738" cy="576262"/>
           </a:xfrm>
         </p:spPr>
         <p:txBody>
@@ -4455,8 +4397,8 @@
         </p:nvSpPr>
         <p:spPr>
           <a:xfrm>
-            <a:off x="7966572" y="2571750"/>
-            <a:ext cx="3300984" cy="3219450"/>
+            <a:off x="5974929" y="2571750"/>
+            <a:ext cx="2475738" cy="3219450"/>
           </a:xfrm>
         </p:spPr>
         <p:txBody>
@@ -4527,7 +4469,7 @@
           <a:p>
             <a:fld id="{67971B23-299D-4CF4-B59D-A17DAEBDFBC2}" type="datetimeFigureOut">
               <a:rPr lang="en-US" smtClean="0"/>
-              <a:t>3/25/2014</a:t>
+              <a:t>3/29/2014</a:t>
             </a:fld>
             <a:endParaRPr lang="en-US"/>
           </a:p>
@@ -4578,7 +4520,7 @@
     </p:spTree>
     <p:extLst>
       <p:ext uri="{BB962C8B-B14F-4D97-AF65-F5344CB8AC3E}">
-        <p14:creationId xmlns:p14="http://schemas.microsoft.com/office/powerpoint/2010/main" val="56150281"/>
+        <p14:creationId xmlns:p14="http://schemas.microsoft.com/office/powerpoint/2010/main" val="2031787963"/>
       </p:ext>
     </p:extLst>
   </p:cSld>
@@ -4607,7 +4549,7 @@
       </p:grpSpPr>
       <p:pic>
         <p:nvPicPr>
-          <p:cNvPr id="2" name="Picture 1" descr="Slate-V2-HD-3colPhotoInset.png"/>
+          <p:cNvPr id="6" name="Picture 5" descr="Slate-V2-SD-3colPhotoInset.png"/>
           <p:cNvPicPr>
             <a:picLocks noChangeAspect="1"/>
           </p:cNvPicPr>
@@ -4627,8 +4569,8 @@
         </p:blipFill>
         <p:spPr>
           <a:xfrm>
-            <a:off x="897962" y="1818214"/>
-            <a:ext cx="3339972" cy="1847851"/>
+            <a:off x="659239" y="1826045"/>
+            <a:ext cx="2529046" cy="1833558"/>
           </a:xfrm>
           <a:prstGeom prst="rect">
             <a:avLst/>
@@ -4637,7 +4579,7 @@
       </p:pic>
       <p:pic>
         <p:nvPicPr>
-          <p:cNvPr id="36" name="Picture 35" descr="Slate-V2-HD-3colPhotoInset.png"/>
+          <p:cNvPr id="28" name="Picture 27" descr="Slate-V2-SD-3colPhotoInset.png"/>
           <p:cNvPicPr>
             <a:picLocks noChangeAspect="1"/>
           </p:cNvPicPr>
@@ -4657,8 +4599,8 @@
         </p:blipFill>
         <p:spPr>
           <a:xfrm>
-            <a:off x="4403800" y="1818214"/>
-            <a:ext cx="3339972" cy="1847851"/>
+            <a:off x="3293813" y="1826045"/>
+            <a:ext cx="2529046" cy="1833558"/>
           </a:xfrm>
           <a:prstGeom prst="rect">
             <a:avLst/>
@@ -4667,7 +4609,7 @@
       </p:pic>
       <p:pic>
         <p:nvPicPr>
-          <p:cNvPr id="37" name="Picture 36" descr="Slate-V2-HD-3colPhotoInset.png"/>
+          <p:cNvPr id="29" name="Picture 28" descr="Slate-V2-SD-3colPhotoInset.png"/>
           <p:cNvPicPr>
             <a:picLocks noChangeAspect="1"/>
           </p:cNvPicPr>
@@ -4687,8 +4629,8 @@
         </p:blipFill>
         <p:spPr>
           <a:xfrm>
-            <a:off x="7936051" y="1818214"/>
-            <a:ext cx="3339972" cy="1847851"/>
+            <a:off x="5921715" y="1826045"/>
+            <a:ext cx="2529046" cy="1833558"/>
           </a:xfrm>
           <a:prstGeom prst="rect">
             <a:avLst/>
@@ -4707,8 +4649,8 @@
         </p:nvSpPr>
         <p:spPr>
           <a:xfrm>
-            <a:off x="913794" y="609600"/>
-            <a:ext cx="10353763" cy="970450"/>
+            <a:off x="685346" y="609600"/>
+            <a:ext cx="7765322" cy="970450"/>
           </a:xfrm>
         </p:spPr>
         <p:txBody>
@@ -4735,8 +4677,8 @@
         </p:nvSpPr>
         <p:spPr>
           <a:xfrm>
-            <a:off x="913795" y="3904106"/>
-            <a:ext cx="3300984" cy="576262"/>
+            <a:off x="685346" y="3904106"/>
+            <a:ext cx="2475738" cy="576262"/>
           </a:xfrm>
         </p:spPr>
         <p:txBody>
@@ -4806,8 +4748,8 @@
         </p:nvSpPr>
         <p:spPr>
           <a:xfrm>
-            <a:off x="1018102" y="1938918"/>
-            <a:ext cx="3092368" cy="1602954"/>
+            <a:off x="763577" y="1938918"/>
+            <a:ext cx="2319276" cy="1602954"/>
           </a:xfrm>
           <a:prstGeom prst="roundRect">
             <a:avLst>
@@ -4885,8 +4827,8 @@
         </p:nvSpPr>
         <p:spPr>
           <a:xfrm>
-            <a:off x="913795" y="4480368"/>
-            <a:ext cx="3300984" cy="1310833"/>
+            <a:off x="685346" y="4480369"/>
+            <a:ext cx="2475738" cy="1310833"/>
           </a:xfrm>
         </p:spPr>
         <p:txBody>
@@ -4952,8 +4894,8 @@
         </p:nvSpPr>
         <p:spPr>
           <a:xfrm>
-            <a:off x="4442788" y="3904106"/>
-            <a:ext cx="3300984" cy="576262"/>
+            <a:off x="3332091" y="3904106"/>
+            <a:ext cx="2475738" cy="576262"/>
           </a:xfrm>
         </p:spPr>
         <p:txBody>
@@ -5023,8 +4965,8 @@
         </p:nvSpPr>
         <p:spPr>
           <a:xfrm>
-            <a:off x="4545743" y="1939094"/>
-            <a:ext cx="3092368" cy="1608164"/>
+            <a:off x="3409307" y="1939094"/>
+            <a:ext cx="2319276" cy="1608164"/>
           </a:xfrm>
           <a:prstGeom prst="roundRect">
             <a:avLst>
@@ -5102,8 +5044,8 @@
         </p:nvSpPr>
         <p:spPr>
           <a:xfrm>
-            <a:off x="4441435" y="4480367"/>
-            <a:ext cx="3300984" cy="1310833"/>
+            <a:off x="3331075" y="4480368"/>
+            <a:ext cx="2476753" cy="1310833"/>
           </a:xfrm>
         </p:spPr>
         <p:txBody>
@@ -5169,8 +5111,8 @@
         </p:nvSpPr>
         <p:spPr>
           <a:xfrm>
-            <a:off x="7966697" y="3904106"/>
-            <a:ext cx="3300984" cy="576262"/>
+            <a:off x="5975023" y="3904106"/>
+            <a:ext cx="2475738" cy="576262"/>
           </a:xfrm>
         </p:spPr>
         <p:txBody>
@@ -5240,8 +5182,8 @@
         </p:nvSpPr>
         <p:spPr>
           <a:xfrm>
-            <a:off x="8075698" y="1934432"/>
-            <a:ext cx="3092368" cy="1607294"/>
+            <a:off x="6056774" y="1934432"/>
+            <a:ext cx="2319276" cy="1607294"/>
           </a:xfrm>
           <a:prstGeom prst="roundRect">
             <a:avLst>
@@ -5319,8 +5261,8 @@
         </p:nvSpPr>
         <p:spPr>
           <a:xfrm>
-            <a:off x="7966572" y="4480365"/>
-            <a:ext cx="3300984" cy="1310835"/>
+            <a:off x="5974929" y="4480366"/>
+            <a:ext cx="2475738" cy="1310835"/>
           </a:xfrm>
         </p:spPr>
         <p:txBody>
@@ -5391,7 +5333,7 @@
           <a:p>
             <a:fld id="{67971B23-299D-4CF4-B59D-A17DAEBDFBC2}" type="datetimeFigureOut">
               <a:rPr lang="en-US" smtClean="0"/>
-              <a:t>3/25/2014</a:t>
+              <a:t>3/29/2014</a:t>
             </a:fld>
             <a:endParaRPr lang="en-US"/>
           </a:p>
@@ -5442,7 +5384,7 @@
     </p:spTree>
     <p:extLst>
       <p:ext uri="{BB962C8B-B14F-4D97-AF65-F5344CB8AC3E}">
-        <p14:creationId xmlns:p14="http://schemas.microsoft.com/office/powerpoint/2010/main" val="2406380704"/>
+        <p14:creationId xmlns:p14="http://schemas.microsoft.com/office/powerpoint/2010/main" val="2754224161"/>
       </p:ext>
     </p:extLst>
   </p:cSld>
@@ -5561,7 +5503,7 @@
           <a:p>
             <a:fld id="{67971B23-299D-4CF4-B59D-A17DAEBDFBC2}" type="datetimeFigureOut">
               <a:rPr lang="en-US" smtClean="0"/>
-              <a:t>3/25/2014</a:t>
+              <a:t>3/29/2014</a:t>
             </a:fld>
             <a:endParaRPr lang="en-US"/>
           </a:p>
@@ -5612,7 +5554,7 @@
     </p:spTree>
     <p:extLst>
       <p:ext uri="{BB962C8B-B14F-4D97-AF65-F5344CB8AC3E}">
-        <p14:creationId xmlns:p14="http://schemas.microsoft.com/office/powerpoint/2010/main" val="2839170792"/>
+        <p14:creationId xmlns:p14="http://schemas.microsoft.com/office/powerpoint/2010/main" val="3672973955"/>
       </p:ext>
     </p:extLst>
   </p:cSld>
@@ -5651,8 +5593,8 @@
         </p:nvSpPr>
         <p:spPr>
           <a:xfrm>
-            <a:off x="8983068" y="609599"/>
-            <a:ext cx="2284487" cy="5181601"/>
+            <a:off x="6737302" y="609600"/>
+            <a:ext cx="1713365" cy="5181601"/>
           </a:xfrm>
         </p:spPr>
         <p:txBody>
@@ -5683,8 +5625,8 @@
         </p:nvSpPr>
         <p:spPr>
           <a:xfrm>
-            <a:off x="913796" y="609599"/>
-            <a:ext cx="7916872" cy="5181601"/>
+            <a:off x="685347" y="609600"/>
+            <a:ext cx="5937654" cy="5181601"/>
           </a:xfrm>
         </p:spPr>
         <p:txBody>
@@ -5745,7 +5687,7 @@
           <a:p>
             <a:fld id="{67971B23-299D-4CF4-B59D-A17DAEBDFBC2}" type="datetimeFigureOut">
               <a:rPr lang="en-US" smtClean="0"/>
-              <a:t>3/25/2014</a:t>
+              <a:t>3/29/2014</a:t>
             </a:fld>
             <a:endParaRPr lang="en-US"/>
           </a:p>
@@ -5796,7 +5738,7 @@
     </p:spTree>
     <p:extLst>
       <p:ext uri="{BB962C8B-B14F-4D97-AF65-F5344CB8AC3E}">
-        <p14:creationId xmlns:p14="http://schemas.microsoft.com/office/powerpoint/2010/main" val="2312235404"/>
+        <p14:creationId xmlns:p14="http://schemas.microsoft.com/office/powerpoint/2010/main" val="3834453908"/>
       </p:ext>
     </p:extLst>
   </p:cSld>
@@ -5915,7 +5857,7 @@
           <a:p>
             <a:fld id="{67971B23-299D-4CF4-B59D-A17DAEBDFBC2}" type="datetimeFigureOut">
               <a:rPr lang="en-US" smtClean="0"/>
-              <a:t>3/25/2014</a:t>
+              <a:t>3/29/2014</a:t>
             </a:fld>
             <a:endParaRPr lang="en-US"/>
           </a:p>
@@ -5966,7 +5908,7 @@
     </p:spTree>
     <p:extLst>
       <p:ext uri="{BB962C8B-B14F-4D97-AF65-F5344CB8AC3E}">
-        <p14:creationId xmlns:p14="http://schemas.microsoft.com/office/powerpoint/2010/main" val="1635793063"/>
+        <p14:creationId xmlns:p14="http://schemas.microsoft.com/office/powerpoint/2010/main" val="1876640409"/>
       </p:ext>
     </p:extLst>
   </p:cSld>
@@ -6005,8 +5947,8 @@
         </p:nvSpPr>
         <p:spPr>
           <a:xfrm>
-            <a:off x="1295401" y="1761067"/>
-            <a:ext cx="9590550" cy="1828813"/>
+            <a:off x="971551" y="1761068"/>
+            <a:ext cx="7192913" cy="1828813"/>
           </a:xfrm>
         </p:spPr>
         <p:txBody>
@@ -6037,8 +5979,8 @@
         </p:nvSpPr>
         <p:spPr>
           <a:xfrm>
-            <a:off x="1295401" y="3589879"/>
-            <a:ext cx="9590550" cy="1507054"/>
+            <a:off x="971551" y="3589879"/>
+            <a:ext cx="7192913" cy="1507054"/>
           </a:xfrm>
         </p:spPr>
         <p:txBody>
@@ -6159,7 +6101,7 @@
           <a:p>
             <a:fld id="{67971B23-299D-4CF4-B59D-A17DAEBDFBC2}" type="datetimeFigureOut">
               <a:rPr lang="en-US" smtClean="0"/>
-              <a:t>3/25/2014</a:t>
+              <a:t>3/29/2014</a:t>
             </a:fld>
             <a:endParaRPr lang="en-US"/>
           </a:p>
@@ -6210,7 +6152,7 @@
     </p:spTree>
     <p:extLst>
       <p:ext uri="{BB962C8B-B14F-4D97-AF65-F5344CB8AC3E}">
-        <p14:creationId xmlns:p14="http://schemas.microsoft.com/office/powerpoint/2010/main" val="408533421"/>
+        <p14:creationId xmlns:p14="http://schemas.microsoft.com/office/powerpoint/2010/main" val="3521913469"/>
       </p:ext>
     </p:extLst>
   </p:cSld>
@@ -6272,8 +6214,8 @@
         </p:nvSpPr>
         <p:spPr>
           <a:xfrm>
-            <a:off x="913795" y="1732449"/>
-            <a:ext cx="5060497" cy="4058750"/>
+            <a:off x="685347" y="1732449"/>
+            <a:ext cx="3795373" cy="4058750"/>
           </a:xfrm>
         </p:spPr>
         <p:txBody>
@@ -6331,8 +6273,8 @@
         </p:nvSpPr>
         <p:spPr>
           <a:xfrm>
-            <a:off x="6202892" y="1732449"/>
-            <a:ext cx="5064665" cy="4058751"/>
+            <a:off x="4652169" y="1732450"/>
+            <a:ext cx="3798499" cy="4058751"/>
           </a:xfrm>
         </p:spPr>
         <p:txBody>
@@ -6395,7 +6337,7 @@
           <a:p>
             <a:fld id="{67971B23-299D-4CF4-B59D-A17DAEBDFBC2}" type="datetimeFigureOut">
               <a:rPr lang="en-US" smtClean="0"/>
-              <a:t>3/25/2014</a:t>
+              <a:t>3/29/2014</a:t>
             </a:fld>
             <a:endParaRPr lang="en-US"/>
           </a:p>
@@ -6446,7 +6388,7 @@
     </p:spTree>
     <p:extLst>
       <p:ext uri="{BB962C8B-B14F-4D97-AF65-F5344CB8AC3E}">
-        <p14:creationId xmlns:p14="http://schemas.microsoft.com/office/powerpoint/2010/main" val="3351297514"/>
+        <p14:creationId xmlns:p14="http://schemas.microsoft.com/office/powerpoint/2010/main" val="383489602"/>
       </p:ext>
     </p:extLst>
   </p:cSld>
@@ -6475,7 +6417,7 @@
       </p:grpSpPr>
       <p:pic>
         <p:nvPicPr>
-          <p:cNvPr id="20" name="Picture 19" descr="Slate-V2-HD-compPhotoInset.png"/>
+          <p:cNvPr id="10" name="Picture 9" descr="Slate-V2-SD-compPhotoInset.png"/>
           <p:cNvPicPr>
             <a:picLocks noChangeAspect="1"/>
           </p:cNvPicPr>
@@ -6495,8 +6437,8 @@
         </p:blipFill>
         <p:spPr>
           <a:xfrm>
-            <a:off x="913795" y="1734506"/>
-            <a:ext cx="5089072" cy="4148769"/>
+            <a:off x="685345" y="1770323"/>
+            <a:ext cx="3787423" cy="4112953"/>
           </a:xfrm>
           <a:prstGeom prst="rect">
             <a:avLst/>
@@ -6505,7 +6447,7 @@
       </p:pic>
       <p:pic>
         <p:nvPicPr>
-          <p:cNvPr id="21" name="Picture 20" descr="Slate-V2-HD-compPhotoInset.png"/>
+          <p:cNvPr id="14" name="Picture 13" descr="Slate-V2-SD-compPhotoInset.png"/>
           <p:cNvPicPr>
             <a:picLocks noChangeAspect="1"/>
           </p:cNvPicPr>
@@ -6525,8 +6467,8 @@
         </p:blipFill>
         <p:spPr>
           <a:xfrm>
-            <a:off x="6178485" y="1734506"/>
-            <a:ext cx="5089072" cy="4148769"/>
+            <a:off x="4663245" y="1770323"/>
+            <a:ext cx="3787423" cy="4112953"/>
           </a:xfrm>
           <a:prstGeom prst="rect">
             <a:avLst/>
@@ -6572,8 +6514,8 @@
         </p:nvSpPr>
         <p:spPr>
           <a:xfrm>
-            <a:off x="1005872" y="1835254"/>
-            <a:ext cx="4876344" cy="544884"/>
+            <a:off x="754404" y="1835254"/>
+            <a:ext cx="3657258" cy="544884"/>
           </a:xfrm>
         </p:spPr>
         <p:txBody>
@@ -6639,8 +6581,8 @@
         </p:nvSpPr>
         <p:spPr>
           <a:xfrm>
-            <a:off x="1005872" y="2380137"/>
-            <a:ext cx="4876344" cy="3411063"/>
+            <a:off x="754404" y="2380138"/>
+            <a:ext cx="3657258" cy="3411063"/>
           </a:xfrm>
         </p:spPr>
         <p:txBody>
@@ -6714,8 +6656,8 @@
         </p:nvSpPr>
         <p:spPr>
           <a:xfrm>
-            <a:off x="6294967" y="1835254"/>
-            <a:ext cx="4895330" cy="544883"/>
+            <a:off x="4721225" y="1835255"/>
+            <a:ext cx="3671498" cy="544883"/>
           </a:xfrm>
         </p:spPr>
         <p:txBody>
@@ -6781,8 +6723,8 @@
         </p:nvSpPr>
         <p:spPr>
           <a:xfrm>
-            <a:off x="6294967" y="2380137"/>
-            <a:ext cx="4895330" cy="3411063"/>
+            <a:off x="4721225" y="2380138"/>
+            <a:ext cx="3671498" cy="3411063"/>
           </a:xfrm>
         </p:spPr>
         <p:txBody>
@@ -6861,7 +6803,7 @@
           <a:p>
             <a:fld id="{67971B23-299D-4CF4-B59D-A17DAEBDFBC2}" type="datetimeFigureOut">
               <a:rPr lang="en-US" smtClean="0"/>
-              <a:t>3/25/2014</a:t>
+              <a:t>3/29/2014</a:t>
             </a:fld>
             <a:endParaRPr lang="en-US"/>
           </a:p>
@@ -6912,7 +6854,7 @@
     </p:spTree>
     <p:extLst>
       <p:ext uri="{BB962C8B-B14F-4D97-AF65-F5344CB8AC3E}">
-        <p14:creationId xmlns:p14="http://schemas.microsoft.com/office/powerpoint/2010/main" val="123065614"/>
+        <p14:creationId xmlns:p14="http://schemas.microsoft.com/office/powerpoint/2010/main" val="1941155223"/>
       </p:ext>
     </p:extLst>
   </p:cSld>
@@ -6979,7 +6921,7 @@
           <a:p>
             <a:fld id="{67971B23-299D-4CF4-B59D-A17DAEBDFBC2}" type="datetimeFigureOut">
               <a:rPr lang="en-US" smtClean="0"/>
-              <a:t>3/25/2014</a:t>
+              <a:t>3/29/2014</a:t>
             </a:fld>
             <a:endParaRPr lang="en-US"/>
           </a:p>
@@ -7030,7 +6972,7 @@
     </p:spTree>
     <p:extLst>
       <p:ext uri="{BB962C8B-B14F-4D97-AF65-F5344CB8AC3E}">
-        <p14:creationId xmlns:p14="http://schemas.microsoft.com/office/powerpoint/2010/main" val="1937808975"/>
+        <p14:creationId xmlns:p14="http://schemas.microsoft.com/office/powerpoint/2010/main" val="2041018458"/>
       </p:ext>
     </p:extLst>
   </p:cSld>
@@ -7074,7 +7016,7 @@
           <a:p>
             <a:fld id="{67971B23-299D-4CF4-B59D-A17DAEBDFBC2}" type="datetimeFigureOut">
               <a:rPr lang="en-US" smtClean="0"/>
-              <a:t>3/25/2014</a:t>
+              <a:t>3/29/2014</a:t>
             </a:fld>
             <a:endParaRPr lang="en-US"/>
           </a:p>
@@ -7125,7 +7067,7 @@
     </p:spTree>
     <p:extLst>
       <p:ext uri="{BB962C8B-B14F-4D97-AF65-F5344CB8AC3E}">
-        <p14:creationId xmlns:p14="http://schemas.microsoft.com/office/powerpoint/2010/main" val="2083223674"/>
+        <p14:creationId xmlns:p14="http://schemas.microsoft.com/office/powerpoint/2010/main" val="3015692136"/>
       </p:ext>
     </p:extLst>
   </p:cSld>
@@ -7164,8 +7106,8 @@
         </p:nvSpPr>
         <p:spPr>
           <a:xfrm>
-            <a:off x="913795" y="609600"/>
-            <a:ext cx="3706889" cy="1821918"/>
+            <a:off x="685347" y="609600"/>
+            <a:ext cx="2780167" cy="1821918"/>
           </a:xfrm>
         </p:spPr>
         <p:txBody>
@@ -7198,8 +7140,8 @@
         </p:nvSpPr>
         <p:spPr>
           <a:xfrm>
-            <a:off x="4855633" y="609600"/>
-            <a:ext cx="6411924" cy="5181600"/>
+            <a:off x="3641725" y="609600"/>
+            <a:ext cx="4808943" cy="5181600"/>
           </a:xfrm>
         </p:spPr>
         <p:txBody>
@@ -7257,8 +7199,8 @@
         </p:nvSpPr>
         <p:spPr>
           <a:xfrm>
-            <a:off x="913795" y="2431518"/>
-            <a:ext cx="3706889" cy="3359681"/>
+            <a:off x="685347" y="2431518"/>
+            <a:ext cx="2780167" cy="3359681"/>
           </a:xfrm>
         </p:spPr>
         <p:txBody>
@@ -7329,7 +7271,7 @@
           <a:p>
             <a:fld id="{67971B23-299D-4CF4-B59D-A17DAEBDFBC2}" type="datetimeFigureOut">
               <a:rPr lang="en-US" smtClean="0"/>
-              <a:t>3/25/2014</a:t>
+              <a:t>3/29/2014</a:t>
             </a:fld>
             <a:endParaRPr lang="en-US"/>
           </a:p>
@@ -7380,7 +7322,7 @@
     </p:spTree>
     <p:extLst>
       <p:ext uri="{BB962C8B-B14F-4D97-AF65-F5344CB8AC3E}">
-        <p14:creationId xmlns:p14="http://schemas.microsoft.com/office/powerpoint/2010/main" val="3903736977"/>
+        <p14:creationId xmlns:p14="http://schemas.microsoft.com/office/powerpoint/2010/main" val="165519876"/>
       </p:ext>
     </p:extLst>
   </p:cSld>
@@ -7409,7 +7351,7 @@
       </p:grpSpPr>
       <p:pic>
         <p:nvPicPr>
-          <p:cNvPr id="22" name="Picture 21" descr="Slate-V2-HD-vertPhotoInset.png"/>
+          <p:cNvPr id="12" name="Picture 11" descr="Slate-V2-SD-vertPhotoInset.png"/>
           <p:cNvPicPr>
             <a:picLocks noChangeAspect="1"/>
           </p:cNvPicPr>
@@ -7429,8 +7371,8 @@
         </p:blipFill>
         <p:spPr>
           <a:xfrm>
-            <a:off x="7293665" y="609600"/>
-            <a:ext cx="3584166" cy="5204832"/>
+            <a:off x="4844987" y="609923"/>
+            <a:ext cx="3428146" cy="5205472"/>
           </a:xfrm>
           <a:prstGeom prst="rect">
             <a:avLst/>
@@ -7449,8 +7391,8 @@
         </p:nvSpPr>
         <p:spPr>
           <a:xfrm>
-            <a:off x="913795" y="609923"/>
-            <a:ext cx="5934949" cy="1829338"/>
+            <a:off x="685347" y="609923"/>
+            <a:ext cx="3924676" cy="1829338"/>
           </a:xfrm>
         </p:spPr>
         <p:txBody>
@@ -7483,8 +7425,8 @@
         </p:nvSpPr>
         <p:spPr>
           <a:xfrm>
-            <a:off x="7442551" y="763702"/>
-            <a:ext cx="3275751" cy="4912822"/>
+            <a:off x="4976728" y="743989"/>
+            <a:ext cx="3165375" cy="4912822"/>
           </a:xfrm>
           <a:effectLst>
             <a:outerShdw blurRad="38100" dist="25400" dir="4440000">
@@ -7557,8 +7499,8 @@
         </p:nvSpPr>
         <p:spPr>
           <a:xfrm>
-            <a:off x="913795" y="2439261"/>
-            <a:ext cx="5934949" cy="3376134"/>
+            <a:off x="685347" y="2439261"/>
+            <a:ext cx="3924676" cy="3376134"/>
           </a:xfrm>
         </p:spPr>
         <p:txBody>
@@ -7629,7 +7571,7 @@
           <a:p>
             <a:fld id="{67971B23-299D-4CF4-B59D-A17DAEBDFBC2}" type="datetimeFigureOut">
               <a:rPr lang="en-US" smtClean="0"/>
-              <a:t>3/25/2014</a:t>
+              <a:t>3/29/2014</a:t>
             </a:fld>
             <a:endParaRPr lang="en-US"/>
           </a:p>
@@ -7680,7 +7622,7 @@
     </p:spTree>
     <p:extLst>
       <p:ext uri="{BB962C8B-B14F-4D97-AF65-F5344CB8AC3E}">
-        <p14:creationId xmlns:p14="http://schemas.microsoft.com/office/powerpoint/2010/main" val="3294968440"/>
+        <p14:creationId xmlns:p14="http://schemas.microsoft.com/office/powerpoint/2010/main" val="3803828446"/>
       </p:ext>
     </p:extLst>
   </p:cSld>
@@ -7724,8 +7666,8 @@
         </p:nvSpPr>
         <p:spPr>
           <a:xfrm>
-            <a:off x="913795" y="609600"/>
-            <a:ext cx="10353762" cy="970450"/>
+            <a:off x="685346" y="609600"/>
+            <a:ext cx="7765322" cy="970450"/>
           </a:xfrm>
           <a:prstGeom prst="rect">
             <a:avLst/>
@@ -7764,8 +7706,8 @@
         </p:nvSpPr>
         <p:spPr>
           <a:xfrm>
-            <a:off x="913795" y="1732449"/>
-            <a:ext cx="10353762" cy="4058751"/>
+            <a:off x="685346" y="1732450"/>
+            <a:ext cx="7765322" cy="4058751"/>
           </a:xfrm>
           <a:prstGeom prst="rect">
             <a:avLst/>
@@ -7833,8 +7775,8 @@
         </p:nvSpPr>
         <p:spPr>
           <a:xfrm>
-            <a:off x="7678736" y="5883275"/>
-            <a:ext cx="2743200" cy="365125"/>
+            <a:off x="5759052" y="5883276"/>
+            <a:ext cx="2057400" cy="365125"/>
           </a:xfrm>
           <a:prstGeom prst="rect">
             <a:avLst/>
@@ -7863,7 +7805,7 @@
           <a:p>
             <a:fld id="{67971B23-299D-4CF4-B59D-A17DAEBDFBC2}" type="datetimeFigureOut">
               <a:rPr lang="en-US" smtClean="0"/>
-              <a:t>3/25/2014</a:t>
+              <a:t>3/29/2014</a:t>
             </a:fld>
             <a:endParaRPr lang="en-US"/>
           </a:p>
@@ -7881,8 +7823,8 @@
         </p:nvSpPr>
         <p:spPr>
           <a:xfrm>
-            <a:off x="913795" y="5883275"/>
-            <a:ext cx="6672865" cy="365125"/>
+            <a:off x="685347" y="5883276"/>
+            <a:ext cx="5004649" cy="365125"/>
           </a:xfrm>
           <a:prstGeom prst="rect">
             <a:avLst/>
@@ -7925,8 +7867,8 @@
         </p:nvSpPr>
         <p:spPr>
           <a:xfrm>
-            <a:off x="10514011" y="5883275"/>
-            <a:ext cx="753545" cy="365125"/>
+            <a:off x="7885509" y="5883276"/>
+            <a:ext cx="565159" cy="365125"/>
           </a:xfrm>
           <a:prstGeom prst="rect">
             <a:avLst/>
@@ -7964,29 +7906,29 @@
     </p:spTree>
     <p:extLst>
       <p:ext uri="{BB962C8B-B14F-4D97-AF65-F5344CB8AC3E}">
-        <p14:creationId xmlns:p14="http://schemas.microsoft.com/office/powerpoint/2010/main" val="240713417"/>
+        <p14:creationId xmlns:p14="http://schemas.microsoft.com/office/powerpoint/2010/main" val="1015543811"/>
       </p:ext>
     </p:extLst>
   </p:cSld>
   <p:clrMap bg1="dk1" tx1="lt1" bg2="dk2" tx2="lt2" accent1="accent1" accent2="accent2" accent3="accent3" accent4="accent4" accent5="accent5" accent6="accent6" hlink="hlink" folHlink="folHlink"/>
   <p:sldLayoutIdLst>
-    <p:sldLayoutId id="2147483661" r:id="rId1"/>
-    <p:sldLayoutId id="2147483662" r:id="rId2"/>
-    <p:sldLayoutId id="2147483663" r:id="rId3"/>
-    <p:sldLayoutId id="2147483664" r:id="rId4"/>
-    <p:sldLayoutId id="2147483665" r:id="rId5"/>
-    <p:sldLayoutId id="2147483666" r:id="rId6"/>
-    <p:sldLayoutId id="2147483667" r:id="rId7"/>
-    <p:sldLayoutId id="2147483668" r:id="rId8"/>
-    <p:sldLayoutId id="2147483669" r:id="rId9"/>
-    <p:sldLayoutId id="2147483670" r:id="rId10"/>
-    <p:sldLayoutId id="2147483671" r:id="rId11"/>
-    <p:sldLayoutId id="2147483672" r:id="rId12"/>
-    <p:sldLayoutId id="2147483673" r:id="rId13"/>
-    <p:sldLayoutId id="2147483674" r:id="rId14"/>
-    <p:sldLayoutId id="2147483675" r:id="rId15"/>
-    <p:sldLayoutId id="2147483676" r:id="rId16"/>
-    <p:sldLayoutId id="2147483677" r:id="rId17"/>
+    <p:sldLayoutId id="2147483679" r:id="rId1"/>
+    <p:sldLayoutId id="2147483680" r:id="rId2"/>
+    <p:sldLayoutId id="2147483681" r:id="rId3"/>
+    <p:sldLayoutId id="2147483682" r:id="rId4"/>
+    <p:sldLayoutId id="2147483683" r:id="rId5"/>
+    <p:sldLayoutId id="2147483684" r:id="rId6"/>
+    <p:sldLayoutId id="2147483685" r:id="rId7"/>
+    <p:sldLayoutId id="2147483686" r:id="rId8"/>
+    <p:sldLayoutId id="2147483687" r:id="rId9"/>
+    <p:sldLayoutId id="2147483688" r:id="rId10"/>
+    <p:sldLayoutId id="2147483689" r:id="rId11"/>
+    <p:sldLayoutId id="2147483690" r:id="rId12"/>
+    <p:sldLayoutId id="2147483691" r:id="rId13"/>
+    <p:sldLayoutId id="2147483692" r:id="rId14"/>
+    <p:sldLayoutId id="2147483693" r:id="rId15"/>
+    <p:sldLayoutId id="2147483694" r:id="rId16"/>
+    <p:sldLayoutId id="2147483695" r:id="rId17"/>
   </p:sldLayoutIdLst>
   <p:txStyles>
     <p:titleStyle>
@@ -8549,16 +8491,18 @@
         </p:nvSpPr>
         <p:spPr>
           <a:xfrm>
-            <a:off x="1370693" y="606785"/>
-            <a:ext cx="9440034" cy="1828801"/>
+            <a:off x="0" y="1312339"/>
+            <a:ext cx="9144000" cy="1371601"/>
           </a:xfrm>
         </p:spPr>
         <p:txBody>
-          <a:bodyPr/>
-          <a:lstStyle/>
-          <a:p>
-            <a:r>
-              <a:rPr lang="en-US" b="1" dirty="0">
+          <a:bodyPr>
+            <a:noAutofit/>
+          </a:bodyPr>
+          <a:lstStyle/>
+          <a:p>
+            <a:r>
+              <a:rPr lang="en-US" sz="6600" b="1" dirty="0">
                 <a:effectLst/>
               </a:rPr>
               <a:t>Telling Stories with Data</a:t>
@@ -8578,20 +8522,31 @@
         </p:nvSpPr>
         <p:spPr>
           <a:xfrm>
-            <a:off x="1370693" y="2401281"/>
-            <a:ext cx="9440034" cy="1049867"/>
+            <a:off x="0" y="2711122"/>
+            <a:ext cx="9144000" cy="787400"/>
           </a:xfrm>
         </p:spPr>
         <p:txBody>
-          <a:bodyPr/>
-          <a:lstStyle/>
-          <a:p>
-            <a:r>
-              <a:rPr lang="en-US" b="1" dirty="0">
+          <a:bodyPr>
+            <a:noAutofit/>
+          </a:bodyPr>
+          <a:lstStyle/>
+          <a:p>
+            <a:r>
+              <a:rPr lang="en-US" sz="2800" b="1" dirty="0">
                 <a:effectLst/>
               </a:rPr>
-              <a:t>Beautiful Interactive Data Visualizations with D3.js</a:t>
-            </a:r>
+              <a:t>Interactive Data Visualizations with D3.js and </a:t>
+            </a:r>
+            <a:r>
+              <a:rPr lang="en-US" sz="2800" b="1" dirty="0" err="1">
+                <a:effectLst/>
+              </a:rPr>
+              <a:t>ASP.Net</a:t>
+            </a:r>
+            <a:endParaRPr lang="en-US" sz="2800" b="1" dirty="0">
+              <a:effectLst/>
+            </a:endParaRPr>
           </a:p>
         </p:txBody>
       </p:sp>
@@ -8603,8 +8558,8 @@
         </p:nvSpPr>
         <p:spPr>
           <a:xfrm>
-            <a:off x="0" y="5657671"/>
-            <a:ext cx="4955823" cy="1200329"/>
+            <a:off x="0" y="5288340"/>
+            <a:ext cx="8378687" cy="1569660"/>
           </a:xfrm>
           <a:prstGeom prst="rect">
             <a:avLst/>
@@ -8618,46 +8573,46 @@
           <a:lstStyle/>
           <a:p>
             <a:r>
-              <a:rPr lang="en-US" dirty="0" smtClean="0"/>
+              <a:rPr lang="en-US" sz="2400" dirty="0"/>
               <a:t>Dustin Ewers</a:t>
             </a:r>
           </a:p>
           <a:p>
             <a:r>
-              <a:rPr lang="en-US" dirty="0" smtClean="0"/>
+              <a:rPr lang="en-US" sz="2400" dirty="0"/>
               <a:t>Twitter: @</a:t>
             </a:r>
             <a:r>
-              <a:rPr lang="en-US" dirty="0" err="1" smtClean="0"/>
+              <a:rPr lang="en-US" sz="2400" dirty="0" err="1"/>
               <a:t>DustinJEwers</a:t>
             </a:r>
-            <a:endParaRPr lang="en-US" dirty="0" smtClean="0"/>
-          </a:p>
-          <a:p>
-            <a:r>
-              <a:rPr lang="en-US" dirty="0" smtClean="0"/>
+            <a:endParaRPr lang="en-US" sz="2400" dirty="0"/>
+          </a:p>
+          <a:p>
+            <a:r>
+              <a:rPr lang="en-US" sz="2400" dirty="0"/>
               <a:t>Website: </a:t>
             </a:r>
             <a:r>
-              <a:rPr lang="en-US" dirty="0" smtClean="0">
+              <a:rPr lang="en-US" sz="2400" dirty="0">
                 <a:hlinkClick r:id="rId2"/>
               </a:rPr>
               <a:t>www.dustinewers.com</a:t>
             </a:r>
-            <a:endParaRPr lang="en-US" dirty="0" smtClean="0"/>
-          </a:p>
-          <a:p>
-            <a:r>
-              <a:rPr lang="en-US" dirty="0" smtClean="0"/>
+            <a:endParaRPr lang="en-US" sz="2400" dirty="0"/>
+          </a:p>
+          <a:p>
+            <a:r>
+              <a:rPr lang="en-US" sz="2400" dirty="0"/>
               <a:t>LinkedIn: </a:t>
             </a:r>
             <a:r>
-              <a:rPr lang="en-US" dirty="0" smtClean="0">
+              <a:rPr lang="en-US" sz="2400" dirty="0">
                 <a:hlinkClick r:id="rId3"/>
               </a:rPr>
               <a:t>www.linkedin.com/in/dustinewers/</a:t>
             </a:r>
-            <a:endParaRPr lang="en-US" dirty="0" smtClean="0"/>
+            <a:endParaRPr lang="en-US" sz="2400" dirty="0"/>
           </a:p>
         </p:txBody>
       </p:sp>
@@ -8715,27 +8670,8 @@
           <a:p>
             <a:r>
               <a:rPr lang="en-US" dirty="0" smtClean="0"/>
-              <a:t>Just Enough SVG</a:t>
-            </a:r>
-            <a:endParaRPr lang="en-US" dirty="0"/>
-          </a:p>
-        </p:txBody>
-      </p:sp>
-      <p:sp>
-        <p:nvSpPr>
-          <p:cNvPr id="3" name="Content Placeholder 2"/>
-          <p:cNvSpPr>
-            <a:spLocks noGrp="1"/>
-          </p:cNvSpPr>
-          <p:nvPr>
-            <p:ph idx="1"/>
-          </p:nvPr>
-        </p:nvSpPr>
-        <p:spPr/>
-        <p:txBody>
-          <a:bodyPr/>
-          <a:lstStyle/>
-          <a:p>
+              <a:t>Why Not D3.js?</a:t>
+            </a:r>
             <a:endParaRPr lang="en-US" dirty="0"/>
           </a:p>
         </p:txBody>
@@ -8743,7 +8679,7 @@
     </p:spTree>
     <p:extLst>
       <p:ext uri="{BB962C8B-B14F-4D97-AF65-F5344CB8AC3E}">
-        <p14:creationId xmlns:p14="http://schemas.microsoft.com/office/powerpoint/2010/main" val="3546670545"/>
+        <p14:creationId xmlns:p14="http://schemas.microsoft.com/office/powerpoint/2010/main" val="3000307880"/>
       </p:ext>
     </p:extLst>
   </p:cSld>
@@ -8794,7 +8730,7 @@
           <a:p>
             <a:r>
               <a:rPr lang="en-US" dirty="0" smtClean="0"/>
-              <a:t>SVG Circle</a:t>
+              <a:t>Just Enough SVG</a:t>
             </a:r>
             <a:endParaRPr lang="en-US" dirty="0"/>
           </a:p>
@@ -8810,51 +8746,19 @@
             <p:ph idx="1"/>
           </p:nvPr>
         </p:nvSpPr>
-        <p:spPr>
-          <a:xfrm>
-            <a:off x="913795" y="1732449"/>
-            <a:ext cx="5125055" cy="1944201"/>
-          </a:xfrm>
-        </p:spPr>
+        <p:spPr/>
         <p:txBody>
           <a:bodyPr/>
           <a:lstStyle/>
           <a:p>
-            <a:pPr marL="36900" indent="0">
-              <a:buNone/>
-            </a:pPr>
             <a:endParaRPr lang="en-US" dirty="0"/>
           </a:p>
         </p:txBody>
       </p:sp>
-      <p:pic>
-        <p:nvPicPr>
-          <p:cNvPr id="5" name="Picture 4"/>
-          <p:cNvPicPr>
-            <a:picLocks noChangeAspect="1"/>
-          </p:cNvPicPr>
-          <p:nvPr/>
-        </p:nvPicPr>
-        <p:blipFill>
-          <a:blip r:embed="rId3"/>
-          <a:stretch>
-            <a:fillRect/>
-          </a:stretch>
-        </p:blipFill>
-        <p:spPr>
-          <a:xfrm>
-            <a:off x="170757" y="1580050"/>
-            <a:ext cx="11839838" cy="4938326"/>
-          </a:xfrm>
-          <a:prstGeom prst="rect">
-            <a:avLst/>
-          </a:prstGeom>
-        </p:spPr>
-      </p:pic>
     </p:spTree>
     <p:extLst>
       <p:ext uri="{BB962C8B-B14F-4D97-AF65-F5344CB8AC3E}">
-        <p14:creationId xmlns:p14="http://schemas.microsoft.com/office/powerpoint/2010/main" val="3749296673"/>
+        <p14:creationId xmlns:p14="http://schemas.microsoft.com/office/powerpoint/2010/main" val="3546670545"/>
       </p:ext>
     </p:extLst>
   </p:cSld>
@@ -8905,8 +8809,35 @@
           <a:p>
             <a:r>
               <a:rPr lang="en-US" dirty="0" smtClean="0"/>
-              <a:t>SVG Rectangle</a:t>
-            </a:r>
+              <a:t>SVG Circle</a:t>
+            </a:r>
+            <a:endParaRPr lang="en-US" dirty="0"/>
+          </a:p>
+        </p:txBody>
+      </p:sp>
+      <p:sp>
+        <p:nvSpPr>
+          <p:cNvPr id="3" name="Content Placeholder 2"/>
+          <p:cNvSpPr>
+            <a:spLocks noGrp="1"/>
+          </p:cNvSpPr>
+          <p:nvPr>
+            <p:ph idx="1"/>
+          </p:nvPr>
+        </p:nvSpPr>
+        <p:spPr>
+          <a:xfrm>
+            <a:off x="685347" y="2156587"/>
+            <a:ext cx="3843791" cy="1458151"/>
+          </a:xfrm>
+        </p:spPr>
+        <p:txBody>
+          <a:bodyPr/>
+          <a:lstStyle/>
+          <a:p>
+            <a:pPr marL="27675" indent="0">
+              <a:buNone/>
+            </a:pPr>
             <a:endParaRPr lang="en-US" dirty="0"/>
           </a:p>
         </p:txBody>
@@ -8927,8 +8858,8 @@
         </p:blipFill>
         <p:spPr>
           <a:xfrm>
-            <a:off x="742950" y="1853216"/>
-            <a:ext cx="10695452" cy="4142168"/>
+            <a:off x="128068" y="2042287"/>
+            <a:ext cx="8879879" cy="3703745"/>
           </a:xfrm>
           <a:prstGeom prst="rect">
             <a:avLst/>
@@ -8938,7 +8869,7 @@
     </p:spTree>
     <p:extLst>
       <p:ext uri="{BB962C8B-B14F-4D97-AF65-F5344CB8AC3E}">
-        <p14:creationId xmlns:p14="http://schemas.microsoft.com/office/powerpoint/2010/main" val="721676251"/>
+        <p14:creationId xmlns:p14="http://schemas.microsoft.com/office/powerpoint/2010/main" val="3749296673"/>
       </p:ext>
     </p:extLst>
   </p:cSld>
@@ -8989,41 +8920,53 @@
           <a:p>
             <a:r>
               <a:rPr lang="en-US" dirty="0" smtClean="0"/>
-              <a:t>D3.js Scales and Axes</a:t>
+              <a:t>SVG Rectangle</a:t>
             </a:r>
             <a:endParaRPr lang="en-US" dirty="0"/>
           </a:p>
         </p:txBody>
       </p:sp>
-      <p:sp>
-        <p:nvSpPr>
-          <p:cNvPr id="3" name="Content Placeholder 2"/>
-          <p:cNvSpPr>
-            <a:spLocks noGrp="1"/>
-          </p:cNvSpPr>
-          <p:nvPr>
-            <p:ph idx="1"/>
-          </p:nvPr>
-        </p:nvSpPr>
-        <p:spPr/>
-        <p:txBody>
-          <a:bodyPr/>
-          <a:lstStyle/>
-          <a:p>
-            <a:endParaRPr lang="en-US"/>
-          </a:p>
-        </p:txBody>
-      </p:sp>
+      <p:pic>
+        <p:nvPicPr>
+          <p:cNvPr id="5" name="Picture 4"/>
+          <p:cNvPicPr>
+            <a:picLocks noChangeAspect="1"/>
+          </p:cNvPicPr>
+          <p:nvPr/>
+        </p:nvPicPr>
+        <p:blipFill>
+          <a:blip r:embed="rId3"/>
+          <a:stretch>
+            <a:fillRect/>
+          </a:stretch>
+        </p:blipFill>
+        <p:spPr>
+          <a:xfrm>
+            <a:off x="116419" y="2082800"/>
+            <a:ext cx="8886781" cy="3441700"/>
+          </a:xfrm>
+          <a:prstGeom prst="rect">
+            <a:avLst/>
+          </a:prstGeom>
+        </p:spPr>
+      </p:pic>
     </p:spTree>
     <p:extLst>
       <p:ext uri="{BB962C8B-B14F-4D97-AF65-F5344CB8AC3E}">
-        <p14:creationId xmlns:p14="http://schemas.microsoft.com/office/powerpoint/2010/main" val="2419159718"/>
+        <p14:creationId xmlns:p14="http://schemas.microsoft.com/office/powerpoint/2010/main" val="721676251"/>
       </p:ext>
     </p:extLst>
   </p:cSld>
   <p:clrMapOvr>
     <a:masterClrMapping/>
   </p:clrMapOvr>
+  <p:timing>
+    <p:tnLst>
+      <p:par>
+        <p:cTn id="1" dur="indefinite" restart="never" nodeType="tmRoot"/>
+      </p:par>
+    </p:tnLst>
+  </p:timing>
 </p:sld>
 </file>
 
@@ -9061,7 +9004,7 @@
           <a:p>
             <a:r>
               <a:rPr lang="en-US" dirty="0" smtClean="0"/>
-              <a:t>Updating Data</a:t>
+              <a:t>Demo Time!</a:t>
             </a:r>
             <a:endParaRPr lang="en-US" dirty="0"/>
           </a:p>
@@ -9077,25 +9020,58 @@
             <p:ph idx="1"/>
           </p:nvPr>
         </p:nvSpPr>
-        <p:spPr/>
+        <p:spPr>
+          <a:xfrm>
+            <a:off x="53157" y="2850051"/>
+            <a:ext cx="9029700" cy="617050"/>
+          </a:xfrm>
+        </p:spPr>
         <p:txBody>
           <a:bodyPr/>
           <a:lstStyle/>
           <a:p>
-            <a:endParaRPr lang="en-US"/>
+            <a:pPr marL="27675" indent="0" algn="ctr">
+              <a:buNone/>
+            </a:pPr>
+            <a:r>
+              <a:rPr lang="en-US" sz="2800" dirty="0">
+                <a:hlinkClick r:id="rId3"/>
+              </a:rPr>
+              <a:t>https://</a:t>
+            </a:r>
+            <a:r>
+              <a:rPr lang="en-US" sz="2800" dirty="0" smtClean="0">
+                <a:hlinkClick r:id="rId3"/>
+              </a:rPr>
+              <a:t>github.com/DustinEwers/D3-DotNetMVC-Demos</a:t>
+            </a:r>
+            <a:endParaRPr lang="en-US" sz="2800" dirty="0" smtClean="0"/>
+          </a:p>
+          <a:p>
+            <a:pPr marL="27675" indent="0" algn="ctr">
+              <a:buNone/>
+            </a:pPr>
+            <a:endParaRPr lang="en-US" dirty="0"/>
           </a:p>
         </p:txBody>
       </p:sp>
     </p:spTree>
     <p:extLst>
       <p:ext uri="{BB962C8B-B14F-4D97-AF65-F5344CB8AC3E}">
-        <p14:creationId xmlns:p14="http://schemas.microsoft.com/office/powerpoint/2010/main" val="590700555"/>
+        <p14:creationId xmlns:p14="http://schemas.microsoft.com/office/powerpoint/2010/main" val="593212302"/>
       </p:ext>
     </p:extLst>
   </p:cSld>
   <p:clrMapOvr>
     <a:masterClrMapping/>
   </p:clrMapOvr>
+  <p:timing>
+    <p:tnLst>
+      <p:par>
+        <p:cTn id="1" dur="indefinite" restart="never" nodeType="tmRoot"/>
+      </p:par>
+    </p:tnLst>
+  </p:timing>
 </p:sld>
 </file>
 
@@ -9128,160 +9104,16 @@
         </p:nvSpPr>
         <p:spPr/>
         <p:txBody>
-          <a:bodyPr/>
-          <a:lstStyle/>
-          <a:p>
-            <a:r>
-              <a:rPr lang="en-US" dirty="0" smtClean="0"/>
-              <a:t>Building different types of charts with Layouts</a:t>
-            </a:r>
-            <a:endParaRPr lang="en-US" dirty="0"/>
-          </a:p>
-        </p:txBody>
-      </p:sp>
-      <p:sp>
-        <p:nvSpPr>
-          <p:cNvPr id="3" name="Content Placeholder 2"/>
-          <p:cNvSpPr>
-            <a:spLocks noGrp="1"/>
-          </p:cNvSpPr>
-          <p:nvPr>
-            <p:ph idx="1"/>
-          </p:nvPr>
-        </p:nvSpPr>
-        <p:spPr/>
-        <p:txBody>
-          <a:bodyPr/>
-          <a:lstStyle/>
-          <a:p>
-            <a:endParaRPr lang="en-US"/>
-          </a:p>
-        </p:txBody>
-      </p:sp>
-    </p:spTree>
-    <p:extLst>
-      <p:ext uri="{BB962C8B-B14F-4D97-AF65-F5344CB8AC3E}">
-        <p14:creationId xmlns:p14="http://schemas.microsoft.com/office/powerpoint/2010/main" val="3508602416"/>
-      </p:ext>
-    </p:extLst>
-  </p:cSld>
-  <p:clrMapOvr>
-    <a:masterClrMapping/>
-  </p:clrMapOvr>
-</p:sld>
-</file>
-
-<file path=ppt/slides/slide16.xml><?xml version="1.0" encoding="utf-8"?>
-<p:sld xmlns:a="http://schemas.openxmlformats.org/drawingml/2006/main" xmlns:r="http://schemas.openxmlformats.org/officeDocument/2006/relationships" xmlns:p="http://schemas.openxmlformats.org/presentationml/2006/main">
-  <p:cSld>
-    <p:spTree>
-      <p:nvGrpSpPr>
-        <p:cNvPr id="1" name=""/>
-        <p:cNvGrpSpPr/>
-        <p:nvPr/>
-      </p:nvGrpSpPr>
-      <p:grpSpPr>
-        <a:xfrm>
-          <a:off x="0" y="0"/>
-          <a:ext cx="0" cy="0"/>
-          <a:chOff x="0" y="0"/>
-          <a:chExt cx="0" cy="0"/>
-        </a:xfrm>
-      </p:grpSpPr>
-      <p:sp>
-        <p:nvSpPr>
-          <p:cNvPr id="2" name="Title 1"/>
-          <p:cNvSpPr>
-            <a:spLocks noGrp="1"/>
-          </p:cNvSpPr>
-          <p:nvPr>
-            <p:ph type="title"/>
-          </p:nvPr>
-        </p:nvSpPr>
-        <p:spPr/>
-        <p:txBody>
-          <a:bodyPr/>
-          <a:lstStyle/>
-          <a:p>
-            <a:r>
-              <a:rPr lang="en-US" dirty="0" smtClean="0"/>
-              <a:t>Exporting Data</a:t>
-            </a:r>
-            <a:endParaRPr lang="en-US" dirty="0"/>
-          </a:p>
-        </p:txBody>
-      </p:sp>
-      <p:sp>
-        <p:nvSpPr>
-          <p:cNvPr id="3" name="Content Placeholder 2"/>
-          <p:cNvSpPr>
-            <a:spLocks noGrp="1"/>
-          </p:cNvSpPr>
-          <p:nvPr>
-            <p:ph idx="1"/>
-          </p:nvPr>
-        </p:nvSpPr>
-        <p:spPr/>
-        <p:txBody>
-          <a:bodyPr/>
-          <a:lstStyle/>
-          <a:p>
-            <a:endParaRPr lang="en-US"/>
-          </a:p>
-        </p:txBody>
-      </p:sp>
-    </p:spTree>
-    <p:extLst>
-      <p:ext uri="{BB962C8B-B14F-4D97-AF65-F5344CB8AC3E}">
-        <p14:creationId xmlns:p14="http://schemas.microsoft.com/office/powerpoint/2010/main" val="1338051610"/>
-      </p:ext>
-    </p:extLst>
-  </p:cSld>
-  <p:clrMapOvr>
-    <a:masterClrMapping/>
-  </p:clrMapOvr>
-</p:sld>
-</file>
-
-<file path=ppt/slides/slide17.xml><?xml version="1.0" encoding="utf-8"?>
-<p:sld xmlns:a="http://schemas.openxmlformats.org/drawingml/2006/main" xmlns:r="http://schemas.openxmlformats.org/officeDocument/2006/relationships" xmlns:p="http://schemas.openxmlformats.org/presentationml/2006/main">
-  <p:cSld>
-    <p:spTree>
-      <p:nvGrpSpPr>
-        <p:cNvPr id="1" name=""/>
-        <p:cNvGrpSpPr/>
-        <p:nvPr/>
-      </p:nvGrpSpPr>
-      <p:grpSpPr>
-        <a:xfrm>
-          <a:off x="0" y="0"/>
-          <a:ext cx="0" cy="0"/>
-          <a:chOff x="0" y="0"/>
-          <a:chExt cx="0" cy="0"/>
-        </a:xfrm>
-      </p:grpSpPr>
-      <p:sp>
-        <p:nvSpPr>
-          <p:cNvPr id="2" name="Title 1"/>
-          <p:cNvSpPr>
-            <a:spLocks noGrp="1"/>
-          </p:cNvSpPr>
-          <p:nvPr>
-            <p:ph type="title"/>
-          </p:nvPr>
-        </p:nvSpPr>
-        <p:spPr/>
-        <p:txBody>
           <a:bodyPr>
-            <a:normAutofit/>
+            <a:noAutofit/>
           </a:bodyPr>
           <a:lstStyle/>
           <a:p>
             <a:r>
-              <a:rPr lang="en-US" dirty="0" smtClean="0"/>
+              <a:rPr lang="en-US" sz="6000" dirty="0" smtClean="0"/>
               <a:t>Resources</a:t>
             </a:r>
-            <a:endParaRPr lang="en-US" dirty="0"/>
+            <a:endParaRPr lang="en-US" sz="6000" dirty="0"/>
           </a:p>
         </p:txBody>
       </p:sp>
@@ -9297,17 +9129,17 @@
         </p:nvSpPr>
         <p:spPr>
           <a:xfrm>
-            <a:off x="983975" y="1732449"/>
-            <a:ext cx="10366512" cy="4867134"/>
+            <a:off x="344281" y="1580050"/>
+            <a:ext cx="7774884" cy="3650351"/>
           </a:xfrm>
         </p:spPr>
         <p:txBody>
           <a:bodyPr>
-            <a:normAutofit lnSpcReduction="10000"/>
+            <a:noAutofit/>
           </a:bodyPr>
           <a:lstStyle/>
           <a:p>
-            <a:pPr marL="36900" indent="0">
+            <a:pPr marL="27675" indent="0">
               <a:buNone/>
             </a:pPr>
             <a:r>
@@ -9316,7 +9148,7 @@
             </a:r>
           </a:p>
           <a:p>
-            <a:pPr marL="36900" indent="0">
+            <a:pPr marL="27675" indent="0">
               <a:buNone/>
             </a:pPr>
             <a:r>
@@ -9334,7 +9166,7 @@
             <a:endParaRPr lang="en-US" dirty="0" smtClean="0"/>
           </a:p>
           <a:p>
-            <a:pPr marL="36900" indent="0">
+            <a:pPr marL="27675" indent="0">
               <a:buNone/>
             </a:pPr>
             <a:r>
@@ -9352,7 +9184,7 @@
             <a:endParaRPr lang="en-US" dirty="0" smtClean="0"/>
           </a:p>
           <a:p>
-            <a:pPr marL="36900" indent="0">
+            <a:pPr marL="27675" indent="0">
               <a:buNone/>
             </a:pPr>
             <a:r>
@@ -9364,7 +9196,7 @@
             <a:endParaRPr lang="en-US" dirty="0"/>
           </a:p>
           <a:p>
-            <a:pPr marL="36900" indent="0">
+            <a:pPr marL="27675" indent="0">
               <a:buNone/>
             </a:pPr>
             <a:r>
@@ -9382,13 +9214,13 @@
             <a:endParaRPr lang="en-US" dirty="0" smtClean="0"/>
           </a:p>
           <a:p>
-            <a:pPr marL="36900" indent="0">
+            <a:pPr marL="27675" indent="0">
               <a:buNone/>
             </a:pPr>
             <a:endParaRPr lang="en-US" dirty="0" smtClean="0"/>
           </a:p>
           <a:p>
-            <a:pPr marL="36900" indent="0">
+            <a:pPr marL="27675" indent="0">
               <a:buNone/>
             </a:pPr>
             <a:r>
@@ -9397,7 +9229,7 @@
             </a:r>
           </a:p>
           <a:p>
-            <a:pPr marL="36900" indent="0">
+            <a:pPr marL="27675" indent="0">
               <a:buNone/>
             </a:pPr>
             <a:r>
@@ -9417,7 +9249,7 @@
             <a:endParaRPr lang="en-US" dirty="0"/>
           </a:p>
           <a:p>
-            <a:pPr marL="36900" indent="0">
+            <a:pPr marL="27675" indent="0">
               <a:buNone/>
             </a:pPr>
             <a:r>
@@ -9435,7 +9267,7 @@
             <a:endParaRPr lang="en-US" dirty="0" smtClean="0"/>
           </a:p>
           <a:p>
-            <a:pPr marL="36900" indent="0">
+            <a:pPr marL="27675" indent="0">
               <a:buNone/>
             </a:pPr>
             <a:r>
@@ -9450,7 +9282,7 @@
             </a:endParaRPr>
           </a:p>
           <a:p>
-            <a:pPr marL="36900" indent="0">
+            <a:pPr marL="27675" indent="0">
               <a:buNone/>
             </a:pPr>
             <a:r>
@@ -9472,13 +9304,13 @@
             </a:endParaRPr>
           </a:p>
           <a:p>
-            <a:pPr marL="36900" indent="0">
+            <a:pPr marL="27675" indent="0">
               <a:buNone/>
             </a:pPr>
             <a:endParaRPr lang="en-US" dirty="0"/>
           </a:p>
           <a:p>
-            <a:pPr marL="36900" indent="0">
+            <a:pPr marL="27675" indent="0">
               <a:buNone/>
             </a:pPr>
             <a:endParaRPr lang="en-US" dirty="0"/>
@@ -9525,105 +9357,121 @@
             <p:ph type="title"/>
           </p:nvPr>
         </p:nvSpPr>
-        <p:spPr/>
-        <p:txBody>
-          <a:bodyPr/>
-          <a:lstStyle/>
-          <a:p>
-            <a:r>
-              <a:rPr lang="en-US" dirty="0" smtClean="0"/>
-              <a:t>Roadmap</a:t>
-            </a:r>
-            <a:endParaRPr lang="en-US" dirty="0"/>
-          </a:p>
-        </p:txBody>
-      </p:sp>
-      <p:sp>
-        <p:nvSpPr>
-          <p:cNvPr id="11" name="Content Placeholder 10"/>
-          <p:cNvSpPr>
-            <a:spLocks noGrp="1"/>
-          </p:cNvSpPr>
-          <p:nvPr>
-            <p:ph idx="1"/>
-          </p:nvPr>
-        </p:nvSpPr>
         <p:spPr>
           <a:xfrm>
-            <a:off x="913795" y="1732449"/>
-            <a:ext cx="10353762" cy="4521595"/>
+            <a:off x="698046" y="132036"/>
+            <a:ext cx="7765322" cy="1059350"/>
           </a:xfrm>
         </p:spPr>
         <p:txBody>
           <a:bodyPr>
-            <a:normAutofit lnSpcReduction="10000"/>
+            <a:normAutofit/>
           </a:bodyPr>
           <a:lstStyle/>
           <a:p>
             <a:r>
-              <a:rPr lang="en-US" dirty="0" smtClean="0"/>
+              <a:rPr lang="en-US" sz="6000" dirty="0"/>
+              <a:t>Roadmap</a:t>
+            </a:r>
+            <a:endParaRPr lang="en-US" dirty="0"/>
+          </a:p>
+        </p:txBody>
+      </p:sp>
+      <p:sp>
+        <p:nvSpPr>
+          <p:cNvPr id="11" name="Content Placeholder 10"/>
+          <p:cNvSpPr>
+            <a:spLocks noGrp="1"/>
+          </p:cNvSpPr>
+          <p:nvPr>
+            <p:ph idx="1"/>
+          </p:nvPr>
+        </p:nvSpPr>
+        <p:spPr>
+          <a:xfrm>
+            <a:off x="240846" y="1191386"/>
+            <a:ext cx="7765322" cy="5565013"/>
+          </a:xfrm>
+        </p:spPr>
+        <p:txBody>
+          <a:bodyPr>
+            <a:noAutofit/>
+          </a:bodyPr>
+          <a:lstStyle/>
+          <a:p>
+            <a:r>
+              <a:rPr lang="en-US" sz="2400" dirty="0" smtClean="0"/>
               <a:t>Why Data Visualization?</a:t>
             </a:r>
           </a:p>
           <a:p>
             <a:r>
-              <a:rPr lang="en-US" dirty="0" smtClean="0"/>
+              <a:rPr lang="en-US" sz="2400" dirty="0" smtClean="0"/>
               <a:t>What is D3.js?</a:t>
             </a:r>
           </a:p>
           <a:p>
             <a:r>
-              <a:rPr lang="en-US" dirty="0" smtClean="0"/>
+              <a:rPr lang="en-US" sz="2400" dirty="0" smtClean="0"/>
               <a:t>Why D3.js?</a:t>
             </a:r>
           </a:p>
           <a:p>
             <a:r>
-              <a:rPr lang="en-US" dirty="0" smtClean="0"/>
+              <a:rPr lang="en-US" sz="2400" dirty="0" smtClean="0"/>
               <a:t>Why not D3.js?</a:t>
             </a:r>
           </a:p>
           <a:p>
             <a:r>
-              <a:rPr lang="en-US" dirty="0" smtClean="0"/>
-              <a:t>Using D3.js with ASP.NET MVC</a:t>
-            </a:r>
-          </a:p>
-          <a:p>
-            <a:r>
-              <a:rPr lang="en-US" dirty="0" smtClean="0"/>
-              <a:t>Loading Data in D3.js</a:t>
-            </a:r>
-          </a:p>
-          <a:p>
-            <a:r>
-              <a:rPr lang="en-US" dirty="0" smtClean="0"/>
-              <a:t>Building Charts with D3.js</a:t>
-            </a:r>
-          </a:p>
-          <a:p>
-            <a:r>
-              <a:rPr lang="en-US" dirty="0" smtClean="0"/>
-              <a:t>Updates and Animations</a:t>
-            </a:r>
-          </a:p>
-          <a:p>
-            <a:r>
-              <a:rPr lang="en-US" dirty="0" smtClean="0"/>
-              <a:t>Building Different Types of Visualizations</a:t>
-            </a:r>
-          </a:p>
-          <a:p>
-            <a:r>
-              <a:rPr lang="en-US" dirty="0" smtClean="0"/>
-              <a:t>Exporting D3.js Data</a:t>
-            </a:r>
-          </a:p>
-          <a:p>
-            <a:r>
-              <a:rPr lang="en-US" dirty="0" smtClean="0"/>
+              <a:rPr lang="en-US" sz="2400" dirty="0" smtClean="0"/>
+              <a:t>Just enough SVG</a:t>
+            </a:r>
+            <a:endParaRPr lang="en-US" sz="2400" dirty="0" smtClean="0"/>
+          </a:p>
+          <a:p>
+            <a:r>
+              <a:rPr lang="en-US" sz="2400" dirty="0" smtClean="0"/>
+              <a:t>Demos</a:t>
+            </a:r>
+            <a:endParaRPr lang="en-US" sz="2400" dirty="0" smtClean="0"/>
+          </a:p>
+          <a:p>
+            <a:pPr lvl="1"/>
+            <a:r>
+              <a:rPr lang="en-US" sz="2200" dirty="0" smtClean="0"/>
+              <a:t>Using D3.js with ASP.NET</a:t>
+            </a:r>
+            <a:endParaRPr lang="en-US" sz="2200" dirty="0" smtClean="0"/>
+          </a:p>
+          <a:p>
+            <a:pPr lvl="1"/>
+            <a:r>
+              <a:rPr lang="en-US" sz="2200" dirty="0" smtClean="0"/>
+              <a:t>Building Charts in D3.js</a:t>
+            </a:r>
+          </a:p>
+          <a:p>
+            <a:pPr lvl="1"/>
+            <a:r>
+              <a:rPr lang="en-US" sz="2200" dirty="0" smtClean="0"/>
+              <a:t>Building </a:t>
+            </a:r>
+            <a:r>
+              <a:rPr lang="en-US" sz="2200" dirty="0" smtClean="0"/>
+              <a:t>Different Types of </a:t>
+            </a:r>
+            <a:r>
+              <a:rPr lang="en-US" sz="2200" dirty="0" smtClean="0"/>
+              <a:t>Visualizations</a:t>
+            </a:r>
+          </a:p>
+          <a:p>
+            <a:r>
+              <a:rPr lang="en-US" sz="2600" dirty="0" smtClean="0"/>
               <a:t>Resources</a:t>
             </a:r>
+            <a:endParaRPr lang="en-US" sz="2600" dirty="0" smtClean="0"/>
           </a:p>
         </p:txBody>
       </p:sp>
@@ -9676,83 +9524,47 @@
         </p:nvSpPr>
         <p:spPr/>
         <p:txBody>
-          <a:bodyPr/>
-          <a:lstStyle/>
-          <a:p>
-            <a:r>
-              <a:rPr lang="en-US" dirty="0" smtClean="0"/>
-              <a:t>We’ve Never Had More Available Data</a:t>
-            </a:r>
-            <a:endParaRPr lang="en-US" dirty="0"/>
-          </a:p>
-        </p:txBody>
-      </p:sp>
-      <p:sp>
-        <p:nvSpPr>
-          <p:cNvPr id="8" name="Content Placeholder 7"/>
-          <p:cNvSpPr>
-            <a:spLocks noGrp="1"/>
-          </p:cNvSpPr>
-          <p:nvPr>
-            <p:ph idx="1"/>
-          </p:nvPr>
-        </p:nvSpPr>
-        <p:spPr/>
-        <p:txBody>
-          <a:bodyPr/>
-          <a:lstStyle/>
-          <a:p>
-            <a:pPr marL="36900" indent="0">
-              <a:buNone/>
-            </a:pPr>
-            <a:r>
-              <a:rPr lang="en-US" dirty="0" smtClean="0"/>
-              <a:t>Sources</a:t>
-            </a:r>
-          </a:p>
-          <a:p>
-            <a:r>
-              <a:rPr lang="en-US" dirty="0" smtClean="0"/>
-              <a:t>Governments</a:t>
-            </a:r>
-          </a:p>
-          <a:p>
-            <a:r>
-              <a:rPr lang="en-US" dirty="0" smtClean="0"/>
-              <a:t>Research organizations</a:t>
-            </a:r>
-          </a:p>
-          <a:p>
-            <a:r>
-              <a:rPr lang="en-US" dirty="0" smtClean="0"/>
-              <a:t>NGOs</a:t>
-            </a:r>
-          </a:p>
-          <a:p>
-            <a:r>
-              <a:rPr lang="en-US" dirty="0" smtClean="0"/>
-              <a:t>The Internet of Things</a:t>
-            </a:r>
-          </a:p>
-          <a:p>
-            <a:r>
-              <a:rPr lang="en-US" dirty="0" smtClean="0"/>
-              <a:t>Logging &amp; Usage Data</a:t>
-            </a:r>
-          </a:p>
-          <a:p>
-            <a:r>
-              <a:rPr lang="en-US" dirty="0" smtClean="0"/>
-              <a:t>Financial Data</a:t>
-            </a:r>
-            <a:endParaRPr lang="en-US" dirty="0"/>
-          </a:p>
-        </p:txBody>
-      </p:sp>
+          <a:bodyPr>
+            <a:noAutofit/>
+          </a:bodyPr>
+          <a:lstStyle/>
+          <a:p>
+            <a:r>
+              <a:rPr lang="en-US" sz="6000" dirty="0" smtClean="0"/>
+              <a:t>Why Data Visualization? </a:t>
+            </a:r>
+            <a:endParaRPr lang="en-US" sz="6000" dirty="0"/>
+          </a:p>
+        </p:txBody>
+      </p:sp>
+      <p:pic>
+        <p:nvPicPr>
+          <p:cNvPr id="4" name="Picture 3"/>
+          <p:cNvPicPr>
+            <a:picLocks noChangeAspect="1"/>
+          </p:cNvPicPr>
+          <p:nvPr/>
+        </p:nvPicPr>
+        <p:blipFill>
+          <a:blip r:embed="rId3"/>
+          <a:stretch>
+            <a:fillRect/>
+          </a:stretch>
+        </p:blipFill>
+        <p:spPr>
+          <a:xfrm>
+            <a:off x="300807" y="1689717"/>
+            <a:ext cx="8534400" cy="4773966"/>
+          </a:xfrm>
+          <a:prstGeom prst="rect">
+            <a:avLst/>
+          </a:prstGeom>
+        </p:spPr>
+      </p:pic>
     </p:spTree>
     <p:extLst>
       <p:ext uri="{BB962C8B-B14F-4D97-AF65-F5344CB8AC3E}">
-        <p14:creationId xmlns:p14="http://schemas.microsoft.com/office/powerpoint/2010/main" val="1404473094"/>
+        <p14:creationId xmlns:p14="http://schemas.microsoft.com/office/powerpoint/2010/main" val="2929499422"/>
       </p:ext>
     </p:extLst>
   </p:cSld>
@@ -9796,16 +9608,31 @@
             <p:ph type="title"/>
           </p:nvPr>
         </p:nvSpPr>
-        <p:spPr/>
-        <p:txBody>
-          <a:bodyPr/>
-          <a:lstStyle/>
-          <a:p>
-            <a:r>
-              <a:rPr lang="en-US" dirty="0" smtClean="0"/>
-              <a:t>Humans are Visual Creatures</a:t>
-            </a:r>
-            <a:endParaRPr lang="en-US" dirty="0"/>
+        <p:spPr>
+          <a:xfrm>
+            <a:off x="0" y="101600"/>
+            <a:ext cx="9144000" cy="970450"/>
+          </a:xfrm>
+        </p:spPr>
+        <p:txBody>
+          <a:bodyPr>
+            <a:noAutofit/>
+          </a:bodyPr>
+          <a:lstStyle/>
+          <a:p>
+            <a:r>
+              <a:rPr lang="en-US" sz="4800" dirty="0" smtClean="0"/>
+              <a:t>Data Visualization </a:t>
+            </a:r>
+            <a:r>
+              <a:rPr lang="en-US" sz="4800" dirty="0" smtClean="0"/>
+              <a:t>Adds </a:t>
+            </a:r>
+            <a:r>
+              <a:rPr lang="en-US" sz="4800" dirty="0" smtClean="0"/>
+              <a:t>Meaning</a:t>
+            </a:r>
+            <a:endParaRPr lang="en-US" sz="4800" dirty="0"/>
           </a:p>
         </p:txBody>
       </p:sp>
@@ -9819,78 +9646,134 @@
             <p:ph idx="1"/>
           </p:nvPr>
         </p:nvSpPr>
-        <p:spPr/>
-        <p:txBody>
-          <a:bodyPr/>
-          <a:lstStyle/>
-          <a:p>
-            <a:r>
-              <a:rPr lang="en-US" dirty="0" smtClean="0"/>
-              <a:t>Data visualizations can give meaning to otherwise difficult to understand data</a:t>
-            </a:r>
-          </a:p>
-          <a:p>
-            <a:pPr marL="450000" lvl="1" indent="0">
+        <p:spPr>
+          <a:xfrm>
+            <a:off x="317046" y="4127499"/>
+            <a:ext cx="7765322" cy="2540001"/>
+          </a:xfrm>
+        </p:spPr>
+        <p:txBody>
+          <a:bodyPr>
+            <a:normAutofit fontScale="85000" lnSpcReduction="20000"/>
+          </a:bodyPr>
+          <a:lstStyle/>
+          <a:p>
+            <a:pPr marL="337500" lvl="1" indent="0">
               <a:buNone/>
             </a:pPr>
-            <a:r>
-              <a:rPr lang="en-US" dirty="0">
-                <a:hlinkClick r:id="rId3"/>
-              </a:rPr>
-              <a:t>http://</a:t>
-            </a:r>
-            <a:r>
-              <a:rPr lang="en-US" dirty="0" smtClean="0">
-                <a:hlinkClick r:id="rId3"/>
-              </a:rPr>
-              <a:t>xkcd.com/980/huge</a:t>
-            </a:r>
-            <a:endParaRPr lang="en-US" dirty="0" smtClean="0"/>
-          </a:p>
-          <a:p>
+            <a:endParaRPr lang="en-US" dirty="0" smtClean="0">
+              <a:hlinkClick r:id="rId3"/>
+            </a:endParaRPr>
+          </a:p>
+          <a:p>
+            <a:pPr marL="337500" lvl="1" indent="0">
+              <a:buNone/>
+            </a:pPr>
+            <a:endParaRPr lang="en-US" dirty="0">
+              <a:hlinkClick r:id="rId3"/>
+            </a:endParaRPr>
+          </a:p>
+          <a:p>
+            <a:pPr marL="337500" lvl="1" indent="0">
+              <a:buNone/>
+            </a:pPr>
+            <a:endParaRPr lang="en-US" dirty="0" smtClean="0">
+              <a:hlinkClick r:id="rId3"/>
+            </a:endParaRPr>
+          </a:p>
+          <a:p>
+            <a:pPr marL="337500" lvl="1" indent="0">
+              <a:buNone/>
+            </a:pPr>
+            <a:endParaRPr lang="en-US" dirty="0">
+              <a:hlinkClick r:id="rId3"/>
+            </a:endParaRPr>
+          </a:p>
+          <a:p>
+            <a:pPr marL="337500" lvl="1" indent="0">
+              <a:buNone/>
+            </a:pPr>
+            <a:endParaRPr lang="en-US" dirty="0" smtClean="0">
+              <a:hlinkClick r:id="rId3"/>
+            </a:endParaRPr>
+          </a:p>
+          <a:p>
+            <a:pPr marL="337500" lvl="1" indent="0">
+              <a:buNone/>
+            </a:pPr>
+            <a:endParaRPr lang="en-US" dirty="0">
+              <a:hlinkClick r:id="rId3"/>
+            </a:endParaRPr>
+          </a:p>
+          <a:p>
+            <a:pPr marL="337500" lvl="1" indent="0">
+              <a:buNone/>
+            </a:pPr>
+            <a:endParaRPr lang="en-US" dirty="0" smtClean="0">
+              <a:hlinkClick r:id="rId3"/>
+            </a:endParaRPr>
+          </a:p>
+          <a:p>
+            <a:pPr marL="337500" lvl="1" indent="0">
+              <a:buNone/>
+            </a:pPr>
             <a:r>
               <a:rPr lang="en-US" dirty="0"/>
-              <a:t>Data visualizations</a:t>
-            </a:r>
-            <a:r>
-              <a:rPr lang="en-US" dirty="0" smtClean="0"/>
-              <a:t> can tell stories</a:t>
-            </a:r>
-          </a:p>
-          <a:p>
-            <a:pPr marL="36900" indent="0">
-              <a:buNone/>
-            </a:pPr>
-            <a:r>
-              <a:rPr lang="en-US" dirty="0"/>
-              <a:t>	 </a:t>
+              <a:t>Source: </a:t>
             </a:r>
             <a:r>
               <a:rPr lang="en-US" dirty="0">
                 <a:hlinkClick r:id="rId4"/>
               </a:rPr>
-              <a:t>http://bost.ocks.org/mike/nations</a:t>
+              <a:t>http://kepler.nasa.gov/multimedia/artwork/diagrams/?</a:t>
             </a:r>
             <a:r>
               <a:rPr lang="en-US" dirty="0" smtClean="0">
                 <a:hlinkClick r:id="rId4"/>
               </a:rPr>
-              <a:t>/</a:t>
+              <a:t>ImageID=123</a:t>
             </a:r>
             <a:endParaRPr lang="en-US" dirty="0" smtClean="0"/>
           </a:p>
           <a:p>
-            <a:pPr marL="36900" indent="0">
+            <a:pPr marL="337500" lvl="1" indent="0">
               <a:buNone/>
             </a:pPr>
             <a:endParaRPr lang="en-US" dirty="0"/>
           </a:p>
-        </p:txBody>
-      </p:sp>
+          <a:p>
+            <a:endParaRPr lang="en-US" dirty="0"/>
+          </a:p>
+        </p:txBody>
+      </p:sp>
+      <p:pic>
+        <p:nvPicPr>
+          <p:cNvPr id="4" name="Picture 3"/>
+          <p:cNvPicPr>
+            <a:picLocks noChangeAspect="1"/>
+          </p:cNvPicPr>
+          <p:nvPr/>
+        </p:nvPicPr>
+        <p:blipFill>
+          <a:blip r:embed="rId5"/>
+          <a:stretch>
+            <a:fillRect/>
+          </a:stretch>
+        </p:blipFill>
+        <p:spPr>
+          <a:xfrm>
+            <a:off x="175317" y="1072050"/>
+            <a:ext cx="8793366" cy="4791374"/>
+          </a:xfrm>
+          <a:prstGeom prst="rect">
+            <a:avLst/>
+          </a:prstGeom>
+        </p:spPr>
+      </p:pic>
     </p:spTree>
     <p:extLst>
       <p:ext uri="{BB962C8B-B14F-4D97-AF65-F5344CB8AC3E}">
-        <p14:creationId xmlns:p14="http://schemas.microsoft.com/office/powerpoint/2010/main" val="2629999514"/>
+        <p14:creationId xmlns:p14="http://schemas.microsoft.com/office/powerpoint/2010/main" val="870951136"/>
       </p:ext>
     </p:extLst>
   </p:cSld>
@@ -9934,16 +9817,22 @@
             <p:ph type="title"/>
           </p:nvPr>
         </p:nvSpPr>
-        <p:spPr/>
-        <p:txBody>
-          <a:bodyPr/>
-          <a:lstStyle/>
-          <a:p>
-            <a:r>
-              <a:rPr lang="en-US" dirty="0" smtClean="0"/>
-              <a:t>What is D3.js?</a:t>
-            </a:r>
-            <a:endParaRPr lang="en-US" dirty="0"/>
+        <p:spPr>
+          <a:xfrm>
+            <a:off x="0" y="323203"/>
+            <a:ext cx="9144000" cy="727838"/>
+          </a:xfrm>
+        </p:spPr>
+        <p:txBody>
+          <a:bodyPr>
+            <a:noAutofit/>
+          </a:bodyPr>
+          <a:lstStyle/>
+          <a:p>
+            <a:r>
+              <a:rPr lang="en-US" sz="4500" dirty="0"/>
+              <a:t>Data Visualization can Tell Stories</a:t>
+            </a:r>
           </a:p>
         </p:txBody>
       </p:sp>
@@ -9957,25 +9846,77 @@
             <p:ph idx="1"/>
           </p:nvPr>
         </p:nvSpPr>
-        <p:spPr/>
-        <p:txBody>
-          <a:bodyPr/>
-          <a:lstStyle/>
-          <a:p>
-            <a:r>
-              <a:rPr lang="en-US" dirty="0" smtClean="0"/>
-              <a:t>Examples: </a:t>
-            </a:r>
-          </a:p>
-          <a:p>
-            <a:endParaRPr lang="en-US" dirty="0"/>
-          </a:p>
-        </p:txBody>
-      </p:sp>
+        <p:spPr>
+          <a:xfrm>
+            <a:off x="109157" y="6426200"/>
+            <a:ext cx="8925686" cy="318147"/>
+          </a:xfrm>
+        </p:spPr>
+        <p:txBody>
+          <a:bodyPr>
+            <a:noAutofit/>
+          </a:bodyPr>
+          <a:lstStyle/>
+          <a:p>
+            <a:pPr marL="27675" indent="0">
+              <a:buNone/>
+            </a:pPr>
+            <a:r>
+              <a:rPr lang="en-US" sz="1600" dirty="0" smtClean="0">
+                <a:hlinkClick r:id="rId3"/>
+              </a:rPr>
+              <a:t>http</a:t>
+            </a:r>
+            <a:r>
+              <a:rPr lang="en-US" sz="1600" dirty="0">
+                <a:hlinkClick r:id="rId3"/>
+              </a:rPr>
+              <a:t>://bost.ocks.org/mike/nations</a:t>
+            </a:r>
+            <a:r>
+              <a:rPr lang="en-US" sz="1600" dirty="0" smtClean="0">
+                <a:hlinkClick r:id="rId3"/>
+              </a:rPr>
+              <a:t>/</a:t>
+            </a:r>
+            <a:endParaRPr lang="en-US" sz="1600" dirty="0" smtClean="0"/>
+          </a:p>
+          <a:p>
+            <a:pPr marL="27675" indent="0">
+              <a:buNone/>
+            </a:pPr>
+            <a:endParaRPr lang="en-US" sz="1600" dirty="0"/>
+          </a:p>
+        </p:txBody>
+      </p:sp>
+      <p:pic>
+        <p:nvPicPr>
+          <p:cNvPr id="4" name="Picture 3"/>
+          <p:cNvPicPr>
+            <a:picLocks noChangeAspect="1"/>
+          </p:cNvPicPr>
+          <p:nvPr/>
+        </p:nvPicPr>
+        <p:blipFill>
+          <a:blip r:embed="rId4"/>
+          <a:stretch>
+            <a:fillRect/>
+          </a:stretch>
+        </p:blipFill>
+        <p:spPr>
+          <a:xfrm>
+            <a:off x="330200" y="1051938"/>
+            <a:ext cx="8407400" cy="5230272"/>
+          </a:xfrm>
+          <a:prstGeom prst="rect">
+            <a:avLst/>
+          </a:prstGeom>
+        </p:spPr>
+      </p:pic>
     </p:spTree>
     <p:extLst>
       <p:ext uri="{BB962C8B-B14F-4D97-AF65-F5344CB8AC3E}">
-        <p14:creationId xmlns:p14="http://schemas.microsoft.com/office/powerpoint/2010/main" val="1217426071"/>
+        <p14:creationId xmlns:p14="http://schemas.microsoft.com/office/powerpoint/2010/main" val="2629999514"/>
       </p:ext>
     </p:extLst>
   </p:cSld>
@@ -10019,105 +9960,68 @@
             <p:ph type="title"/>
           </p:nvPr>
         </p:nvSpPr>
-        <p:spPr/>
-        <p:txBody>
-          <a:bodyPr/>
-          <a:lstStyle/>
-          <a:p>
+        <p:spPr>
+          <a:xfrm>
+            <a:off x="135440" y="1314450"/>
+            <a:ext cx="8865133" cy="727838"/>
+          </a:xfrm>
+        </p:spPr>
+        <p:txBody>
+          <a:bodyPr>
+            <a:normAutofit fontScale="90000"/>
+          </a:bodyPr>
+          <a:lstStyle/>
+          <a:p>
+            <a:r>
+              <a:rPr lang="en-US" dirty="0"/>
+              <a:t>Data </a:t>
+            </a:r>
+            <a:r>
+              <a:rPr lang="en-US" sz="3300" dirty="0"/>
+              <a:t>Visualization</a:t>
+            </a:r>
+            <a:r>
+              <a:rPr lang="en-US" dirty="0"/>
+              <a:t> </a:t>
+            </a:r>
             <a:r>
               <a:rPr lang="en-US" dirty="0" smtClean="0"/>
-              <a:t>Why D3.js?</a:t>
+              <a:t>Increases Customer Engagement</a:t>
             </a:r>
             <a:endParaRPr lang="en-US" dirty="0"/>
           </a:p>
         </p:txBody>
       </p:sp>
-      <p:sp>
-        <p:nvSpPr>
-          <p:cNvPr id="3" name="Content Placeholder 2"/>
-          <p:cNvSpPr>
-            <a:spLocks noGrp="1"/>
-          </p:cNvSpPr>
+      <p:pic>
+        <p:nvPicPr>
+          <p:cNvPr id="4" name="Content Placeholder 3"/>
+          <p:cNvPicPr>
+            <a:picLocks noGrp="1" noChangeAspect="1"/>
+          </p:cNvPicPr>
           <p:nvPr>
             <p:ph idx="1"/>
           </p:nvPr>
-        </p:nvSpPr>
-        <p:spPr/>
-        <p:txBody>
-          <a:bodyPr/>
-          <a:lstStyle/>
-          <a:p>
-            <a:r>
-              <a:rPr lang="en-US" dirty="0" smtClean="0"/>
-              <a:t>Examples:</a:t>
-            </a:r>
-          </a:p>
-          <a:p>
-            <a:pPr marL="36900" indent="0">
-              <a:buNone/>
-            </a:pPr>
-            <a:r>
-              <a:rPr lang="en-US" dirty="0">
-                <a:hlinkClick r:id="rId3"/>
-              </a:rPr>
-              <a:t>http://</a:t>
-            </a:r>
-            <a:r>
-              <a:rPr lang="en-US" dirty="0" smtClean="0">
-                <a:hlinkClick r:id="rId3"/>
-              </a:rPr>
-              <a:t>www.nytimes.com/interactive/2013/05/25/sunday-review/corporate-taxes.html</a:t>
-            </a:r>
-            <a:endParaRPr lang="en-US" dirty="0" smtClean="0"/>
-          </a:p>
-          <a:p>
-            <a:pPr marL="36900" indent="0">
-              <a:buNone/>
-            </a:pPr>
-            <a:r>
-              <a:rPr lang="en-US" dirty="0">
-                <a:hlinkClick r:id="rId4"/>
-              </a:rPr>
-              <a:t>http://www.koalastothemax.com</a:t>
-            </a:r>
-            <a:r>
-              <a:rPr lang="en-US" dirty="0" smtClean="0">
-                <a:hlinkClick r:id="rId4"/>
-              </a:rPr>
-              <a:t>/</a:t>
-            </a:r>
-            <a:endParaRPr lang="en-US" dirty="0" smtClean="0"/>
-          </a:p>
-          <a:p>
-            <a:pPr marL="36900" indent="0">
-              <a:buNone/>
-            </a:pPr>
-            <a:r>
-              <a:rPr lang="en-US" dirty="0">
-                <a:hlinkClick r:id="rId5"/>
-              </a:rPr>
-              <a:t>http://www.jasondavies.com/maps/countries-by-area</a:t>
-            </a:r>
-            <a:r>
-              <a:rPr lang="en-US" dirty="0" smtClean="0">
-                <a:hlinkClick r:id="rId5"/>
-              </a:rPr>
-              <a:t>/</a:t>
-            </a:r>
-            <a:endParaRPr lang="en-US" dirty="0" smtClean="0"/>
-          </a:p>
-          <a:p>
-            <a:pPr marL="36900" indent="0">
-              <a:buNone/>
-            </a:pPr>
-            <a:endParaRPr lang="en-US" dirty="0"/>
-          </a:p>
-        </p:txBody>
-      </p:sp>
+        </p:nvPicPr>
+        <p:blipFill>
+          <a:blip r:embed="rId3"/>
+          <a:stretch>
+            <a:fillRect/>
+          </a:stretch>
+        </p:blipFill>
+        <p:spPr>
+          <a:xfrm>
+            <a:off x="168406" y="2194774"/>
+            <a:ext cx="8832167" cy="3564522"/>
+          </a:xfrm>
+          <a:prstGeom prst="rect">
+            <a:avLst/>
+          </a:prstGeom>
+        </p:spPr>
+      </p:pic>
     </p:spTree>
     <p:extLst>
       <p:ext uri="{BB962C8B-B14F-4D97-AF65-F5344CB8AC3E}">
-        <p14:creationId xmlns:p14="http://schemas.microsoft.com/office/powerpoint/2010/main" val="2673403050"/>
+        <p14:creationId xmlns:p14="http://schemas.microsoft.com/office/powerpoint/2010/main" val="952232083"/>
       </p:ext>
     </p:extLst>
   </p:cSld>
@@ -10161,22 +10065,28 @@
             <p:ph type="title"/>
           </p:nvPr>
         </p:nvSpPr>
-        <p:spPr/>
-        <p:txBody>
-          <a:bodyPr/>
-          <a:lstStyle/>
-          <a:p>
-            <a:r>
-              <a:rPr lang="en-US" dirty="0" smtClean="0"/>
-              <a:t>Why Not D3.js?</a:t>
-            </a:r>
-            <a:endParaRPr lang="en-US" dirty="0"/>
-          </a:p>
-        </p:txBody>
-      </p:sp>
-      <p:sp>
-        <p:nvSpPr>
-          <p:cNvPr id="3" name="Content Placeholder 2"/>
+        <p:spPr>
+          <a:xfrm>
+            <a:off x="0" y="361950"/>
+            <a:ext cx="9144000" cy="727838"/>
+          </a:xfrm>
+        </p:spPr>
+        <p:txBody>
+          <a:bodyPr>
+            <a:noAutofit/>
+          </a:bodyPr>
+          <a:lstStyle/>
+          <a:p>
+            <a:r>
+              <a:rPr lang="en-US" sz="4400" dirty="0"/>
+              <a:t>We’ve Never Had More Available Data</a:t>
+            </a:r>
+          </a:p>
+        </p:txBody>
+      </p:sp>
+      <p:sp>
+        <p:nvSpPr>
+          <p:cNvPr id="8" name="Content Placeholder 7"/>
           <p:cNvSpPr>
             <a:spLocks noGrp="1"/>
           </p:cNvSpPr>
@@ -10184,19 +10094,60 @@
             <p:ph idx="1"/>
           </p:nvPr>
         </p:nvSpPr>
-        <p:spPr/>
-        <p:txBody>
-          <a:bodyPr/>
-          <a:lstStyle/>
-          <a:p>
-            <a:endParaRPr lang="en-US"/>
+        <p:spPr>
+          <a:xfrm>
+            <a:off x="253546" y="1384300"/>
+            <a:ext cx="7765322" cy="3797301"/>
+          </a:xfrm>
+        </p:spPr>
+        <p:txBody>
+          <a:bodyPr>
+            <a:noAutofit/>
+          </a:bodyPr>
+          <a:lstStyle/>
+          <a:p>
+            <a:r>
+              <a:rPr lang="en-US" sz="3200" dirty="0" smtClean="0"/>
+              <a:t>Governments</a:t>
+            </a:r>
+            <a:endParaRPr lang="en-US" sz="3200" dirty="0"/>
+          </a:p>
+          <a:p>
+            <a:r>
+              <a:rPr lang="en-US" sz="3200" dirty="0"/>
+              <a:t>Research organizations</a:t>
+            </a:r>
+          </a:p>
+          <a:p>
+            <a:r>
+              <a:rPr lang="en-US" sz="3200" dirty="0"/>
+              <a:t>NGOs</a:t>
+            </a:r>
+          </a:p>
+          <a:p>
+            <a:r>
+              <a:rPr lang="en-US" sz="3200" dirty="0"/>
+              <a:t>The Internet of Things</a:t>
+            </a:r>
+          </a:p>
+          <a:p>
+            <a:r>
+              <a:rPr lang="en-US" sz="3200" dirty="0"/>
+              <a:t>Logging &amp; Usage Data</a:t>
+            </a:r>
+          </a:p>
+          <a:p>
+            <a:r>
+              <a:rPr lang="en-US" sz="3200" dirty="0"/>
+              <a:t>Financial Data</a:t>
+            </a:r>
           </a:p>
         </p:txBody>
       </p:sp>
     </p:spTree>
     <p:extLst>
       <p:ext uri="{BB962C8B-B14F-4D97-AF65-F5344CB8AC3E}">
-        <p14:creationId xmlns:p14="http://schemas.microsoft.com/office/powerpoint/2010/main" val="3000307880"/>
+        <p14:creationId xmlns:p14="http://schemas.microsoft.com/office/powerpoint/2010/main" val="1404473094"/>
       </p:ext>
     </p:extLst>
   </p:cSld>
@@ -10240,45 +10191,29 @@
             <p:ph type="title"/>
           </p:nvPr>
         </p:nvSpPr>
-        <p:spPr/>
-        <p:txBody>
-          <a:bodyPr/>
-          <a:lstStyle/>
-          <a:p>
-            <a:r>
-              <a:rPr lang="en-US" dirty="0" smtClean="0"/>
-              <a:t>Using D3.js with ASP.NET MVC</a:t>
-            </a:r>
-            <a:endParaRPr lang="en-US" dirty="0"/>
-          </a:p>
-        </p:txBody>
-      </p:sp>
-      <p:sp>
-        <p:nvSpPr>
-          <p:cNvPr id="3" name="Content Placeholder 2"/>
-          <p:cNvSpPr>
-            <a:spLocks noGrp="1"/>
-          </p:cNvSpPr>
-          <p:nvPr>
-            <p:ph idx="1"/>
-          </p:nvPr>
-        </p:nvSpPr>
-        <p:spPr/>
-        <p:txBody>
-          <a:bodyPr/>
-          <a:lstStyle/>
-          <a:p>
-            <a:pPr marL="36900" indent="0" algn="ctr">
-              <a:buNone/>
-            </a:pPr>
-            <a:endParaRPr lang="en-US" dirty="0"/>
+        <p:spPr>
+          <a:xfrm>
+            <a:off x="685346" y="1285875"/>
+            <a:ext cx="7765322" cy="727838"/>
+          </a:xfrm>
+        </p:spPr>
+        <p:txBody>
+          <a:bodyPr>
+            <a:noAutofit/>
+          </a:bodyPr>
+          <a:lstStyle/>
+          <a:p>
+            <a:r>
+              <a:rPr lang="en-US" sz="6000" dirty="0"/>
+              <a:t>What is D3.js?</a:t>
+            </a:r>
           </a:p>
         </p:txBody>
       </p:sp>
     </p:spTree>
     <p:extLst>
       <p:ext uri="{BB962C8B-B14F-4D97-AF65-F5344CB8AC3E}">
-        <p14:creationId xmlns:p14="http://schemas.microsoft.com/office/powerpoint/2010/main" val="593212302"/>
+        <p14:creationId xmlns:p14="http://schemas.microsoft.com/office/powerpoint/2010/main" val="1217426071"/>
       </p:ext>
     </p:extLst>
   </p:cSld>
@@ -10329,7 +10264,7 @@
           <a:p>
             <a:r>
               <a:rPr lang="en-US" dirty="0" smtClean="0"/>
-              <a:t>Loading Data</a:t>
+              <a:t>Why D3.js?</a:t>
             </a:r>
             <a:endParaRPr lang="en-US" dirty="0"/>
           </a:p>
@@ -10350,7 +10285,67 @@
           <a:bodyPr/>
           <a:lstStyle/>
           <a:p>
-            <a:pPr marL="36900" indent="0" algn="ctr">
+            <a:r>
+              <a:rPr lang="en-US" dirty="0" smtClean="0"/>
+              <a:t>Examples:</a:t>
+            </a:r>
+          </a:p>
+          <a:p>
+            <a:pPr marL="27675" indent="0">
+              <a:buNone/>
+            </a:pPr>
+            <a:r>
+              <a:rPr lang="en-US" dirty="0">
+                <a:hlinkClick r:id="rId3"/>
+              </a:rPr>
+              <a:t>http://</a:t>
+            </a:r>
+            <a:r>
+              <a:rPr lang="en-US" dirty="0" smtClean="0">
+                <a:hlinkClick r:id="rId3"/>
+              </a:rPr>
+              <a:t>www.nytimes.com/interactive/2013/05/25/sunday-review/corporate-taxes.html</a:t>
+            </a:r>
+            <a:endParaRPr lang="en-US" dirty="0" smtClean="0"/>
+          </a:p>
+          <a:p>
+            <a:pPr marL="27675" indent="0">
+              <a:buNone/>
+            </a:pPr>
+            <a:r>
+              <a:rPr lang="en-US" dirty="0">
+                <a:hlinkClick r:id="rId4"/>
+              </a:rPr>
+              <a:t>http://www.koalastothemax.com</a:t>
+            </a:r>
+            <a:r>
+              <a:rPr lang="en-US" dirty="0" smtClean="0">
+                <a:hlinkClick r:id="rId4"/>
+              </a:rPr>
+              <a:t>/</a:t>
+            </a:r>
+            <a:endParaRPr lang="en-US" dirty="0" smtClean="0"/>
+          </a:p>
+          <a:p>
+            <a:pPr marL="27675" indent="0">
+              <a:buNone/>
+            </a:pPr>
+            <a:r>
+              <a:rPr lang="en-US" dirty="0">
+                <a:hlinkClick r:id="rId5"/>
+              </a:rPr>
+              <a:t>http://www.jasondavies.com/maps/countries-by-area</a:t>
+            </a:r>
+            <a:r>
+              <a:rPr lang="en-US" dirty="0" smtClean="0">
+                <a:hlinkClick r:id="rId5"/>
+              </a:rPr>
+              <a:t>/</a:t>
+            </a:r>
+            <a:endParaRPr lang="en-US" dirty="0" smtClean="0"/>
+          </a:p>
+          <a:p>
+            <a:pPr marL="27675" indent="0">
               <a:buNone/>
             </a:pPr>
             <a:endParaRPr lang="en-US" dirty="0"/>
@@ -10360,7 +10355,7 @@
     </p:spTree>
     <p:extLst>
       <p:ext uri="{BB962C8B-B14F-4D97-AF65-F5344CB8AC3E}">
-        <p14:creationId xmlns:p14="http://schemas.microsoft.com/office/powerpoint/2010/main" val="2581137320"/>
+        <p14:creationId xmlns:p14="http://schemas.microsoft.com/office/powerpoint/2010/main" val="2673403050"/>
       </p:ext>
     </p:extLst>
   </p:cSld>
@@ -10418,15 +10413,15 @@
         <a:srgbClr val="F4B69B"/>
       </a:folHlink>
     </a:clrScheme>
-    <a:fontScheme name="Slate">
+    <a:fontScheme name="Calibri">
       <a:majorFont>
-        <a:latin typeface="Calisto MT" panose="02040603050505030304"/>
+        <a:latin typeface="Calibri" panose="020F0502020204030204"/>
         <a:ea typeface=""/>
         <a:cs typeface=""/>
-        <a:font script="Jpan" typeface="ＭＳ Ｐゴシック"/>
-        <a:font script="Hang" typeface="돋움"/>
-        <a:font script="Hans" typeface="方正舒体"/>
-        <a:font script="Hant" typeface="微軟正黑體"/>
+        <a:font script="Jpan" typeface="メイリオ"/>
+        <a:font script="Hang" typeface="맑은 고딕"/>
+        <a:font script="Hans" typeface="宋体"/>
+        <a:font script="Hant" typeface="新細明體"/>
         <a:font script="Arab" typeface="Arial"/>
         <a:font script="Hebr" typeface="Arial"/>
         <a:font script="Thai" typeface="Cordia New"/>
@@ -10450,18 +10445,18 @@
         <a:font script="Laoo" typeface="DokChampa"/>
         <a:font script="Sinh" typeface="Iskoola Pota"/>
         <a:font script="Mong" typeface="Mongolian Baiti"/>
-        <a:font script="Viet" typeface="Arial"/>
+        <a:font script="Viet" typeface="Tahoma"/>
         <a:font script="Uigh" typeface="Microsoft Uighur"/>
         <a:font script="Geor" typeface="Sylfaen"/>
       </a:majorFont>
       <a:minorFont>
-        <a:latin typeface="Calisto MT" panose="02040603050505030304"/>
+        <a:latin typeface="Calibri" panose="020F0502020204030204"/>
         <a:ea typeface=""/>
         <a:cs typeface=""/>
-        <a:font script="Jpan" typeface="ＭＳ Ｐゴシック"/>
-        <a:font script="Hang" typeface="돋움"/>
-        <a:font script="Hans" typeface="方正舒体"/>
-        <a:font script="Hant" typeface="微軟正黑體"/>
+        <a:font script="Jpan" typeface="メイリオ"/>
+        <a:font script="Hang" typeface="맑은 고딕"/>
+        <a:font script="Hans" typeface="宋体"/>
+        <a:font script="Hant" typeface="新細明體"/>
         <a:font script="Arab" typeface="Arial"/>
         <a:font script="Hebr" typeface="Arial"/>
         <a:font script="Thai" typeface="Cordia New"/>
@@ -10485,7 +10480,7 @@
         <a:font script="Laoo" typeface="DokChampa"/>
         <a:font script="Sinh" typeface="Iskoola Pota"/>
         <a:font script="Mong" typeface="Mongolian Baiti"/>
-        <a:font script="Viet" typeface="Arial"/>
+        <a:font script="Viet" typeface="Tahoma"/>
         <a:font script="Uigh" typeface="Microsoft Uighur"/>
         <a:font script="Geor" typeface="Sylfaen"/>
       </a:minorFont>

--- a/Slides/D3.pptx
+++ b/Slides/D3.pptx
@@ -211,7 +211,7 @@
           <a:p>
             <a:fld id="{F2FD5E34-5871-4249-913E-D69CD2F5B120}" type="datetimeFigureOut">
               <a:rPr lang="en-US" smtClean="0"/>
-              <a:t>3/29/2014</a:t>
+              <a:t>3/31/2014</a:t>
             </a:fld>
             <a:endParaRPr lang="en-US"/>
           </a:p>
@@ -523,7 +523,48 @@
           <a:bodyPr/>
           <a:lstStyle/>
           <a:p>
-            <a:endParaRPr lang="en-US" dirty="0"/>
+            <a:r>
+              <a:rPr lang="en-US" dirty="0" smtClean="0"/>
+              <a:t>Goal</a:t>
+            </a:r>
+            <a:r>
+              <a:rPr lang="en-US" baseline="0" dirty="0" smtClean="0"/>
+              <a:t>: To show you how to add data visualizations to </a:t>
+            </a:r>
+            <a:r>
+              <a:rPr lang="en-US" baseline="0" dirty="0" err="1" smtClean="0"/>
+              <a:t>.net</a:t>
+            </a:r>
+            <a:r>
+              <a:rPr lang="en-US" baseline="0" dirty="0" smtClean="0"/>
+              <a:t> applications. </a:t>
+            </a:r>
+            <a:endParaRPr lang="en-US" dirty="0" smtClean="0"/>
+          </a:p>
+          <a:p>
+            <a:endParaRPr lang="en-US" dirty="0" smtClean="0"/>
+          </a:p>
+          <a:p>
+            <a:r>
+              <a:rPr lang="en-US" dirty="0" smtClean="0"/>
+              <a:t>Why?</a:t>
+            </a:r>
+            <a:r>
+              <a:rPr lang="en-US" baseline="0" dirty="0" smtClean="0"/>
+              <a:t> </a:t>
+            </a:r>
+          </a:p>
+          <a:p>
+            <a:r>
+              <a:rPr lang="en-US" baseline="0" dirty="0" smtClean="0"/>
+              <a:t>What? </a:t>
+            </a:r>
+          </a:p>
+          <a:p>
+            <a:r>
+              <a:rPr lang="en-US" baseline="0" dirty="0" smtClean="0"/>
+              <a:t>How? </a:t>
+            </a:r>
           </a:p>
         </p:txBody>
       </p:sp>
@@ -544,7 +585,7 @@
           <a:p>
             <a:fld id="{2CA6A022-9899-462F-AF11-091E7F58E280}" type="slidenum">
               <a:rPr lang="en-US" smtClean="0"/>
-              <a:t>3</a:t>
+              <a:t>2</a:t>
             </a:fld>
             <a:endParaRPr lang="en-US"/>
           </a:p>
@@ -553,7 +594,7 @@
     </p:spTree>
     <p:extLst>
       <p:ext uri="{BB962C8B-B14F-4D97-AF65-F5344CB8AC3E}">
-        <p14:creationId xmlns:p14="http://schemas.microsoft.com/office/powerpoint/2010/main" val="1713446858"/>
+        <p14:creationId xmlns:p14="http://schemas.microsoft.com/office/powerpoint/2010/main" val="2127028354"/>
       </p:ext>
     </p:extLst>
   </p:cSld>
@@ -612,16 +653,66 @@
           <a:bodyPr/>
           <a:lstStyle/>
           <a:p>
+            <a:r>
+              <a:rPr lang="en-US" dirty="0" smtClean="0"/>
+              <a:t>SVG = Scalable Vector</a:t>
+            </a:r>
+            <a:r>
+              <a:rPr lang="en-US" baseline="0" dirty="0" smtClean="0"/>
+              <a:t> Graphics</a:t>
+            </a:r>
+          </a:p>
+          <a:p>
             <a:endParaRPr lang="en-US" baseline="0" dirty="0" smtClean="0"/>
           </a:p>
           <a:p>
             <a:r>
               <a:rPr lang="en-US" baseline="0" dirty="0" smtClean="0"/>
-              <a:t>Circles have a center x, y and a radius</a:t>
-            </a:r>
-          </a:p>
-          <a:p>
-            <a:endParaRPr lang="en-US" dirty="0"/>
+              <a:t>Vector, math based as opposed to bitmap based like JPEG or PNG</a:t>
+            </a:r>
+          </a:p>
+          <a:p>
+            <a:r>
+              <a:rPr lang="en-US" baseline="0" dirty="0" smtClean="0"/>
+              <a:t>HTML Based</a:t>
+            </a:r>
+          </a:p>
+          <a:p>
+            <a:endParaRPr lang="en-US" baseline="0" dirty="0" smtClean="0"/>
+          </a:p>
+          <a:p>
+            <a:pPr marL="0" marR="0" indent="0" algn="l" defTabSz="914400" rtl="0" eaLnBrk="1" fontAlgn="auto" latinLnBrk="0" hangingPunct="1">
+              <a:lnSpc>
+                <a:spcPct val="100000"/>
+              </a:lnSpc>
+              <a:spcBef>
+                <a:spcPts val="0"/>
+              </a:spcBef>
+              <a:spcAft>
+                <a:spcPts val="0"/>
+              </a:spcAft>
+              <a:buClrTx/>
+              <a:buSzTx/>
+              <a:buFontTx/>
+              <a:buNone/>
+              <a:tabLst/>
+              <a:defRPr/>
+            </a:pPr>
+            <a:r>
+              <a:rPr lang="en-US" dirty="0" smtClean="0"/>
+              <a:t>There are several</a:t>
+            </a:r>
+            <a:r>
+              <a:rPr lang="en-US" baseline="0" dirty="0" smtClean="0"/>
+              <a:t> basic SVG shapes, including circles, ellipses, rectangles, and lines</a:t>
+            </a:r>
+          </a:p>
+          <a:p>
+            <a:pPr marL="0" indent="0">
+              <a:buFontTx/>
+              <a:buNone/>
+            </a:pPr>
+            <a:endParaRPr lang="en-US" baseline="0" dirty="0" smtClean="0"/>
           </a:p>
         </p:txBody>
       </p:sp>
@@ -642,7 +733,7 @@
           <a:p>
             <a:fld id="{2CA6A022-9899-462F-AF11-091E7F58E280}" type="slidenum">
               <a:rPr lang="en-US" smtClean="0"/>
-              <a:t>12</a:t>
+              <a:t>11</a:t>
             </a:fld>
             <a:endParaRPr lang="en-US"/>
           </a:p>
@@ -651,7 +742,7 @@
     </p:spTree>
     <p:extLst>
       <p:ext uri="{BB962C8B-B14F-4D97-AF65-F5344CB8AC3E}">
-        <p14:creationId xmlns:p14="http://schemas.microsoft.com/office/powerpoint/2010/main" val="2161615869"/>
+        <p14:creationId xmlns:p14="http://schemas.microsoft.com/office/powerpoint/2010/main" val="1967444448"/>
       </p:ext>
     </p:extLst>
   </p:cSld>
@@ -710,53 +801,32 @@
           <a:bodyPr/>
           <a:lstStyle/>
           <a:p>
-            <a:r>
-              <a:rPr lang="en-US" dirty="0" err="1" smtClean="0"/>
-              <a:t>Rect</a:t>
-            </a:r>
+            <a:endParaRPr lang="en-US" baseline="0" dirty="0" smtClean="0"/>
+          </a:p>
+          <a:p>
             <a:r>
               <a:rPr lang="en-US" baseline="0" dirty="0" smtClean="0"/>
-              <a:t> – x, y, width, height</a:t>
-            </a:r>
-          </a:p>
-          <a:p>
-            <a:endParaRPr lang="en-US" baseline="0" dirty="0" smtClean="0"/>
-          </a:p>
-          <a:p>
+              <a:t>Circles have a center x, y and a radius</a:t>
+            </a:r>
+          </a:p>
+          <a:p>
+            <a:endParaRPr lang="en-US" dirty="0" smtClean="0"/>
+          </a:p>
+          <a:p>
+            <a:r>
+              <a:rPr lang="en-US" dirty="0" smtClean="0"/>
+              <a:t>SVG Concepts:</a:t>
+            </a:r>
             <a:r>
               <a:rPr lang="en-US" baseline="0" dirty="0" smtClean="0"/>
-              <a:t>SVG concepts</a:t>
-            </a:r>
-          </a:p>
-          <a:p>
-            <a:pPr marL="171450" indent="-171450">
-              <a:buFontTx/>
-              <a:buChar char="-"/>
-            </a:pPr>
+              <a:t> </a:t>
+            </a:r>
+          </a:p>
+          <a:p>
             <a:r>
               <a:rPr lang="en-US" baseline="0" dirty="0" smtClean="0"/>
-              <a:t>Can apply classes</a:t>
-            </a:r>
-          </a:p>
-          <a:p>
-            <a:pPr marL="171450" indent="-171450">
-              <a:buFontTx/>
-              <a:buChar char="-"/>
-            </a:pPr>
-            <a:r>
-              <a:rPr lang="en-US" dirty="0" smtClean="0"/>
-              <a:t>Layering</a:t>
-            </a:r>
-            <a:r>
-              <a:rPr lang="en-US" baseline="0" dirty="0" smtClean="0"/>
-              <a:t> -&gt; no z-index</a:t>
-            </a:r>
-          </a:p>
-          <a:p>
-            <a:pPr marL="171450" indent="-171450">
-              <a:buFontTx/>
-              <a:buChar char="-"/>
-            </a:pPr>
+              <a:t>It’s just XML (based)</a:t>
+            </a:r>
             <a:endParaRPr lang="en-US" dirty="0"/>
           </a:p>
         </p:txBody>
@@ -778,7 +848,7 @@
           <a:p>
             <a:fld id="{2CA6A022-9899-462F-AF11-091E7F58E280}" type="slidenum">
               <a:rPr lang="en-US" smtClean="0"/>
-              <a:t>13</a:t>
+              <a:t>12</a:t>
             </a:fld>
             <a:endParaRPr lang="en-US"/>
           </a:p>
@@ -787,7 +857,7 @@
     </p:spTree>
     <p:extLst>
       <p:ext uri="{BB962C8B-B14F-4D97-AF65-F5344CB8AC3E}">
-        <p14:creationId xmlns:p14="http://schemas.microsoft.com/office/powerpoint/2010/main" val="4083622278"/>
+        <p14:creationId xmlns:p14="http://schemas.microsoft.com/office/powerpoint/2010/main" val="2161615869"/>
       </p:ext>
     </p:extLst>
   </p:cSld>
@@ -847,6 +917,142 @@
           <a:lstStyle/>
           <a:p>
             <a:r>
+              <a:rPr lang="en-US" dirty="0" err="1" smtClean="0"/>
+              <a:t>Rect</a:t>
+            </a:r>
+            <a:r>
+              <a:rPr lang="en-US" baseline="0" dirty="0" smtClean="0"/>
+              <a:t> – x, y, width, height</a:t>
+            </a:r>
+          </a:p>
+          <a:p>
+            <a:endParaRPr lang="en-US" baseline="0" dirty="0" smtClean="0"/>
+          </a:p>
+          <a:p>
+            <a:r>
+              <a:rPr lang="en-US" baseline="0" dirty="0" smtClean="0"/>
+              <a:t>SVG concepts</a:t>
+            </a:r>
+          </a:p>
+          <a:p>
+            <a:pPr marL="171450" indent="-171450">
+              <a:buFontTx/>
+              <a:buChar char="-"/>
+            </a:pPr>
+            <a:r>
+              <a:rPr lang="en-US" baseline="0" dirty="0" smtClean="0"/>
+              <a:t>Can apply classes</a:t>
+            </a:r>
+          </a:p>
+          <a:p>
+            <a:pPr marL="171450" indent="-171450">
+              <a:buFontTx/>
+              <a:buChar char="-"/>
+            </a:pPr>
+            <a:r>
+              <a:rPr lang="en-US" dirty="0" smtClean="0"/>
+              <a:t>Layering</a:t>
+            </a:r>
+            <a:r>
+              <a:rPr lang="en-US" baseline="0" dirty="0" smtClean="0"/>
+              <a:t> -&gt; no z-index</a:t>
+            </a:r>
+          </a:p>
+          <a:p>
+            <a:pPr marL="171450" indent="-171450">
+              <a:buFontTx/>
+              <a:buChar char="-"/>
+            </a:pPr>
+            <a:endParaRPr lang="en-US" dirty="0"/>
+          </a:p>
+        </p:txBody>
+      </p:sp>
+      <p:sp>
+        <p:nvSpPr>
+          <p:cNvPr id="4" name="Slide Number Placeholder 3"/>
+          <p:cNvSpPr>
+            <a:spLocks noGrp="1"/>
+          </p:cNvSpPr>
+          <p:nvPr>
+            <p:ph type="sldNum" sz="quarter" idx="10"/>
+          </p:nvPr>
+        </p:nvSpPr>
+        <p:spPr/>
+        <p:txBody>
+          <a:bodyPr/>
+          <a:lstStyle/>
+          <a:p>
+            <a:fld id="{2CA6A022-9899-462F-AF11-091E7F58E280}" type="slidenum">
+              <a:rPr lang="en-US" smtClean="0"/>
+              <a:t>13</a:t>
+            </a:fld>
+            <a:endParaRPr lang="en-US"/>
+          </a:p>
+        </p:txBody>
+      </p:sp>
+    </p:spTree>
+    <p:extLst>
+      <p:ext uri="{BB962C8B-B14F-4D97-AF65-F5344CB8AC3E}">
+        <p14:creationId xmlns:p14="http://schemas.microsoft.com/office/powerpoint/2010/main" val="4083622278"/>
+      </p:ext>
+    </p:extLst>
+  </p:cSld>
+  <p:clrMapOvr>
+    <a:masterClrMapping/>
+  </p:clrMapOvr>
+</p:notes>
+</file>
+
+<file path=ppt/notesSlides/notesSlide13.xml><?xml version="1.0" encoding="utf-8"?>
+<p:notes xmlns:a="http://schemas.openxmlformats.org/drawingml/2006/main" xmlns:r="http://schemas.openxmlformats.org/officeDocument/2006/relationships" xmlns:p="http://schemas.openxmlformats.org/presentationml/2006/main">
+  <p:cSld>
+    <p:spTree>
+      <p:nvGrpSpPr>
+        <p:cNvPr id="1" name=""/>
+        <p:cNvGrpSpPr/>
+        <p:nvPr/>
+      </p:nvGrpSpPr>
+      <p:grpSpPr>
+        <a:xfrm>
+          <a:off x="0" y="0"/>
+          <a:ext cx="0" cy="0"/>
+          <a:chOff x="0" y="0"/>
+          <a:chExt cx="0" cy="0"/>
+        </a:xfrm>
+      </p:grpSpPr>
+      <p:sp>
+        <p:nvSpPr>
+          <p:cNvPr id="2" name="Slide Image Placeholder 1"/>
+          <p:cNvSpPr>
+            <a:spLocks noGrp="1" noRot="1" noChangeAspect="1"/>
+          </p:cNvSpPr>
+          <p:nvPr>
+            <p:ph type="sldImg"/>
+          </p:nvPr>
+        </p:nvSpPr>
+        <p:spPr>
+          <a:xfrm>
+            <a:off x="1371600" y="1143000"/>
+            <a:ext cx="4114800" cy="3086100"/>
+          </a:xfrm>
+        </p:spPr>
+      </p:sp>
+      <p:sp>
+        <p:nvSpPr>
+          <p:cNvPr id="3" name="Notes Placeholder 2"/>
+          <p:cNvSpPr>
+            <a:spLocks noGrp="1"/>
+          </p:cNvSpPr>
+          <p:nvPr>
+            <p:ph type="body" idx="1"/>
+          </p:nvPr>
+        </p:nvSpPr>
+        <p:spPr/>
+        <p:txBody>
+          <a:bodyPr/>
+          <a:lstStyle/>
+          <a:p>
+            <a:r>
               <a:rPr lang="en-US" dirty="0" smtClean="0"/>
               <a:t>Demo</a:t>
             </a:r>
@@ -890,7 +1096,7 @@
 </p:notes>
 </file>
 
-<file path=ppt/notesSlides/notesSlide13.xml><?xml version="1.0" encoding="utf-8"?>
+<file path=ppt/notesSlides/notesSlide14.xml><?xml version="1.0" encoding="utf-8"?>
 <p:notes xmlns:a="http://schemas.openxmlformats.org/drawingml/2006/main" xmlns:r="http://schemas.openxmlformats.org/officeDocument/2006/relationships" xmlns:p="http://schemas.openxmlformats.org/presentationml/2006/main">
   <p:cSld>
     <p:spTree>
@@ -1006,12 +1212,7 @@
             <p:ph type="sldImg"/>
           </p:nvPr>
         </p:nvSpPr>
-        <p:spPr>
-          <a:xfrm>
-            <a:off x="1371600" y="1143000"/>
-            <a:ext cx="4114800" cy="3086100"/>
-          </a:xfrm>
-        </p:spPr>
+        <p:spPr/>
       </p:sp>
       <p:sp>
         <p:nvSpPr>
@@ -1030,7 +1231,7 @@
           <a:p>
             <a:r>
               <a:rPr lang="en-US" dirty="0" smtClean="0"/>
-              <a:t>Two ways:</a:t>
+              <a:t>Why not just use Excel?</a:t>
             </a:r>
             <a:r>
               <a:rPr lang="en-US" baseline="0" dirty="0" smtClean="0"/>
@@ -1038,73 +1239,32 @@
             </a:r>
           </a:p>
           <a:p>
-            <a:pPr marL="228600" indent="-228600">
-              <a:buAutoNum type="arabicPeriod"/>
-            </a:pPr>
             <a:r>
               <a:rPr lang="en-US" baseline="0" dirty="0" smtClean="0"/>
-              <a:t>Increased conceptualization of large numbers</a:t>
-            </a:r>
-          </a:p>
-          <a:p>
-            <a:pPr marL="685800" lvl="1" indent="-228600">
-              <a:buAutoNum type="arabicPeriod"/>
-            </a:pPr>
+              <a:t>…or stats? </a:t>
+            </a:r>
+          </a:p>
+          <a:p>
             <a:r>
               <a:rPr lang="en-US" baseline="0" dirty="0" smtClean="0"/>
-              <a:t>National Budgets</a:t>
-            </a:r>
-          </a:p>
-          <a:p>
-            <a:pPr marL="685800" lvl="1" indent="-228600">
-              <a:buAutoNum type="arabicPeriod"/>
-            </a:pPr>
+              <a:t>…numbers? </a:t>
+            </a:r>
+          </a:p>
+          <a:p>
+            <a:endParaRPr lang="en-US" baseline="0" dirty="0" smtClean="0"/>
+          </a:p>
+          <a:p>
             <a:r>
               <a:rPr lang="en-US" baseline="0" dirty="0" smtClean="0"/>
-              <a:t>Planet Sizes</a:t>
-            </a:r>
-          </a:p>
-          <a:p>
-            <a:pPr marL="685800" lvl="1" indent="-228600">
-              <a:buAutoNum type="arabicPeriod"/>
-            </a:pPr>
-            <a:endParaRPr lang="en-US" baseline="0" dirty="0" smtClean="0"/>
-          </a:p>
-          <a:p>
-            <a:pPr marL="337500" lvl="1" indent="0">
-              <a:buNone/>
-            </a:pPr>
-            <a:r>
-              <a:rPr lang="en-US" dirty="0" smtClean="0">
-                <a:hlinkClick r:id="rId3"/>
-              </a:rPr>
-              <a:t>http://xkcd.com/980/huge</a:t>
-            </a:r>
-            <a:endParaRPr lang="en-US" dirty="0" smtClean="0"/>
-          </a:p>
-          <a:p>
-            <a:pPr marL="337500" lvl="1" indent="0">
-              <a:buNone/>
-            </a:pPr>
-            <a:r>
-              <a:rPr lang="en-US" dirty="0" smtClean="0">
-                <a:hlinkClick r:id="rId4"/>
-              </a:rPr>
-              <a:t>http://www.nytimes.com/interactive/2012/02/13/us/politics/2013-budget-proposal-graphic.html?_r=0</a:t>
-            </a:r>
-            <a:endParaRPr lang="en-US" dirty="0" smtClean="0"/>
-          </a:p>
-          <a:p>
-            <a:pPr marL="685800" lvl="1" indent="-228600">
-              <a:buAutoNum type="arabicPeriod"/>
-            </a:pPr>
-            <a:endParaRPr lang="en-US" baseline="0" dirty="0" smtClean="0"/>
-          </a:p>
-          <a:p>
-            <a:pPr marL="685800" lvl="1" indent="-228600">
-              <a:buAutoNum type="arabicPeriod"/>
-            </a:pPr>
-            <a:endParaRPr lang="en-US" baseline="0" dirty="0" smtClean="0"/>
+              <a:t>- Numbers are more precise</a:t>
+            </a:r>
+          </a:p>
+          <a:p>
+            <a:r>
+              <a:rPr lang="en-US" baseline="0" dirty="0" smtClean="0"/>
+              <a:t>- Numbers are less prone to manipulation</a:t>
+            </a:r>
+            <a:endParaRPr lang="en-US" dirty="0"/>
           </a:p>
         </p:txBody>
       </p:sp>
@@ -1125,7 +1285,7 @@
           <a:p>
             <a:fld id="{2CA6A022-9899-462F-AF11-091E7F58E280}" type="slidenum">
               <a:rPr lang="en-US" smtClean="0"/>
-              <a:t>4</a:t>
+              <a:t>3</a:t>
             </a:fld>
             <a:endParaRPr lang="en-US"/>
           </a:p>
@@ -1134,7 +1294,7 @@
     </p:spTree>
     <p:extLst>
       <p:ext uri="{BB962C8B-B14F-4D97-AF65-F5344CB8AC3E}">
-        <p14:creationId xmlns:p14="http://schemas.microsoft.com/office/powerpoint/2010/main" val="1244309802"/>
+        <p14:creationId xmlns:p14="http://schemas.microsoft.com/office/powerpoint/2010/main" val="1713446858"/>
       </p:ext>
     </p:extLst>
   </p:cSld>
@@ -1193,30 +1353,123 @@
           <a:bodyPr/>
           <a:lstStyle/>
           <a:p>
+            <a:pPr marL="0" indent="0">
+              <a:buNone/>
+            </a:pPr>
+            <a:r>
+              <a:rPr lang="en-US" baseline="0" dirty="0" smtClean="0"/>
+              <a:t>We can use visualization to provide context to otherwise hard to understand numbers. </a:t>
+            </a:r>
+          </a:p>
+          <a:p>
             <a:pPr marL="228600" indent="-228600">
               <a:buAutoNum type="arabicPeriod"/>
             </a:pPr>
+            <a:endParaRPr lang="en-US" baseline="0" dirty="0" smtClean="0"/>
+          </a:p>
+          <a:p>
+            <a:pPr marL="228600" indent="-228600">
+              <a:buAutoNum type="arabicPeriod"/>
+            </a:pPr>
             <a:r>
               <a:rPr lang="en-US" baseline="0" dirty="0" smtClean="0"/>
-              <a:t>Allows for meaning to be attached to large datasets</a:t>
-            </a:r>
+              <a:t>Increased </a:t>
+            </a:r>
+            <a:r>
+              <a:rPr lang="en-US" baseline="0" dirty="0" smtClean="0"/>
+              <a:t>conceptualization of large </a:t>
+            </a:r>
+            <a:r>
+              <a:rPr lang="en-US" baseline="0" dirty="0" smtClean="0"/>
+              <a:t>numbers</a:t>
+            </a:r>
+          </a:p>
+          <a:p>
+            <a:pPr marL="228600" indent="-228600">
+              <a:buAutoNum type="arabicPeriod"/>
+            </a:pPr>
+            <a:r>
+              <a:rPr lang="en-US" baseline="0" dirty="0" smtClean="0"/>
+              <a:t>Increased ability to digest large sets of data quickly</a:t>
+            </a:r>
+          </a:p>
+          <a:p>
+            <a:pPr marL="228600" indent="-228600">
+              <a:buAutoNum type="arabicPeriod"/>
+            </a:pPr>
+            <a:endParaRPr lang="en-US" baseline="0" dirty="0" smtClean="0"/>
+          </a:p>
+          <a:p>
+            <a:pPr marL="0" indent="0">
+              <a:buNone/>
+            </a:pPr>
+            <a:r>
+              <a:rPr lang="en-US" baseline="0" dirty="0" smtClean="0"/>
+              <a:t>Examples: </a:t>
+            </a:r>
+            <a:endParaRPr lang="en-US" baseline="0" dirty="0" smtClean="0"/>
           </a:p>
           <a:p>
             <a:pPr marL="685800" lvl="1" indent="-228600">
               <a:buAutoNum type="arabicPeriod"/>
             </a:pPr>
             <a:r>
-              <a:rPr lang="en-US" baseline="0" dirty="0" err="1" smtClean="0"/>
-              <a:t>Gapminder</a:t>
-            </a:r>
-            <a:r>
               <a:rPr lang="en-US" baseline="0" dirty="0" smtClean="0"/>
-              <a:t> </a:t>
-            </a:r>
+              <a:t>National Budgets</a:t>
+            </a:r>
+          </a:p>
+          <a:p>
+            <a:pPr marL="685800" lvl="1" indent="-228600">
+              <a:buAutoNum type="arabicPeriod"/>
+            </a:pPr>
             <a:r>
               <a:rPr lang="en-US" baseline="0" dirty="0" smtClean="0"/>
-              <a:t>data</a:t>
-            </a:r>
+              <a:t>Planet Sizes</a:t>
+            </a:r>
+          </a:p>
+          <a:p>
+            <a:pPr marL="337500" lvl="1" indent="0">
+              <a:buNone/>
+            </a:pPr>
+            <a:endParaRPr lang="en-US" baseline="0" dirty="0" smtClean="0">
+              <a:hlinkClick r:id="rId3"/>
+            </a:endParaRPr>
+          </a:p>
+          <a:p>
+            <a:pPr marL="337500" lvl="1" indent="0">
+              <a:buNone/>
+            </a:pPr>
+            <a:r>
+              <a:rPr lang="en-US" dirty="0" smtClean="0">
+                <a:hlinkClick r:id="rId3"/>
+              </a:rPr>
+              <a:t>http</a:t>
+            </a:r>
+            <a:r>
+              <a:rPr lang="en-US" dirty="0" smtClean="0">
+                <a:hlinkClick r:id="rId3"/>
+              </a:rPr>
+              <a:t>://</a:t>
+            </a:r>
+            <a:r>
+              <a:rPr lang="en-US" dirty="0" smtClean="0">
+                <a:hlinkClick r:id="rId3"/>
+              </a:rPr>
+              <a:t>xkcd.com/980/huge</a:t>
+            </a:r>
+            <a:endParaRPr lang="en-US" dirty="0" smtClean="0"/>
+          </a:p>
+          <a:p>
+            <a:pPr marL="337500" lvl="1" indent="0">
+              <a:buNone/>
+            </a:pPr>
+            <a:r>
+              <a:rPr lang="en-US" dirty="0" smtClean="0">
+                <a:hlinkClick r:id="rId4"/>
+              </a:rPr>
+              <a:t>http://www.nytimes.com/interactive/2012/02/13/us/politics/2013-budget-proposal-graphic.html?_r=0</a:t>
+            </a:r>
+            <a:endParaRPr lang="en-US" dirty="0" smtClean="0"/>
           </a:p>
           <a:p>
             <a:pPr marL="685800" lvl="1" indent="-228600">
@@ -1224,170 +1477,6 @@
             </a:pPr>
             <a:endParaRPr lang="en-US" baseline="0" dirty="0" smtClean="0"/>
           </a:p>
-          <a:p>
-            <a:pPr marL="27675" indent="0">
-              <a:buNone/>
-            </a:pPr>
-            <a:r>
-              <a:rPr lang="en-US" sz="1200" dirty="0" smtClean="0">
-                <a:hlinkClick r:id="rId3"/>
-              </a:rPr>
-              <a:t>http://bost.ocks.org/mike/nations/</a:t>
-            </a:r>
-            <a:endParaRPr lang="en-US" sz="1200" dirty="0" smtClean="0"/>
-          </a:p>
-          <a:p>
-            <a:pPr marL="27675" indent="0">
-              <a:buNone/>
-            </a:pPr>
-            <a:endParaRPr lang="en-US" sz="1200" dirty="0" smtClean="0"/>
-          </a:p>
-          <a:p>
-            <a:endParaRPr lang="en-US" dirty="0" smtClean="0"/>
-          </a:p>
-          <a:p>
-            <a:r>
-              <a:rPr lang="en-US" dirty="0" smtClean="0"/>
-              <a:t>We can use visuals to</a:t>
-            </a:r>
-            <a:r>
-              <a:rPr lang="en-US" baseline="0" dirty="0" smtClean="0"/>
-              <a:t> give meaning to data that’s too abstract to understand. This understanding creates perspective. </a:t>
-            </a:r>
-          </a:p>
-          <a:p>
-            <a:endParaRPr lang="en-US" baseline="0" dirty="0" smtClean="0"/>
-          </a:p>
-          <a:p>
-            <a:r>
-              <a:rPr lang="en-US" baseline="0" dirty="0" smtClean="0"/>
-              <a:t>Examples: </a:t>
-            </a:r>
-          </a:p>
-          <a:p>
-            <a:r>
-              <a:rPr lang="en-US" baseline="0" dirty="0" smtClean="0"/>
-              <a:t>Federal budget numbers</a:t>
-            </a:r>
-          </a:p>
-          <a:p>
-            <a:r>
-              <a:rPr lang="en-US" baseline="0" dirty="0" smtClean="0"/>
-              <a:t>Planet Sized</a:t>
-            </a:r>
-          </a:p>
-          <a:p>
-            <a:endParaRPr lang="en-US" baseline="0" dirty="0" smtClean="0"/>
-          </a:p>
-          <a:p>
-            <a:r>
-              <a:rPr lang="en-US" baseline="0" dirty="0" smtClean="0"/>
-              <a:t>Examples: </a:t>
-            </a:r>
-          </a:p>
-          <a:p>
-            <a:r>
-              <a:rPr lang="en-US" baseline="0" dirty="0" smtClean="0"/>
-              <a:t>http://xkcd.com/980/huge</a:t>
-            </a:r>
-          </a:p>
-          <a:p>
-            <a:r>
-              <a:rPr lang="en-US" baseline="0" dirty="0" smtClean="0"/>
-              <a:t>- Money from 1$ to National Budget</a:t>
-            </a:r>
-          </a:p>
-          <a:p>
-            <a:endParaRPr lang="en-US" baseline="0" dirty="0" smtClean="0"/>
-          </a:p>
-          <a:p>
-            <a:r>
-              <a:rPr lang="en-US" baseline="0" dirty="0" smtClean="0"/>
-              <a:t>http://bost.ocks.org/mike/nations/</a:t>
-            </a:r>
-          </a:p>
-          <a:p>
-            <a:pPr marL="171450" indent="-171450">
-              <a:buFontTx/>
-              <a:buChar char="-"/>
-            </a:pPr>
-            <a:r>
-              <a:rPr lang="en-US" baseline="0" dirty="0" smtClean="0"/>
-              <a:t>D3 representation of </a:t>
-            </a:r>
-            <a:r>
-              <a:rPr lang="en-US" baseline="0" dirty="0" err="1" smtClean="0"/>
-              <a:t>Gapminder</a:t>
-            </a:r>
-            <a:r>
-              <a:rPr lang="en-US" baseline="0" dirty="0" smtClean="0"/>
-              <a:t> data</a:t>
-            </a:r>
-          </a:p>
-          <a:p>
-            <a:pPr marL="171450" indent="-171450">
-              <a:buFontTx/>
-              <a:buChar char="-"/>
-            </a:pPr>
-            <a:endParaRPr lang="en-US" baseline="0" dirty="0" smtClean="0"/>
-          </a:p>
-          <a:p>
-            <a:pPr marL="171450" indent="-171450">
-              <a:buFontTx/>
-              <a:buChar char="-"/>
-            </a:pPr>
-            <a:r>
-              <a:rPr lang="en-US" baseline="0" dirty="0" smtClean="0"/>
-              <a:t>200 years that changed the world (</a:t>
-            </a:r>
-            <a:r>
-              <a:rPr lang="en-US" baseline="0" dirty="0" err="1" smtClean="0"/>
-              <a:t>Gapminder</a:t>
-            </a:r>
-            <a:r>
-              <a:rPr lang="en-US" baseline="0" dirty="0" smtClean="0"/>
-              <a:t>)</a:t>
-            </a:r>
-          </a:p>
-          <a:p>
-            <a:pPr marL="0" indent="0">
-              <a:buFontTx/>
-              <a:buNone/>
-            </a:pPr>
-            <a:r>
-              <a:rPr lang="en-US" baseline="0" dirty="0" smtClean="0"/>
-              <a:t>www.bit.ly/c6ItL7</a:t>
-            </a:r>
-          </a:p>
-          <a:p>
-            <a:pPr marL="171450" indent="-171450">
-              <a:buFontTx/>
-              <a:buChar char="-"/>
-            </a:pPr>
-            <a:endParaRPr lang="en-US" baseline="0" dirty="0" smtClean="0"/>
-          </a:p>
-          <a:p>
-            <a:pPr marL="0" indent="0">
-              <a:buFontTx/>
-              <a:buNone/>
-            </a:pPr>
-            <a:r>
-              <a:rPr lang="en-US" baseline="0" dirty="0" smtClean="0"/>
-              <a:t>Additional Representations</a:t>
-            </a:r>
-          </a:p>
-          <a:p>
-            <a:r>
-              <a:rPr lang="en-US" baseline="0" dirty="0" smtClean="0"/>
-              <a:t>-  https://github.com/mbostock/d3/wiki/Gallery</a:t>
-            </a:r>
-          </a:p>
-          <a:p>
-            <a:endParaRPr lang="en-US" baseline="0" dirty="0" smtClean="0"/>
-          </a:p>
-          <a:p>
-            <a:endParaRPr lang="en-US" dirty="0"/>
-          </a:p>
         </p:txBody>
       </p:sp>
       <p:sp>
@@ -1407,7 +1496,7 @@
           <a:p>
             <a:fld id="{2CA6A022-9899-462F-AF11-091E7F58E280}" type="slidenum">
               <a:rPr lang="en-US" smtClean="0"/>
-              <a:t>5</a:t>
+              <a:t>4</a:t>
             </a:fld>
             <a:endParaRPr lang="en-US"/>
           </a:p>
@@ -1416,7 +1505,7 @@
     </p:spTree>
     <p:extLst>
       <p:ext uri="{BB962C8B-B14F-4D97-AF65-F5344CB8AC3E}">
-        <p14:creationId xmlns:p14="http://schemas.microsoft.com/office/powerpoint/2010/main" val="1345226008"/>
+        <p14:creationId xmlns:p14="http://schemas.microsoft.com/office/powerpoint/2010/main" val="1244309802"/>
       </p:ext>
     </p:extLst>
   </p:cSld>
@@ -1475,23 +1564,203 @@
           <a:bodyPr/>
           <a:lstStyle/>
           <a:p>
-            <a:r>
-              <a:rPr lang="en-US" dirty="0" smtClean="0"/>
-              <a:t>Mint</a:t>
-            </a:r>
+            <a:pPr marL="0" indent="0">
+              <a:buNone/>
+            </a:pPr>
+            <a:r>
+              <a:rPr lang="en-US" baseline="0" dirty="0" err="1" smtClean="0"/>
+              <a:t>Gapminder</a:t>
+            </a:r>
+            <a:r>
+              <a:rPr lang="en-US" baseline="0" dirty="0" smtClean="0"/>
+              <a:t> Data stories:</a:t>
+            </a:r>
+          </a:p>
+          <a:p>
+            <a:pPr marL="228600" indent="-228600">
+              <a:buAutoNum type="arabicPeriod"/>
+            </a:pPr>
+            <a:r>
+              <a:rPr lang="en-US" baseline="0" dirty="0" smtClean="0"/>
+              <a:t>200 years ago, everyone was poor, most people lived very short lives</a:t>
+            </a:r>
+          </a:p>
+          <a:p>
+            <a:pPr marL="228600" indent="-228600">
+              <a:buAutoNum type="arabicPeriod"/>
+            </a:pPr>
+            <a:r>
+              <a:rPr lang="en-US" baseline="0" dirty="0" smtClean="0"/>
+              <a:t>1800 – 1900 Major industrial powers like US, UK, Germany and France started gaining wealth, but most people were still poor and lived short lives</a:t>
+            </a:r>
+          </a:p>
+          <a:p>
+            <a:pPr marL="228600" indent="-228600">
+              <a:buAutoNum type="arabicPeriod"/>
+            </a:pPr>
+            <a:r>
+              <a:rPr lang="en-US" baseline="0" dirty="0" smtClean="0"/>
+              <a:t>1900-1950 Industrial nations (Japan, US, Western Europe) had massive increases in both wealth and life expectancy</a:t>
+            </a:r>
+          </a:p>
+          <a:p>
+            <a:pPr marL="228600" indent="-228600">
+              <a:buAutoNum type="arabicPeriod"/>
+            </a:pPr>
+            <a:r>
+              <a:rPr lang="en-US" baseline="0" dirty="0" smtClean="0"/>
+              <a:t>1950-1980 Even though many countries were still poor, they had massive gains in life expectancy (the opposite of the industrialized nations, who got rich and then got healthy)</a:t>
+            </a:r>
+          </a:p>
+          <a:p>
+            <a:pPr marL="228600" indent="-228600">
+              <a:buAutoNum type="arabicPeriod"/>
+            </a:pPr>
+            <a:r>
+              <a:rPr lang="en-US" baseline="0" dirty="0" smtClean="0"/>
+              <a:t>1980-Present India, China, and the rest of the world starts to gain wealth</a:t>
+            </a:r>
+          </a:p>
+          <a:p>
+            <a:pPr marL="685800" lvl="1" indent="-228600">
+              <a:buAutoNum type="arabicPeriod"/>
+            </a:pPr>
             <a:endParaRPr lang="en-US" baseline="0" dirty="0" smtClean="0"/>
           </a:p>
           <a:p>
+            <a:pPr marL="685800" lvl="1" indent="-228600">
+              <a:buAutoNum type="arabicPeriod"/>
+            </a:pPr>
+            <a:endParaRPr lang="en-US" baseline="0" dirty="0" smtClean="0"/>
+          </a:p>
+          <a:p>
+            <a:pPr marL="27675" indent="0">
+              <a:buNone/>
+            </a:pPr>
+            <a:r>
+              <a:rPr lang="en-US" sz="1200" dirty="0" smtClean="0">
+                <a:hlinkClick r:id="rId3"/>
+              </a:rPr>
+              <a:t>http://bost.ocks.org/mike/nations/</a:t>
+            </a:r>
+            <a:endParaRPr lang="en-US" sz="1200" dirty="0" smtClean="0"/>
+          </a:p>
+          <a:p>
+            <a:pPr marL="27675" indent="0">
+              <a:buNone/>
+            </a:pPr>
+            <a:endParaRPr lang="en-US" sz="1200" dirty="0" smtClean="0"/>
+          </a:p>
+          <a:p>
+            <a:endParaRPr lang="en-US" baseline="0" dirty="0" smtClean="0"/>
+          </a:p>
+          <a:p>
             <a:r>
               <a:rPr lang="en-US" baseline="0" dirty="0" smtClean="0"/>
-              <a:t>Khan Academy</a:t>
-            </a:r>
-          </a:p>
-          <a:p>
+              <a:t>Examples: </a:t>
+            </a:r>
+          </a:p>
+          <a:p>
+            <a:r>
+              <a:rPr lang="en-US" baseline="0" dirty="0" smtClean="0"/>
+              <a:t>http://xkcd.com/980/huge</a:t>
+            </a:r>
+          </a:p>
+          <a:p>
+            <a:r>
+              <a:rPr lang="en-US" baseline="0" dirty="0" smtClean="0"/>
+              <a:t>- Money from 1$ to National Budget</a:t>
+            </a:r>
+          </a:p>
+          <a:p>
+            <a:endParaRPr lang="en-US" baseline="0" dirty="0" smtClean="0"/>
+          </a:p>
+          <a:p>
+            <a:r>
+              <a:rPr lang="en-US" baseline="0" dirty="0" smtClean="0"/>
+              <a:t>http://bost.ocks.org/mike/nations/</a:t>
+            </a:r>
+          </a:p>
+          <a:p>
+            <a:pPr marL="171450" indent="-171450">
+              <a:buFontTx/>
+              <a:buChar char="-"/>
+            </a:pPr>
+            <a:r>
+              <a:rPr lang="en-US" baseline="0" dirty="0" smtClean="0"/>
+              <a:t>D3 representation of </a:t>
+            </a:r>
             <a:r>
               <a:rPr lang="en-US" baseline="0" dirty="0" err="1" smtClean="0"/>
-              <a:t>Github</a:t>
-            </a:r>
+              <a:t>Gapminder</a:t>
+            </a:r>
+            <a:r>
+              <a:rPr lang="en-US" baseline="0" dirty="0" smtClean="0"/>
+              <a:t> data</a:t>
+            </a:r>
+          </a:p>
+          <a:p>
+            <a:pPr marL="171450" indent="-171450">
+              <a:buFontTx/>
+              <a:buChar char="-"/>
+            </a:pPr>
+            <a:endParaRPr lang="en-US" baseline="0" dirty="0" smtClean="0"/>
+          </a:p>
+          <a:p>
+            <a:pPr marL="171450" indent="-171450">
+              <a:buFontTx/>
+              <a:buChar char="-"/>
+            </a:pPr>
+            <a:r>
+              <a:rPr lang="en-US" baseline="0" dirty="0" smtClean="0"/>
+              <a:t>200 years that changed the world (</a:t>
+            </a:r>
+            <a:r>
+              <a:rPr lang="en-US" baseline="0" dirty="0" err="1" smtClean="0"/>
+              <a:t>Gapminder</a:t>
+            </a:r>
+            <a:r>
+              <a:rPr lang="en-US" baseline="0" dirty="0" smtClean="0"/>
+              <a:t>)</a:t>
+            </a:r>
+          </a:p>
+          <a:p>
+            <a:pPr marL="0" indent="0">
+              <a:buFontTx/>
+              <a:buNone/>
+            </a:pPr>
+            <a:r>
+              <a:rPr lang="en-US" baseline="0" dirty="0" smtClean="0"/>
+              <a:t>www.bit.ly/c6ItL7</a:t>
+            </a:r>
+          </a:p>
+          <a:p>
+            <a:pPr marL="171450" indent="-171450">
+              <a:buFontTx/>
+              <a:buChar char="-"/>
+            </a:pPr>
+            <a:endParaRPr lang="en-US" baseline="0" dirty="0" smtClean="0"/>
+          </a:p>
+          <a:p>
+            <a:pPr marL="0" indent="0">
+              <a:buFontTx/>
+              <a:buNone/>
+            </a:pPr>
+            <a:r>
+              <a:rPr lang="en-US" baseline="0" dirty="0" smtClean="0"/>
+              <a:t>Additional Representations</a:t>
+            </a:r>
+          </a:p>
+          <a:p>
+            <a:r>
+              <a:rPr lang="en-US" baseline="0" dirty="0" smtClean="0"/>
+              <a:t>-  https://github.com/mbostock/d3/wiki/Gallery</a:t>
+            </a:r>
+          </a:p>
+          <a:p>
+            <a:endParaRPr lang="en-US" baseline="0" dirty="0" smtClean="0"/>
+          </a:p>
+          <a:p>
             <a:endParaRPr lang="en-US" dirty="0"/>
           </a:p>
         </p:txBody>
@@ -1513,7 +1782,7 @@
           <a:p>
             <a:fld id="{2CA6A022-9899-462F-AF11-091E7F58E280}" type="slidenum">
               <a:rPr lang="en-US" smtClean="0"/>
-              <a:t>6</a:t>
+              <a:t>5</a:t>
             </a:fld>
             <a:endParaRPr lang="en-US"/>
           </a:p>
@@ -1522,7 +1791,7 @@
     </p:spTree>
     <p:extLst>
       <p:ext uri="{BB962C8B-B14F-4D97-AF65-F5344CB8AC3E}">
-        <p14:creationId xmlns:p14="http://schemas.microsoft.com/office/powerpoint/2010/main" val="2874735513"/>
+        <p14:creationId xmlns:p14="http://schemas.microsoft.com/office/powerpoint/2010/main" val="1345226008"/>
       </p:ext>
     </p:extLst>
   </p:cSld>
@@ -1582,315 +1851,51 @@
           <a:lstStyle/>
           <a:p>
             <a:r>
+              <a:rPr lang="en-US" baseline="0" dirty="0" err="1" smtClean="0"/>
+              <a:t>Github</a:t>
+            </a:r>
+            <a:endParaRPr lang="en-US" baseline="0" dirty="0" smtClean="0"/>
+          </a:p>
+          <a:p>
+            <a:pPr marL="0" marR="0" indent="0" algn="l" defTabSz="914400" rtl="0" eaLnBrk="1" fontAlgn="auto" latinLnBrk="0" hangingPunct="1">
+              <a:lnSpc>
+                <a:spcPct val="100000"/>
+              </a:lnSpc>
+              <a:spcBef>
+                <a:spcPts val="0"/>
+              </a:spcBef>
+              <a:spcAft>
+                <a:spcPts val="0"/>
+              </a:spcAft>
+              <a:buClrTx/>
+              <a:buSzTx/>
+              <a:buFontTx/>
+              <a:buNone/>
+              <a:tabLst/>
+              <a:defRPr/>
+            </a:pPr>
+            <a:r>
+              <a:rPr lang="en-US" baseline="0" dirty="0" smtClean="0"/>
+              <a:t>Khan Academy</a:t>
+            </a:r>
+            <a:endParaRPr lang="en-US" dirty="0" smtClean="0"/>
+          </a:p>
+          <a:p>
+            <a:r>
               <a:rPr lang="en-US" dirty="0" smtClean="0"/>
-              <a:t>The amount of data available</a:t>
-            </a:r>
+              <a:t>Mint</a:t>
+            </a:r>
+          </a:p>
+          <a:p>
             <a:r>
               <a:rPr lang="en-US" baseline="0" dirty="0" smtClean="0"/>
-              <a:t> to humanity is huge. </a:t>
+              <a:t>https://www.mint.com/how-it-works/graphs/</a:t>
             </a:r>
           </a:p>
           <a:p>
             <a:endParaRPr lang="en-US" baseline="0" dirty="0" smtClean="0"/>
           </a:p>
           <a:p>
-            <a:pPr marL="171450" indent="-171450">
-              <a:buFontTx/>
-              <a:buChar char="-"/>
-            </a:pPr>
-            <a:r>
-              <a:rPr lang="en-US" baseline="0" dirty="0" smtClean="0"/>
-              <a:t>Eric Schmidt claims that we are creating as much data in two days as humanity has created up until 2003</a:t>
-            </a:r>
-          </a:p>
-          <a:p>
-            <a:pPr marL="171450" indent="-171450">
-              <a:buFontTx/>
-              <a:buChar char="-"/>
-            </a:pPr>
-            <a:r>
-              <a:rPr lang="en-US" baseline="0" dirty="0" smtClean="0"/>
-              <a:t>IBM claims that we create 2.5 Quintillion Bytes of data every day</a:t>
-            </a:r>
-          </a:p>
-          <a:p>
-            <a:pPr marL="171450" indent="-171450">
-              <a:buFontTx/>
-              <a:buChar char="-"/>
-            </a:pPr>
-            <a:r>
-              <a:rPr lang="en-US" sz="1200" b="0" i="0" kern="1200" dirty="0" smtClean="0">
-                <a:solidFill>
-                  <a:schemeClr val="tx1"/>
-                </a:solidFill>
-                <a:effectLst/>
-                <a:latin typeface="+mn-lt"/>
-                <a:ea typeface="+mn-ea"/>
-                <a:cs typeface="+mn-cs"/>
-              </a:rPr>
-              <a:t>SINTEF </a:t>
-            </a:r>
-            <a:r>
-              <a:rPr lang="en-US" dirty="0" smtClean="0"/>
-              <a:t>claims that 90%</a:t>
-            </a:r>
-            <a:r>
-              <a:rPr lang="en-US" baseline="0" dirty="0" smtClean="0"/>
-              <a:t> of the our current data was created in the last two years</a:t>
-            </a:r>
-          </a:p>
-          <a:p>
-            <a:pPr marL="171450" indent="-171450">
-              <a:buFontTx/>
-              <a:buChar char="-"/>
-            </a:pPr>
-            <a:endParaRPr lang="en-US" baseline="0" dirty="0" smtClean="0"/>
-          </a:p>
-          <a:p>
-            <a:pPr marL="171450" indent="-171450">
-              <a:buFontTx/>
-              <a:buChar char="-"/>
-            </a:pPr>
-            <a:r>
-              <a:rPr lang="en-US" baseline="0" dirty="0" smtClean="0"/>
-              <a:t>Governments and research organizations are opening up their data sets</a:t>
-            </a:r>
-          </a:p>
-          <a:p>
-            <a:r>
-              <a:rPr lang="en-US" sz="1200" b="0" i="0" kern="1200" dirty="0" smtClean="0">
-                <a:solidFill>
-                  <a:schemeClr val="tx1"/>
-                </a:solidFill>
-                <a:effectLst/>
-                <a:latin typeface="+mn-lt"/>
-                <a:ea typeface="+mn-ea"/>
-                <a:cs typeface="+mn-cs"/>
-                <a:hlinkClick r:id="rId3"/>
-              </a:rPr>
-              <a:t>http://www.data.gov/education/</a:t>
-            </a:r>
-            <a:endParaRPr lang="en-US" sz="1200" b="0" i="0" kern="1200" dirty="0" smtClean="0">
-              <a:solidFill>
-                <a:schemeClr val="tx1"/>
-              </a:solidFill>
-              <a:effectLst/>
-              <a:latin typeface="+mn-lt"/>
-              <a:ea typeface="+mn-ea"/>
-              <a:cs typeface="+mn-cs"/>
-            </a:endParaRPr>
-          </a:p>
-          <a:p>
-            <a:r>
-              <a:rPr lang="en-US" sz="1200" b="0" i="0" kern="1200" dirty="0" smtClean="0">
-                <a:solidFill>
-                  <a:schemeClr val="tx1"/>
-                </a:solidFill>
-                <a:effectLst/>
-                <a:latin typeface="+mn-lt"/>
-                <a:ea typeface="+mn-ea"/>
-                <a:cs typeface="+mn-cs"/>
-                <a:hlinkClick r:id="rId4"/>
-              </a:rPr>
-              <a:t>http://www.census.gov/</a:t>
-            </a:r>
-            <a:endParaRPr lang="en-US" sz="1200" b="0" i="0" kern="1200" dirty="0" smtClean="0">
-              <a:solidFill>
-                <a:schemeClr val="tx1"/>
-              </a:solidFill>
-              <a:effectLst/>
-              <a:latin typeface="+mn-lt"/>
-              <a:ea typeface="+mn-ea"/>
-              <a:cs typeface="+mn-cs"/>
-            </a:endParaRPr>
-          </a:p>
-          <a:p>
-            <a:r>
-              <a:rPr lang="en-US" sz="1200" b="0" i="0" kern="1200" dirty="0" smtClean="0">
-                <a:solidFill>
-                  <a:schemeClr val="tx1"/>
-                </a:solidFill>
-                <a:effectLst/>
-                <a:latin typeface="+mn-lt"/>
-                <a:ea typeface="+mn-ea"/>
-                <a:cs typeface="+mn-cs"/>
-                <a:hlinkClick r:id="rId5"/>
-              </a:rPr>
-              <a:t>http://www.bls.gov/</a:t>
-            </a:r>
-            <a:endParaRPr lang="en-US" sz="1200" b="0" i="0" kern="1200" dirty="0" smtClean="0">
-              <a:solidFill>
-                <a:schemeClr val="tx1"/>
-              </a:solidFill>
-              <a:effectLst/>
-              <a:latin typeface="+mn-lt"/>
-              <a:ea typeface="+mn-ea"/>
-              <a:cs typeface="+mn-cs"/>
-            </a:endParaRPr>
-          </a:p>
-          <a:p>
-            <a:r>
-              <a:rPr lang="en-US" sz="1200" b="0" i="0" kern="1200" dirty="0" smtClean="0">
-                <a:solidFill>
-                  <a:schemeClr val="tx1"/>
-                </a:solidFill>
-                <a:effectLst/>
-                <a:latin typeface="+mn-lt"/>
-                <a:ea typeface="+mn-ea"/>
-                <a:cs typeface="+mn-cs"/>
-                <a:hlinkClick r:id="rId6"/>
-              </a:rPr>
-              <a:t>http://www.gapminder.org/data/</a:t>
-            </a:r>
-            <a:r>
-              <a:rPr lang="en-US" sz="1200" b="0" i="0" kern="1200" dirty="0" smtClean="0">
-                <a:solidFill>
-                  <a:schemeClr val="tx1"/>
-                </a:solidFill>
-                <a:effectLst/>
-                <a:latin typeface="+mn-lt"/>
-                <a:ea typeface="+mn-ea"/>
-                <a:cs typeface="+mn-cs"/>
-              </a:rPr>
-              <a:t> </a:t>
-            </a:r>
-          </a:p>
-          <a:p>
-            <a:r>
-              <a:rPr lang="en-US" sz="1200" b="0" i="0" kern="1200" dirty="0" smtClean="0">
-                <a:solidFill>
-                  <a:schemeClr val="tx1"/>
-                </a:solidFill>
-                <a:effectLst/>
-                <a:latin typeface="+mn-lt"/>
-                <a:ea typeface="+mn-ea"/>
-                <a:cs typeface="+mn-cs"/>
-                <a:hlinkClick r:id="rId7"/>
-              </a:rPr>
-              <a:t>https://data.cityofmadison.com/</a:t>
-            </a:r>
-            <a:endParaRPr lang="en-US" sz="1200" b="0" i="0" kern="1200" dirty="0" smtClean="0">
-              <a:solidFill>
-                <a:schemeClr val="tx1"/>
-              </a:solidFill>
-              <a:effectLst/>
-              <a:latin typeface="+mn-lt"/>
-              <a:ea typeface="+mn-ea"/>
-              <a:cs typeface="+mn-cs"/>
-            </a:endParaRPr>
-          </a:p>
-          <a:p>
-            <a:pPr marL="171450" indent="-171450">
-              <a:buFontTx/>
-              <a:buChar char="-"/>
-            </a:pPr>
-            <a:endParaRPr lang="en-US" baseline="0" dirty="0" smtClean="0"/>
-          </a:p>
-          <a:p>
-            <a:pPr marL="171450" indent="-171450">
-              <a:buFontTx/>
-              <a:buChar char="-"/>
-            </a:pPr>
-            <a:r>
-              <a:rPr lang="en-US" baseline="0" dirty="0" smtClean="0"/>
-              <a:t>Data from Social Media sites</a:t>
-            </a:r>
-          </a:p>
-          <a:p>
-            <a:pPr marL="171450" indent="-171450">
-              <a:buFontTx/>
-              <a:buChar char="-"/>
-            </a:pPr>
-            <a:r>
-              <a:rPr lang="en-US" baseline="0" dirty="0" smtClean="0"/>
-              <a:t>Marketing and Tracking Data</a:t>
-            </a:r>
-          </a:p>
-          <a:p>
-            <a:pPr marL="171450" indent="-171450">
-              <a:buFontTx/>
-              <a:buChar char="-"/>
-            </a:pPr>
-            <a:r>
-              <a:rPr lang="en-US" baseline="0" dirty="0" smtClean="0"/>
-              <a:t>The Internet of Things</a:t>
-            </a:r>
-          </a:p>
-          <a:p>
-            <a:pPr marL="171450" indent="-171450">
-              <a:buFontTx/>
-              <a:buChar char="-"/>
-            </a:pPr>
-            <a:r>
-              <a:rPr lang="en-US" baseline="0" dirty="0" smtClean="0"/>
-              <a:t>Logging Data</a:t>
-            </a:r>
-          </a:p>
-          <a:p>
-            <a:pPr marL="171450" indent="-171450">
-              <a:buFontTx/>
-              <a:buChar char="-"/>
-            </a:pPr>
-            <a:r>
-              <a:rPr lang="en-US" baseline="0" dirty="0" smtClean="0"/>
-              <a:t>A/B Tests and Usage Data</a:t>
-            </a:r>
-          </a:p>
-          <a:p>
-            <a:pPr marL="171450" indent="-171450">
-              <a:buFontTx/>
-              <a:buChar char="-"/>
-            </a:pPr>
-            <a:endParaRPr lang="en-US" baseline="0" dirty="0" smtClean="0"/>
-          </a:p>
-          <a:p>
-            <a:pPr marL="171450" indent="-171450">
-              <a:buFontTx/>
-              <a:buChar char="-"/>
-            </a:pPr>
-            <a:r>
-              <a:rPr lang="en-US" baseline="0" dirty="0" smtClean="0"/>
-              <a:t>Sources: </a:t>
-            </a:r>
-          </a:p>
-          <a:p>
-            <a:pPr marL="171450" indent="-171450">
-              <a:buFontTx/>
-              <a:buChar char="-"/>
-            </a:pPr>
-            <a:r>
-              <a:rPr lang="en-US" baseline="0" dirty="0" smtClean="0"/>
-              <a:t>http://www.storagenewsletter.com/rubriques/market-reportsresearch/ibm-cmo-study/</a:t>
-            </a:r>
-          </a:p>
-          <a:p>
-            <a:pPr marL="171450" indent="-171450">
-              <a:buFontTx/>
-              <a:buChar char="-"/>
-            </a:pPr>
-            <a:r>
-              <a:rPr lang="en-US" baseline="0" dirty="0" smtClean="0"/>
-              <a:t>http://www.sciencedaily.com/releases/2013/05/130522085217.htm</a:t>
-            </a:r>
-          </a:p>
-          <a:p>
-            <a:pPr marL="171450" indent="-171450">
-              <a:buFontTx/>
-              <a:buChar char="-"/>
-            </a:pPr>
-            <a:endParaRPr lang="en-US" baseline="0" dirty="0" smtClean="0"/>
-          </a:p>
-          <a:p>
-            <a:pPr marL="171450" indent="-171450">
-              <a:buFontTx/>
-              <a:buChar char="-"/>
-            </a:pPr>
-            <a:endParaRPr lang="en-US" dirty="0" smtClean="0"/>
-          </a:p>
-          <a:p>
-            <a:endParaRPr lang="en-US" dirty="0" smtClean="0"/>
-          </a:p>
-          <a:p>
             <a:endParaRPr lang="en-US" dirty="0"/>
           </a:p>
         </p:txBody>
@@ -1912,7 +1917,7 @@
           <a:p>
             <a:fld id="{2CA6A022-9899-462F-AF11-091E7F58E280}" type="slidenum">
               <a:rPr lang="en-US" smtClean="0"/>
-              <a:t>7</a:t>
+              <a:t>6</a:t>
             </a:fld>
             <a:endParaRPr lang="en-US"/>
           </a:p>
@@ -1921,7 +1926,7 @@
     </p:spTree>
     <p:extLst>
       <p:ext uri="{BB962C8B-B14F-4D97-AF65-F5344CB8AC3E}">
-        <p14:creationId xmlns:p14="http://schemas.microsoft.com/office/powerpoint/2010/main" val="986720431"/>
+        <p14:creationId xmlns:p14="http://schemas.microsoft.com/office/powerpoint/2010/main" val="2874735513"/>
       </p:ext>
     </p:extLst>
   </p:cSld>
@@ -1982,61 +1987,15 @@
           <a:p>
             <a:r>
               <a:rPr lang="en-US" dirty="0" smtClean="0"/>
-              <a:t>Stands</a:t>
+              <a:t>The amount of data available</a:t>
             </a:r>
             <a:r>
               <a:rPr lang="en-US" baseline="0" dirty="0" smtClean="0"/>
-              <a:t> for </a:t>
-            </a:r>
-            <a:r>
-              <a:rPr lang="en-US" dirty="0" smtClean="0"/>
-              <a:t>Data Driven Documents</a:t>
-            </a:r>
-          </a:p>
-          <a:p>
-            <a:endParaRPr lang="en-US" dirty="0" smtClean="0"/>
-          </a:p>
-          <a:p>
-            <a:r>
-              <a:rPr lang="en-US" dirty="0" smtClean="0"/>
-              <a:t>Invented by Mike </a:t>
-            </a:r>
-            <a:r>
-              <a:rPr lang="en-US" dirty="0" err="1" smtClean="0"/>
-              <a:t>Bostock</a:t>
-            </a:r>
-            <a:r>
-              <a:rPr lang="en-US" dirty="0" smtClean="0"/>
-              <a:t> in 2011</a:t>
-            </a:r>
-          </a:p>
-          <a:p>
-            <a:r>
-              <a:rPr lang="en-US" dirty="0" smtClean="0"/>
-              <a:t>-</a:t>
-            </a:r>
-            <a:r>
-              <a:rPr lang="en-US" baseline="0" dirty="0" smtClean="0"/>
-              <a:t> NY Times -&gt; Where you’ll find some nice Data </a:t>
-            </a:r>
-            <a:r>
-              <a:rPr lang="en-US" baseline="0" dirty="0" smtClean="0"/>
-              <a:t>Vis</a:t>
-            </a:r>
-            <a:endParaRPr lang="en-US" dirty="0" smtClean="0"/>
-          </a:p>
-          <a:p>
-            <a:endParaRPr lang="en-US" dirty="0" smtClean="0"/>
-          </a:p>
-          <a:p>
-            <a:r>
-              <a:rPr lang="en-US" dirty="0" smtClean="0"/>
-              <a:t>A toolbox for creating</a:t>
-            </a:r>
-            <a:r>
-              <a:rPr lang="en-US" baseline="0" dirty="0" smtClean="0"/>
-              <a:t> data visualizations on the web using JavaScript (usually in SVG)</a:t>
-            </a:r>
+              <a:t> to humanity is huge. </a:t>
+            </a:r>
+          </a:p>
+          <a:p>
+            <a:endParaRPr lang="en-US" baseline="0" dirty="0" smtClean="0"/>
           </a:p>
           <a:p>
             <a:pPr marL="171450" indent="-171450">
@@ -2045,7 +2004,7 @@
             </a:pPr>
             <a:r>
               <a:rPr lang="en-US" baseline="0" dirty="0" smtClean="0"/>
-              <a:t>Doesn’t render canned visuals</a:t>
+              <a:t>Eric Schmidt claims that we are creating as much data in two days as humanity has created up until 2003</a:t>
             </a:r>
           </a:p>
           <a:p>
@@ -2054,12 +2013,8 @@
               <a:buChar char="-"/>
             </a:pPr>
             <a:r>
-              <a:rPr lang="en-US" dirty="0" smtClean="0"/>
-              <a:t>Uses web standards like SVG, JavaScript</a:t>
-            </a:r>
-            <a:r>
               <a:rPr lang="en-US" baseline="0" dirty="0" smtClean="0"/>
-              <a:t>, etc…</a:t>
+              <a:t>IBM claims that we create 2.5 Quintillion Bytes of data every day</a:t>
             </a:r>
           </a:p>
           <a:p>
@@ -2068,39 +2023,278 @@
               <a:buChar char="-"/>
             </a:pPr>
             <a:r>
+              <a:rPr lang="en-US" sz="1200" b="0" i="0" kern="1200" dirty="0" smtClean="0">
+                <a:solidFill>
+                  <a:schemeClr val="tx1"/>
+                </a:solidFill>
+                <a:effectLst/>
+                <a:latin typeface="+mn-lt"/>
+                <a:ea typeface="+mn-ea"/>
+                <a:cs typeface="+mn-cs"/>
+              </a:rPr>
+              <a:t>SINTEF </a:t>
+            </a:r>
+            <a:r>
+              <a:rPr lang="en-US" dirty="0" smtClean="0"/>
+              <a:t>claims that 90%</a:t>
+            </a:r>
+            <a:r>
               <a:rPr lang="en-US" baseline="0" dirty="0" smtClean="0"/>
-              <a:t>Comes from a history of plugin based tools like </a:t>
-            </a:r>
-            <a:r>
-              <a:rPr lang="en-US" baseline="0" dirty="0" err="1" smtClean="0"/>
-              <a:t>prefuse</a:t>
-            </a:r>
-            <a:r>
-              <a:rPr lang="en-US" baseline="0" dirty="0" smtClean="0"/>
-              <a:t> and </a:t>
-            </a:r>
-            <a:r>
-              <a:rPr lang="en-US" baseline="0" dirty="0" smtClean="0"/>
-              <a:t>Flare</a:t>
-            </a:r>
-            <a:endParaRPr lang="en-US" baseline="0" dirty="0" smtClean="0"/>
+              <a:t> of the our current data was created in the last two years</a:t>
+            </a:r>
           </a:p>
           <a:p>
             <a:pPr marL="171450" indent="-171450">
               <a:buFontTx/>
               <a:buChar char="-"/>
             </a:pPr>
-            <a:r>
-              <a:rPr lang="en-US" dirty="0" smtClean="0"/>
-              <a:t>Supports a large number of types of visuals,</a:t>
-            </a:r>
+            <a:endParaRPr lang="en-US" baseline="0" dirty="0" smtClean="0"/>
+          </a:p>
+          <a:p>
+            <a:pPr marL="171450" indent="-171450">
+              <a:buFontTx/>
+              <a:buChar char="-"/>
+            </a:pPr>
             <a:r>
               <a:rPr lang="en-US" baseline="0" dirty="0" smtClean="0"/>
-              <a:t> including maps and animations</a:t>
-            </a:r>
+              <a:t>Governments and research organizations are opening up their data sets</a:t>
+            </a:r>
+          </a:p>
+          <a:p>
+            <a:r>
+              <a:rPr lang="en-US" sz="1200" b="0" i="0" kern="1200" dirty="0" smtClean="0">
+                <a:solidFill>
+                  <a:schemeClr val="tx1"/>
+                </a:solidFill>
+                <a:effectLst/>
+                <a:latin typeface="+mn-lt"/>
+                <a:ea typeface="+mn-ea"/>
+                <a:cs typeface="+mn-cs"/>
+                <a:hlinkClick r:id="rId3"/>
+              </a:rPr>
+              <a:t>http://www.data.gov/education/</a:t>
+            </a:r>
+            <a:endParaRPr lang="en-US" sz="1200" b="0" i="0" kern="1200" dirty="0" smtClean="0">
+              <a:solidFill>
+                <a:schemeClr val="tx1"/>
+              </a:solidFill>
+              <a:effectLst/>
+              <a:latin typeface="+mn-lt"/>
+              <a:ea typeface="+mn-ea"/>
+              <a:cs typeface="+mn-cs"/>
+            </a:endParaRPr>
+          </a:p>
+          <a:p>
+            <a:r>
+              <a:rPr lang="en-US" sz="1200" b="0" i="0" kern="1200" dirty="0" smtClean="0">
+                <a:solidFill>
+                  <a:schemeClr val="tx1"/>
+                </a:solidFill>
+                <a:effectLst/>
+                <a:latin typeface="+mn-lt"/>
+                <a:ea typeface="+mn-ea"/>
+                <a:cs typeface="+mn-cs"/>
+                <a:hlinkClick r:id="rId4"/>
+              </a:rPr>
+              <a:t>http://www.census.gov/</a:t>
+            </a:r>
+            <a:endParaRPr lang="en-US" sz="1200" b="0" i="0" kern="1200" dirty="0" smtClean="0">
+              <a:solidFill>
+                <a:schemeClr val="tx1"/>
+              </a:solidFill>
+              <a:effectLst/>
+              <a:latin typeface="+mn-lt"/>
+              <a:ea typeface="+mn-ea"/>
+              <a:cs typeface="+mn-cs"/>
+            </a:endParaRPr>
+          </a:p>
+          <a:p>
+            <a:r>
+              <a:rPr lang="en-US" sz="1200" b="0" i="0" kern="1200" dirty="0" smtClean="0">
+                <a:solidFill>
+                  <a:schemeClr val="tx1"/>
+                </a:solidFill>
+                <a:effectLst/>
+                <a:latin typeface="+mn-lt"/>
+                <a:ea typeface="+mn-ea"/>
+                <a:cs typeface="+mn-cs"/>
+                <a:hlinkClick r:id="rId5"/>
+              </a:rPr>
+              <a:t>http://www.bls.gov/</a:t>
+            </a:r>
+            <a:endParaRPr lang="en-US" sz="1200" b="0" i="0" kern="1200" dirty="0" smtClean="0">
+              <a:solidFill>
+                <a:schemeClr val="tx1"/>
+              </a:solidFill>
+              <a:effectLst/>
+              <a:latin typeface="+mn-lt"/>
+              <a:ea typeface="+mn-ea"/>
+              <a:cs typeface="+mn-cs"/>
+            </a:endParaRPr>
+          </a:p>
+          <a:p>
+            <a:r>
+              <a:rPr lang="en-US" sz="1200" b="0" i="0" kern="1200" dirty="0" smtClean="0">
+                <a:solidFill>
+                  <a:schemeClr val="tx1"/>
+                </a:solidFill>
+                <a:effectLst/>
+                <a:latin typeface="+mn-lt"/>
+                <a:ea typeface="+mn-ea"/>
+                <a:cs typeface="+mn-cs"/>
+                <a:hlinkClick r:id="rId6"/>
+              </a:rPr>
+              <a:t>http://www.gapminder.org/data/</a:t>
+            </a:r>
+            <a:r>
+              <a:rPr lang="en-US" sz="1200" b="0" i="0" kern="1200" dirty="0" smtClean="0">
+                <a:solidFill>
+                  <a:schemeClr val="tx1"/>
+                </a:solidFill>
+                <a:effectLst/>
+                <a:latin typeface="+mn-lt"/>
+                <a:ea typeface="+mn-ea"/>
+                <a:cs typeface="+mn-cs"/>
+              </a:rPr>
+              <a:t> </a:t>
+            </a:r>
+          </a:p>
+          <a:p>
+            <a:r>
+              <a:rPr lang="en-US" sz="1200" b="0" i="0" kern="1200" dirty="0" smtClean="0">
+                <a:solidFill>
+                  <a:schemeClr val="tx1"/>
+                </a:solidFill>
+                <a:effectLst/>
+                <a:latin typeface="+mn-lt"/>
+                <a:ea typeface="+mn-ea"/>
+                <a:cs typeface="+mn-cs"/>
+                <a:hlinkClick r:id="rId7"/>
+              </a:rPr>
+              <a:t>https://data.cityofmadison.com/</a:t>
+            </a:r>
+            <a:endParaRPr lang="en-US" sz="1200" b="0" i="0" kern="1200" dirty="0" smtClean="0">
+              <a:solidFill>
+                <a:schemeClr val="tx1"/>
+              </a:solidFill>
+              <a:effectLst/>
+              <a:latin typeface="+mn-lt"/>
+              <a:ea typeface="+mn-ea"/>
+              <a:cs typeface="+mn-cs"/>
+            </a:endParaRPr>
+          </a:p>
+          <a:p>
+            <a:pPr marL="171450" indent="-171450">
+              <a:buFontTx/>
+              <a:buChar char="-"/>
+            </a:pPr>
+            <a:endParaRPr lang="en-US" baseline="0" dirty="0" smtClean="0"/>
+          </a:p>
+          <a:p>
+            <a:pPr marL="171450" indent="-171450">
+              <a:buFontTx/>
+              <a:buChar char="-"/>
+            </a:pPr>
+            <a:r>
+              <a:rPr lang="en-US" baseline="0" dirty="0" smtClean="0"/>
+              <a:t>Data from Social Media sites</a:t>
+            </a:r>
+          </a:p>
+          <a:p>
+            <a:pPr marL="171450" indent="-171450">
+              <a:buFontTx/>
+              <a:buChar char="-"/>
+            </a:pPr>
+            <a:r>
+              <a:rPr lang="en-US" baseline="0" dirty="0" smtClean="0"/>
+              <a:t>Marketing and Tracking Data</a:t>
+            </a:r>
+          </a:p>
+          <a:p>
+            <a:pPr marL="171450" indent="-171450">
+              <a:buFontTx/>
+              <a:buChar char="-"/>
+            </a:pPr>
+            <a:r>
+              <a:rPr lang="en-US" baseline="0" dirty="0" smtClean="0"/>
+              <a:t>The Internet of Things</a:t>
+            </a:r>
+          </a:p>
+          <a:p>
+            <a:pPr marL="171450" indent="-171450">
+              <a:buFontTx/>
+              <a:buChar char="-"/>
+            </a:pPr>
+            <a:r>
+              <a:rPr lang="en-US" baseline="0" dirty="0" smtClean="0"/>
+              <a:t>Logging Data</a:t>
+            </a:r>
+          </a:p>
+          <a:p>
+            <a:pPr marL="171450" indent="-171450">
+              <a:buFontTx/>
+              <a:buChar char="-"/>
+            </a:pPr>
+            <a:r>
+              <a:rPr lang="en-US" baseline="0" dirty="0" smtClean="0"/>
+              <a:t>A/B Tests and Usage Data</a:t>
+            </a:r>
+          </a:p>
+          <a:p>
+            <a:pPr marL="171450" indent="-171450">
+              <a:buFontTx/>
+              <a:buChar char="-"/>
+            </a:pPr>
+            <a:endParaRPr lang="en-US" baseline="0" dirty="0" smtClean="0"/>
+          </a:p>
+          <a:p>
+            <a:pPr marL="171450" indent="-171450">
+              <a:buFontTx/>
+              <a:buChar char="-"/>
+            </a:pPr>
+            <a:r>
+              <a:rPr lang="en-US" baseline="0" dirty="0" smtClean="0"/>
+              <a:t>Sources: </a:t>
+            </a:r>
+          </a:p>
+          <a:p>
+            <a:pPr marL="171450" indent="-171450">
+              <a:buFontTx/>
+              <a:buChar char="-"/>
+            </a:pPr>
+            <a:r>
+              <a:rPr lang="en-US" baseline="0" dirty="0" smtClean="0"/>
+              <a:t>http://www.storagenewsletter.com/rubriques/market-reportsresearch/ibm-cmo-study/</a:t>
+            </a:r>
+          </a:p>
+          <a:p>
+            <a:pPr marL="171450" indent="-171450">
+              <a:buFontTx/>
+              <a:buChar char="-"/>
+            </a:pPr>
+            <a:r>
+              <a:rPr lang="en-US" baseline="0" dirty="0" smtClean="0"/>
+              <a:t>http://www.sciencedaily.com/releases/2013/05/130522085217.htm</a:t>
+            </a:r>
+          </a:p>
+          <a:p>
+            <a:pPr marL="171450" indent="-171450">
+              <a:buFontTx/>
+              <a:buChar char="-"/>
+            </a:pPr>
+            <a:endParaRPr lang="en-US" baseline="0" dirty="0" smtClean="0"/>
+          </a:p>
+          <a:p>
+            <a:pPr marL="171450" indent="-171450">
+              <a:buFontTx/>
+              <a:buChar char="-"/>
+            </a:pPr>
             <a:endParaRPr lang="en-US" dirty="0" smtClean="0"/>
           </a:p>
           <a:p>
+            <a:endParaRPr lang="en-US" dirty="0" smtClean="0"/>
+          </a:p>
+          <a:p>
             <a:endParaRPr lang="en-US" dirty="0"/>
           </a:p>
         </p:txBody>
@@ -2122,7 +2316,7 @@
           <a:p>
             <a:fld id="{2CA6A022-9899-462F-AF11-091E7F58E280}" type="slidenum">
               <a:rPr lang="en-US" smtClean="0"/>
-              <a:t>8</a:t>
+              <a:t>7</a:t>
             </a:fld>
             <a:endParaRPr lang="en-US"/>
           </a:p>
@@ -2131,7 +2325,7 @@
     </p:spTree>
     <p:extLst>
       <p:ext uri="{BB962C8B-B14F-4D97-AF65-F5344CB8AC3E}">
-        <p14:creationId xmlns:p14="http://schemas.microsoft.com/office/powerpoint/2010/main" val="2181638493"/>
+        <p14:creationId xmlns:p14="http://schemas.microsoft.com/office/powerpoint/2010/main" val="986720431"/>
       </p:ext>
     </p:extLst>
   </p:cSld>
@@ -2192,59 +2386,134 @@
           <a:p>
             <a:r>
               <a:rPr lang="en-US" dirty="0" smtClean="0"/>
-              <a:t>D3 excels at creating interactive web visualizations in SVG</a:t>
-            </a:r>
-            <a:endParaRPr lang="en-US" baseline="0" dirty="0" smtClean="0"/>
-          </a:p>
-          <a:p>
-            <a:endParaRPr lang="en-US" baseline="0" dirty="0" smtClean="0"/>
-          </a:p>
-          <a:p>
+              <a:t>Stands</a:t>
+            </a:r>
             <a:r>
               <a:rPr lang="en-US" baseline="0" dirty="0" smtClean="0"/>
-              <a:t>Includes tools for creating lots of common data </a:t>
+              <a:t> for </a:t>
+            </a:r>
+            <a:r>
+              <a:rPr lang="en-US" dirty="0" smtClean="0"/>
+              <a:t>Data Driven Documents</a:t>
+            </a:r>
+          </a:p>
+          <a:p>
+            <a:endParaRPr lang="en-US" dirty="0" smtClean="0"/>
+          </a:p>
+          <a:p>
+            <a:r>
+              <a:rPr lang="en-US" dirty="0" smtClean="0"/>
+              <a:t>D3.js is like jQuery</a:t>
+            </a:r>
+            <a:r>
+              <a:rPr lang="en-US" baseline="0" dirty="0" smtClean="0"/>
+              <a:t> – jQuery helps with DOM manipulation. </a:t>
+            </a:r>
+            <a:r>
+              <a:rPr lang="en-US" baseline="0" smtClean="0"/>
+              <a:t>D3.js is for SVGs</a:t>
+            </a:r>
+            <a:endParaRPr lang="en-US" dirty="0" smtClean="0"/>
+          </a:p>
+          <a:p>
+            <a:endParaRPr lang="en-US" dirty="0" smtClean="0"/>
+          </a:p>
+          <a:p>
+            <a:r>
+              <a:rPr lang="en-US" dirty="0" smtClean="0"/>
+              <a:t>Invented by Mike </a:t>
+            </a:r>
+            <a:r>
+              <a:rPr lang="en-US" dirty="0" err="1" smtClean="0"/>
+              <a:t>Bostock</a:t>
+            </a:r>
+            <a:r>
+              <a:rPr lang="en-US" dirty="0" smtClean="0"/>
+              <a:t> in 2011</a:t>
+            </a:r>
+          </a:p>
+          <a:p>
+            <a:r>
+              <a:rPr lang="en-US" dirty="0" smtClean="0"/>
+              <a:t>-</a:t>
+            </a:r>
+            <a:r>
+              <a:rPr lang="en-US" baseline="0" dirty="0" smtClean="0"/>
+              <a:t> NY Times -&gt; Where you’ll find some nice Data Vis</a:t>
+            </a:r>
+            <a:endParaRPr lang="en-US" dirty="0" smtClean="0"/>
+          </a:p>
+          <a:p>
+            <a:endParaRPr lang="en-US" dirty="0" smtClean="0"/>
+          </a:p>
+          <a:p>
+            <a:r>
+              <a:rPr lang="en-US" dirty="0" smtClean="0"/>
+              <a:t>A toolbox for creating</a:t>
+            </a:r>
+            <a:r>
+              <a:rPr lang="en-US" baseline="0" dirty="0" smtClean="0"/>
+              <a:t> data visualizations on the web using JavaScript (usually in SVG)</a:t>
+            </a:r>
+          </a:p>
+          <a:p>
+            <a:pPr marL="171450" indent="-171450">
+              <a:buFontTx/>
+              <a:buChar char="-"/>
+            </a:pPr>
+            <a:r>
+              <a:rPr lang="en-US" baseline="0" dirty="0" smtClean="0"/>
+              <a:t>Doesn’t render canned visuals</a:t>
+            </a:r>
+          </a:p>
+          <a:p>
+            <a:pPr marL="171450" indent="-171450">
+              <a:buFontTx/>
+              <a:buChar char="-"/>
+            </a:pPr>
+            <a:r>
+              <a:rPr lang="en-US" dirty="0" smtClean="0"/>
+              <a:t>Uses web standards like SVG, JavaScript</a:t>
+            </a:r>
+            <a:r>
+              <a:rPr lang="en-US" baseline="0" dirty="0" smtClean="0"/>
+              <a:t>, etc…</a:t>
+            </a:r>
+          </a:p>
+          <a:p>
+            <a:pPr marL="171450" indent="-171450">
+              <a:buFontTx/>
+              <a:buChar char="-"/>
+            </a:pPr>
+            <a:r>
+              <a:rPr lang="en-US" baseline="0" dirty="0" smtClean="0"/>
+              <a:t>Comes from a history of plugin based tools like </a:t>
             </a:r>
             <a:r>
               <a:rPr lang="en-US" baseline="0" dirty="0" err="1" smtClean="0"/>
-              <a:t>vizualizations</a:t>
+              <a:t>prefuse</a:t>
             </a:r>
             <a:r>
               <a:rPr lang="en-US" baseline="0" dirty="0" smtClean="0"/>
-              <a:t>, including Geo Maps</a:t>
-            </a:r>
-          </a:p>
-          <a:p>
-            <a:endParaRPr lang="en-US" baseline="0" dirty="0" smtClean="0"/>
-          </a:p>
-          <a:p>
+              <a:t> and Flare</a:t>
+            </a:r>
+          </a:p>
+          <a:p>
+            <a:pPr marL="171450" indent="-171450">
+              <a:buFontTx/>
+              <a:buChar char="-"/>
+            </a:pPr>
+            <a:r>
+              <a:rPr lang="en-US" dirty="0" smtClean="0"/>
+              <a:t>Supports a large number of types of visuals,</a:t>
+            </a:r>
             <a:r>
               <a:rPr lang="en-US" baseline="0" dirty="0" smtClean="0"/>
-              <a:t>It’s web based so it’s easy to embed in web apps</a:t>
-            </a:r>
-          </a:p>
-          <a:p>
-            <a:endParaRPr lang="en-US" baseline="0" dirty="0" smtClean="0"/>
-          </a:p>
-          <a:p>
-            <a:r>
-              <a:rPr lang="en-US" baseline="0" dirty="0" smtClean="0"/>
-              <a:t>There’s no stupid plugins</a:t>
-            </a:r>
-          </a:p>
-          <a:p>
-            <a:endParaRPr lang="en-US" baseline="0" dirty="0" smtClean="0"/>
-          </a:p>
-          <a:p>
-            <a:r>
-              <a:rPr lang="en-US" baseline="0" dirty="0" smtClean="0"/>
-              <a:t>It’s free and Open Source</a:t>
+              <a:t> including maps and animations</a:t>
             </a:r>
             <a:endParaRPr lang="en-US" dirty="0" smtClean="0"/>
           </a:p>
           <a:p>
-            <a:endParaRPr lang="en-US" dirty="0" smtClean="0"/>
-          </a:p>
-          <a:p>
             <a:endParaRPr lang="en-US" dirty="0"/>
           </a:p>
         </p:txBody>
@@ -2266,7 +2535,7 @@
           <a:p>
             <a:fld id="{2CA6A022-9899-462F-AF11-091E7F58E280}" type="slidenum">
               <a:rPr lang="en-US" smtClean="0"/>
-              <a:t>9</a:t>
+              <a:t>8</a:t>
             </a:fld>
             <a:endParaRPr lang="en-US"/>
           </a:p>
@@ -2275,7 +2544,7 @@
     </p:spTree>
     <p:extLst>
       <p:ext uri="{BB962C8B-B14F-4D97-AF65-F5344CB8AC3E}">
-        <p14:creationId xmlns:p14="http://schemas.microsoft.com/office/powerpoint/2010/main" val="1599171817"/>
+        <p14:creationId xmlns:p14="http://schemas.microsoft.com/office/powerpoint/2010/main" val="2181638493"/>
       </p:ext>
     </p:extLst>
   </p:cSld>
@@ -2336,20 +2605,43 @@
           <a:p>
             <a:r>
               <a:rPr lang="en-US" dirty="0" smtClean="0"/>
-              <a:t>D3 has a steep learning curve</a:t>
-            </a:r>
-          </a:p>
-          <a:p>
+              <a:t>D3 uses modern web standards like JavaScript,</a:t>
+            </a:r>
+            <a:r>
+              <a:rPr lang="en-US" baseline="0" dirty="0" smtClean="0"/>
+              <a:t> SVG, and CSS</a:t>
+            </a:r>
             <a:endParaRPr lang="en-US" dirty="0" smtClean="0"/>
           </a:p>
           <a:p>
+            <a:endParaRPr lang="en-US" dirty="0" smtClean="0"/>
+          </a:p>
+          <a:p>
             <a:r>
               <a:rPr lang="en-US" dirty="0" smtClean="0"/>
-              <a:t>Doesn’t include</a:t>
-            </a:r>
+              <a:t>D3 </a:t>
+            </a:r>
+            <a:r>
+              <a:rPr lang="en-US" dirty="0" smtClean="0"/>
+              <a:t>excels at creating interactive web visualizations in SVG</a:t>
+            </a:r>
+            <a:endParaRPr lang="en-US" baseline="0" dirty="0" smtClean="0"/>
+          </a:p>
+          <a:p>
+            <a:endParaRPr lang="en-US" baseline="0" dirty="0" smtClean="0"/>
+          </a:p>
+          <a:p>
             <a:r>
               <a:rPr lang="en-US" baseline="0" dirty="0" smtClean="0"/>
-              <a:t> any pre-canned visuals</a:t>
+              <a:t>Includes tools for creating lots of common data </a:t>
+            </a:r>
+            <a:r>
+              <a:rPr lang="en-US" baseline="0" dirty="0" smtClean="0"/>
+              <a:t>visualizations, </a:t>
+            </a:r>
+            <a:r>
+              <a:rPr lang="en-US" baseline="0" dirty="0" smtClean="0"/>
+              <a:t>including Geo Maps</a:t>
             </a:r>
           </a:p>
           <a:p>
@@ -2358,32 +2650,64 @@
           <a:p>
             <a:r>
               <a:rPr lang="en-US" baseline="0" dirty="0" smtClean="0"/>
-              <a:t>Doesn’t support older browsers (no IE 8)</a:t>
-            </a:r>
-          </a:p>
-          <a:p>
+              <a:t>There’s no </a:t>
+            </a:r>
+            <a:r>
+              <a:rPr lang="en-US" baseline="0" dirty="0" smtClean="0"/>
+              <a:t>plugins</a:t>
+            </a:r>
             <a:endParaRPr lang="en-US" baseline="0" dirty="0" smtClean="0"/>
           </a:p>
           <a:p>
+            <a:endParaRPr lang="en-US" baseline="0" dirty="0" smtClean="0"/>
+          </a:p>
+          <a:p>
             <a:r>
               <a:rPr lang="en-US" baseline="0" dirty="0" smtClean="0"/>
-              <a:t>Best for SVG, not bitmaps or canvas</a:t>
-            </a:r>
-          </a:p>
-          <a:p>
-            <a:endParaRPr lang="en-US" baseline="0" dirty="0" smtClean="0"/>
-          </a:p>
-          <a:p>
-            <a:r>
-              <a:rPr lang="en-US" baseline="0" dirty="0" smtClean="0"/>
-              <a:t>Doesn’t hide root data (because JavaScript)</a:t>
-            </a:r>
-          </a:p>
-          <a:p>
-            <a:r>
-              <a:rPr lang="en-US" baseline="0" dirty="0" smtClean="0"/>
-              <a:t>	</a:t>
-            </a:r>
+              <a:t>It’s free and Open Source</a:t>
+            </a:r>
+            <a:endParaRPr lang="en-US" dirty="0" smtClean="0"/>
+          </a:p>
+          <a:p>
+            <a:endParaRPr lang="en-US" dirty="0" smtClean="0"/>
+          </a:p>
+          <a:p>
+            <a:pPr marL="27675" indent="0">
+              <a:buNone/>
+            </a:pPr>
+            <a:r>
+              <a:rPr lang="en-US" dirty="0" smtClean="0">
+                <a:hlinkClick r:id="rId3"/>
+              </a:rPr>
+              <a:t>http://www.nytimes.com/interactive/2013/05/25/sunday-review/corporate-taxes.html</a:t>
+            </a:r>
+            <a:endParaRPr lang="en-US" dirty="0" smtClean="0"/>
+          </a:p>
+          <a:p>
+            <a:pPr marL="27675" indent="0">
+              <a:buNone/>
+            </a:pPr>
+            <a:r>
+              <a:rPr lang="en-US" dirty="0" smtClean="0">
+                <a:hlinkClick r:id="rId4"/>
+              </a:rPr>
+              <a:t>http://www.koalastothemax.com/</a:t>
+            </a:r>
+            <a:endParaRPr lang="en-US" dirty="0" smtClean="0"/>
+          </a:p>
+          <a:p>
+            <a:pPr marL="27675" indent="0">
+              <a:buNone/>
+            </a:pPr>
+            <a:r>
+              <a:rPr lang="en-US" dirty="0" smtClean="0">
+                <a:hlinkClick r:id="rId5"/>
+              </a:rPr>
+              <a:t>http://www.jasondavies.com/maps/countries-by-area/</a:t>
+            </a:r>
+            <a:endParaRPr lang="en-US" dirty="0" smtClean="0"/>
+          </a:p>
+          <a:p>
             <a:endParaRPr lang="en-US" dirty="0"/>
           </a:p>
         </p:txBody>
@@ -2405,7 +2729,7 @@
           <a:p>
             <a:fld id="{2CA6A022-9899-462F-AF11-091E7F58E280}" type="slidenum">
               <a:rPr lang="en-US" smtClean="0"/>
-              <a:t>10</a:t>
+              <a:t>9</a:t>
             </a:fld>
             <a:endParaRPr lang="en-US"/>
           </a:p>
@@ -2414,7 +2738,7 @@
     </p:spTree>
     <p:extLst>
       <p:ext uri="{BB962C8B-B14F-4D97-AF65-F5344CB8AC3E}">
-        <p14:creationId xmlns:p14="http://schemas.microsoft.com/office/powerpoint/2010/main" val="3125936859"/>
+        <p14:creationId xmlns:p14="http://schemas.microsoft.com/office/powerpoint/2010/main" val="1599171817"/>
       </p:ext>
     </p:extLst>
   </p:cSld>
@@ -2475,11 +2799,15 @@
           <a:p>
             <a:r>
               <a:rPr lang="en-US" dirty="0" smtClean="0"/>
-              <a:t>SVG = Scalable Vector</a:t>
+              <a:t>Doesn’t </a:t>
+            </a:r>
+            <a:r>
+              <a:rPr lang="en-US" dirty="0" smtClean="0"/>
+              <a:t>include</a:t>
             </a:r>
             <a:r>
               <a:rPr lang="en-US" baseline="0" dirty="0" smtClean="0"/>
-              <a:t> Graphics</a:t>
+              <a:t> any pre-canned visuals</a:t>
             </a:r>
           </a:p>
           <a:p>
@@ -2488,51 +2816,33 @@
           <a:p>
             <a:r>
               <a:rPr lang="en-US" baseline="0" dirty="0" smtClean="0"/>
-              <a:t>Vector, math based as opposed to bitmap based like JPEG or PNG</a:t>
-            </a:r>
+              <a:t>Doesn’t support older browsers (no IE 8)</a:t>
+            </a:r>
+          </a:p>
+          <a:p>
+            <a:endParaRPr lang="en-US" baseline="0" dirty="0" smtClean="0"/>
           </a:p>
           <a:p>
             <a:r>
               <a:rPr lang="en-US" baseline="0" dirty="0" smtClean="0"/>
-              <a:t>HTML Based</a:t>
+              <a:t>Best for SVG, not bitmaps or canvas</a:t>
             </a:r>
           </a:p>
           <a:p>
             <a:endParaRPr lang="en-US" baseline="0" dirty="0" smtClean="0"/>
           </a:p>
           <a:p>
-            <a:pPr marL="0" marR="0" indent="0" algn="l" defTabSz="914400" rtl="0" eaLnBrk="1" fontAlgn="auto" latinLnBrk="0" hangingPunct="1">
-              <a:lnSpc>
-                <a:spcPct val="100000"/>
-              </a:lnSpc>
-              <a:spcBef>
-                <a:spcPts val="0"/>
-              </a:spcBef>
-              <a:spcAft>
-                <a:spcPts val="0"/>
-              </a:spcAft>
-              <a:buClrTx/>
-              <a:buSzTx/>
-              <a:buFontTx/>
-              <a:buNone/>
-              <a:tabLst/>
-              <a:defRPr/>
-            </a:pPr>
-            <a:r>
-              <a:rPr lang="en-US" dirty="0" smtClean="0"/>
-              <a:t>There are several</a:t>
-            </a:r>
             <a:r>
               <a:rPr lang="en-US" baseline="0" dirty="0" smtClean="0"/>
-              <a:t> basic SVG shapes, including circles, ellipses, rectangles, and lines</a:t>
-            </a:r>
-          </a:p>
-          <a:p>
-            <a:pPr marL="0" indent="0">
-              <a:buFontTx/>
-              <a:buNone/>
-            </a:pPr>
-            <a:endParaRPr lang="en-US" baseline="0" dirty="0" smtClean="0"/>
+              <a:t>Doesn’t hide root data (because JavaScript)</a:t>
+            </a:r>
+          </a:p>
+          <a:p>
+            <a:r>
+              <a:rPr lang="en-US" baseline="0" dirty="0" smtClean="0"/>
+              <a:t>	</a:t>
+            </a:r>
+            <a:endParaRPr lang="en-US" dirty="0"/>
           </a:p>
         </p:txBody>
       </p:sp>
@@ -2553,7 +2863,7 @@
           <a:p>
             <a:fld id="{2CA6A022-9899-462F-AF11-091E7F58E280}" type="slidenum">
               <a:rPr lang="en-US" smtClean="0"/>
-              <a:t>11</a:t>
+              <a:t>10</a:t>
             </a:fld>
             <a:endParaRPr lang="en-US"/>
           </a:p>
@@ -2562,7 +2872,7 @@
     </p:spTree>
     <p:extLst>
       <p:ext uri="{BB962C8B-B14F-4D97-AF65-F5344CB8AC3E}">
-        <p14:creationId xmlns:p14="http://schemas.microsoft.com/office/powerpoint/2010/main" val="1967444448"/>
+        <p14:creationId xmlns:p14="http://schemas.microsoft.com/office/powerpoint/2010/main" val="3125936859"/>
       </p:ext>
     </p:extLst>
   </p:cSld>
@@ -2757,7 +3067,7 @@
           <a:p>
             <a:fld id="{67971B23-299D-4CF4-B59D-A17DAEBDFBC2}" type="datetimeFigureOut">
               <a:rPr lang="en-US" smtClean="0"/>
-              <a:t>3/29/2014</a:t>
+              <a:t>3/31/2014</a:t>
             </a:fld>
             <a:endParaRPr lang="en-US"/>
           </a:p>
@@ -3055,7 +3365,7 @@
           <a:p>
             <a:fld id="{67971B23-299D-4CF4-B59D-A17DAEBDFBC2}" type="datetimeFigureOut">
               <a:rPr lang="en-US" smtClean="0"/>
-              <a:t>3/29/2014</a:t>
+              <a:t>3/31/2014</a:t>
             </a:fld>
             <a:endParaRPr lang="en-US"/>
           </a:p>
@@ -3247,7 +3557,7 @@
           <a:p>
             <a:fld id="{67971B23-299D-4CF4-B59D-A17DAEBDFBC2}" type="datetimeFigureOut">
               <a:rPr lang="en-US" smtClean="0"/>
-              <a:t>3/29/2014</a:t>
+              <a:t>3/31/2014</a:t>
             </a:fld>
             <a:endParaRPr lang="en-US"/>
           </a:p>
@@ -3508,7 +3818,7 @@
           <a:p>
             <a:fld id="{67971B23-299D-4CF4-B59D-A17DAEBDFBC2}" type="datetimeFigureOut">
               <a:rPr lang="en-US" smtClean="0"/>
-              <a:t>3/29/2014</a:t>
+              <a:t>3/31/2014</a:t>
             </a:fld>
             <a:endParaRPr lang="en-US"/>
           </a:p>
@@ -3932,7 +4242,7 @@
           <a:p>
             <a:fld id="{67971B23-299D-4CF4-B59D-A17DAEBDFBC2}" type="datetimeFigureOut">
               <a:rPr lang="en-US" smtClean="0"/>
-              <a:t>3/29/2014</a:t>
+              <a:t>3/31/2014</a:t>
             </a:fld>
             <a:endParaRPr lang="en-US"/>
           </a:p>
@@ -4469,7 +4779,7 @@
           <a:p>
             <a:fld id="{67971B23-299D-4CF4-B59D-A17DAEBDFBC2}" type="datetimeFigureOut">
               <a:rPr lang="en-US" smtClean="0"/>
-              <a:t>3/29/2014</a:t>
+              <a:t>3/31/2014</a:t>
             </a:fld>
             <a:endParaRPr lang="en-US"/>
           </a:p>
@@ -5333,7 +5643,7 @@
           <a:p>
             <a:fld id="{67971B23-299D-4CF4-B59D-A17DAEBDFBC2}" type="datetimeFigureOut">
               <a:rPr lang="en-US" smtClean="0"/>
-              <a:t>3/29/2014</a:t>
+              <a:t>3/31/2014</a:t>
             </a:fld>
             <a:endParaRPr lang="en-US"/>
           </a:p>
@@ -5503,7 +5813,7 @@
           <a:p>
             <a:fld id="{67971B23-299D-4CF4-B59D-A17DAEBDFBC2}" type="datetimeFigureOut">
               <a:rPr lang="en-US" smtClean="0"/>
-              <a:t>3/29/2014</a:t>
+              <a:t>3/31/2014</a:t>
             </a:fld>
             <a:endParaRPr lang="en-US"/>
           </a:p>
@@ -5687,7 +5997,7 @@
           <a:p>
             <a:fld id="{67971B23-299D-4CF4-B59D-A17DAEBDFBC2}" type="datetimeFigureOut">
               <a:rPr lang="en-US" smtClean="0"/>
-              <a:t>3/29/2014</a:t>
+              <a:t>3/31/2014</a:t>
             </a:fld>
             <a:endParaRPr lang="en-US"/>
           </a:p>
@@ -5857,7 +6167,7 @@
           <a:p>
             <a:fld id="{67971B23-299D-4CF4-B59D-A17DAEBDFBC2}" type="datetimeFigureOut">
               <a:rPr lang="en-US" smtClean="0"/>
-              <a:t>3/29/2014</a:t>
+              <a:t>3/31/2014</a:t>
             </a:fld>
             <a:endParaRPr lang="en-US"/>
           </a:p>
@@ -6101,7 +6411,7 @@
           <a:p>
             <a:fld id="{67971B23-299D-4CF4-B59D-A17DAEBDFBC2}" type="datetimeFigureOut">
               <a:rPr lang="en-US" smtClean="0"/>
-              <a:t>3/29/2014</a:t>
+              <a:t>3/31/2014</a:t>
             </a:fld>
             <a:endParaRPr lang="en-US"/>
           </a:p>
@@ -6337,7 +6647,7 @@
           <a:p>
             <a:fld id="{67971B23-299D-4CF4-B59D-A17DAEBDFBC2}" type="datetimeFigureOut">
               <a:rPr lang="en-US" smtClean="0"/>
-              <a:t>3/29/2014</a:t>
+              <a:t>3/31/2014</a:t>
             </a:fld>
             <a:endParaRPr lang="en-US"/>
           </a:p>
@@ -6803,7 +7113,7 @@
           <a:p>
             <a:fld id="{67971B23-299D-4CF4-B59D-A17DAEBDFBC2}" type="datetimeFigureOut">
               <a:rPr lang="en-US" smtClean="0"/>
-              <a:t>3/29/2014</a:t>
+              <a:t>3/31/2014</a:t>
             </a:fld>
             <a:endParaRPr lang="en-US"/>
           </a:p>
@@ -6921,7 +7231,7 @@
           <a:p>
             <a:fld id="{67971B23-299D-4CF4-B59D-A17DAEBDFBC2}" type="datetimeFigureOut">
               <a:rPr lang="en-US" smtClean="0"/>
-              <a:t>3/29/2014</a:t>
+              <a:t>3/31/2014</a:t>
             </a:fld>
             <a:endParaRPr lang="en-US"/>
           </a:p>
@@ -7016,7 +7326,7 @@
           <a:p>
             <a:fld id="{67971B23-299D-4CF4-B59D-A17DAEBDFBC2}" type="datetimeFigureOut">
               <a:rPr lang="en-US" smtClean="0"/>
-              <a:t>3/29/2014</a:t>
+              <a:t>3/31/2014</a:t>
             </a:fld>
             <a:endParaRPr lang="en-US"/>
           </a:p>
@@ -7271,7 +7581,7 @@
           <a:p>
             <a:fld id="{67971B23-299D-4CF4-B59D-A17DAEBDFBC2}" type="datetimeFigureOut">
               <a:rPr lang="en-US" smtClean="0"/>
-              <a:t>3/29/2014</a:t>
+              <a:t>3/31/2014</a:t>
             </a:fld>
             <a:endParaRPr lang="en-US"/>
           </a:p>
@@ -7571,7 +7881,7 @@
           <a:p>
             <a:fld id="{67971B23-299D-4CF4-B59D-A17DAEBDFBC2}" type="datetimeFigureOut">
               <a:rPr lang="en-US" smtClean="0"/>
-              <a:t>3/29/2014</a:t>
+              <a:t>3/31/2014</a:t>
             </a:fld>
             <a:endParaRPr lang="en-US"/>
           </a:p>
@@ -7805,7 +8115,7 @@
           <a:p>
             <a:fld id="{67971B23-299D-4CF4-B59D-A17DAEBDFBC2}" type="datetimeFigureOut">
               <a:rPr lang="en-US" smtClean="0"/>
-              <a:t>3/29/2014</a:t>
+              <a:t>3/31/2014</a:t>
             </a:fld>
             <a:endParaRPr lang="en-US"/>
           </a:p>
@@ -8491,7 +8801,7 @@
         </p:nvSpPr>
         <p:spPr>
           <a:xfrm>
-            <a:off x="0" y="1312339"/>
+            <a:off x="0" y="235503"/>
             <a:ext cx="9144000" cy="1371601"/>
           </a:xfrm>
         </p:spPr>
@@ -8522,7 +8832,7 @@
         </p:nvSpPr>
         <p:spPr>
           <a:xfrm>
-            <a:off x="0" y="2711122"/>
+            <a:off x="0" y="1466522"/>
             <a:ext cx="9144000" cy="787400"/>
           </a:xfrm>
         </p:spPr>
@@ -8558,7 +8868,7 @@
         </p:nvSpPr>
         <p:spPr>
           <a:xfrm>
-            <a:off x="0" y="5288340"/>
+            <a:off x="82550" y="3974931"/>
             <a:ext cx="8378687" cy="1569660"/>
           </a:xfrm>
           <a:prstGeom prst="rect">
@@ -8613,6 +8923,53 @@
               <a:t>www.linkedin.com/in/dustinewers/</a:t>
             </a:r>
             <a:endParaRPr lang="en-US" sz="2400" dirty="0"/>
+          </a:p>
+        </p:txBody>
+      </p:sp>
+      <p:sp>
+        <p:nvSpPr>
+          <p:cNvPr id="5" name="TextBox 4"/>
+          <p:cNvSpPr txBox="1"/>
+          <p:nvPr/>
+        </p:nvSpPr>
+        <p:spPr>
+          <a:xfrm>
+            <a:off x="82550" y="5639662"/>
+            <a:ext cx="8978900" cy="1200329"/>
+          </a:xfrm>
+          <a:prstGeom prst="rect">
+            <a:avLst/>
+          </a:prstGeom>
+          <a:noFill/>
+        </p:spPr>
+        <p:txBody>
+          <a:bodyPr wrap="square" rtlCol="0">
+            <a:spAutoFit/>
+          </a:bodyPr>
+          <a:lstStyle/>
+          <a:p>
+            <a:r>
+              <a:rPr lang="en-US" sz="2400" b="1" dirty="0" smtClean="0"/>
+              <a:t>Code Examples: </a:t>
+            </a:r>
+          </a:p>
+          <a:p>
+            <a:r>
+              <a:rPr lang="en-US" sz="2400" dirty="0">
+                <a:hlinkClick r:id="rId4"/>
+              </a:rPr>
+              <a:t>https://</a:t>
+            </a:r>
+            <a:r>
+              <a:rPr lang="en-US" sz="2400" dirty="0" smtClean="0">
+                <a:hlinkClick r:id="rId4"/>
+              </a:rPr>
+              <a:t>github.com/DustinEwers/D3-DotNetMVC-Demos</a:t>
+            </a:r>
+            <a:endParaRPr lang="en-US" sz="2400" dirty="0" smtClean="0"/>
+          </a:p>
+          <a:p>
+            <a:endParaRPr lang="en-US" sz="2400" dirty="0" smtClean="0"/>
           </a:p>
         </p:txBody>
       </p:sp>
@@ -9327,6 +9684,13 @@
   <p:clrMapOvr>
     <a:masterClrMapping/>
   </p:clrMapOvr>
+  <p:timing>
+    <p:tnLst>
+      <p:par>
+        <p:cTn id="1" dur="indefinite" restart="never" nodeType="tmRoot"/>
+      </p:par>
+    </p:tnLst>
+  </p:timing>
 </p:sld>
 </file>
 
@@ -9427,14 +9791,12 @@
               <a:rPr lang="en-US" sz="2400" dirty="0" smtClean="0"/>
               <a:t>Just enough SVG</a:t>
             </a:r>
-            <a:endParaRPr lang="en-US" sz="2400" dirty="0" smtClean="0"/>
           </a:p>
           <a:p>
             <a:r>
               <a:rPr lang="en-US" sz="2400" dirty="0" smtClean="0"/>
               <a:t>Demos</a:t>
             </a:r>
-            <a:endParaRPr lang="en-US" sz="2400" dirty="0" smtClean="0"/>
           </a:p>
           <a:p>
             <a:pPr lvl="1"/>
@@ -9442,7 +9804,6 @@
               <a:rPr lang="en-US" sz="2200" dirty="0" smtClean="0"/>
               <a:t>Using D3.js with ASP.NET</a:t>
             </a:r>
-            <a:endParaRPr lang="en-US" sz="2200" dirty="0" smtClean="0"/>
           </a:p>
           <a:p>
             <a:pPr lvl="1"/>
@@ -9455,15 +9816,7 @@
             <a:pPr lvl="1"/>
             <a:r>
               <a:rPr lang="en-US" sz="2200" dirty="0" smtClean="0"/>
-              <a:t>Building </a:t>
-            </a:r>
-            <a:r>
-              <a:rPr lang="en-US" sz="2200" dirty="0" smtClean="0"/>
-              <a:t>Different Types of </a:t>
-            </a:r>
-            <a:r>
-              <a:rPr lang="en-US" sz="2200" dirty="0" smtClean="0"/>
-              <a:t>Visualizations</a:t>
+              <a:t>Building Different Types of Visualizations</a:t>
             </a:r>
           </a:p>
           <a:p>
@@ -9471,7 +9824,6 @@
               <a:rPr lang="en-US" sz="2600" dirty="0" smtClean="0"/>
               <a:t>Resources</a:t>
             </a:r>
-            <a:endParaRPr lang="en-US" sz="2600" dirty="0" smtClean="0"/>
           </a:p>
         </p:txBody>
       </p:sp>
@@ -9622,15 +9974,7 @@
           <a:p>
             <a:r>
               <a:rPr lang="en-US" sz="4800" dirty="0" smtClean="0"/>
-              <a:t>Data Visualization </a:t>
-            </a:r>
-            <a:r>
-              <a:rPr lang="en-US" sz="4800" dirty="0" smtClean="0"/>
-              <a:t>Adds </a:t>
-            </a:r>
-            <a:r>
-              <a:rPr lang="en-US" sz="4800" dirty="0" smtClean="0"/>
-              <a:t>Meaning</a:t>
+              <a:t>Data Visualization Adds Meaning</a:t>
             </a:r>
             <a:endParaRPr lang="en-US" sz="4800" dirty="0"/>
           </a:p>
@@ -9648,8 +9992,8 @@
         </p:nvSpPr>
         <p:spPr>
           <a:xfrm>
-            <a:off x="317046" y="4127499"/>
-            <a:ext cx="7765322" cy="2540001"/>
+            <a:off x="0" y="4293873"/>
+            <a:ext cx="7404100" cy="2540001"/>
           </a:xfrm>
         </p:spPr>
         <p:txBody>
@@ -9661,57 +10005,43 @@
             <a:pPr marL="337500" lvl="1" indent="0">
               <a:buNone/>
             </a:pPr>
-            <a:endParaRPr lang="en-US" dirty="0" smtClean="0">
-              <a:hlinkClick r:id="rId3"/>
-            </a:endParaRPr>
+            <a:endParaRPr lang="en-US" dirty="0" smtClean="0"/>
           </a:p>
           <a:p>
             <a:pPr marL="337500" lvl="1" indent="0">
               <a:buNone/>
             </a:pPr>
-            <a:endParaRPr lang="en-US" dirty="0">
-              <a:hlinkClick r:id="rId3"/>
-            </a:endParaRPr>
+            <a:endParaRPr lang="en-US" dirty="0"/>
           </a:p>
           <a:p>
             <a:pPr marL="337500" lvl="1" indent="0">
               <a:buNone/>
             </a:pPr>
-            <a:endParaRPr lang="en-US" dirty="0" smtClean="0">
-              <a:hlinkClick r:id="rId3"/>
-            </a:endParaRPr>
+            <a:endParaRPr lang="en-US" dirty="0" smtClean="0"/>
           </a:p>
           <a:p>
             <a:pPr marL="337500" lvl="1" indent="0">
               <a:buNone/>
             </a:pPr>
-            <a:endParaRPr lang="en-US" dirty="0">
-              <a:hlinkClick r:id="rId3"/>
-            </a:endParaRPr>
+            <a:endParaRPr lang="en-US" dirty="0"/>
           </a:p>
           <a:p>
             <a:pPr marL="337500" lvl="1" indent="0">
               <a:buNone/>
             </a:pPr>
-            <a:endParaRPr lang="en-US" dirty="0" smtClean="0">
-              <a:hlinkClick r:id="rId3"/>
-            </a:endParaRPr>
+            <a:endParaRPr lang="en-US" dirty="0" smtClean="0"/>
           </a:p>
           <a:p>
             <a:pPr marL="337500" lvl="1" indent="0">
               <a:buNone/>
             </a:pPr>
-            <a:endParaRPr lang="en-US" dirty="0">
-              <a:hlinkClick r:id="rId3"/>
-            </a:endParaRPr>
+            <a:endParaRPr lang="en-US" dirty="0"/>
           </a:p>
           <a:p>
             <a:pPr marL="337500" lvl="1" indent="0">
               <a:buNone/>
             </a:pPr>
-            <a:endParaRPr lang="en-US" dirty="0" smtClean="0">
-              <a:hlinkClick r:id="rId3"/>
-            </a:endParaRPr>
+            <a:endParaRPr lang="en-US" dirty="0" smtClean="0"/>
           </a:p>
           <a:p>
             <a:pPr marL="337500" lvl="1" indent="0">
@@ -9723,13 +10053,13 @@
             </a:r>
             <a:r>
               <a:rPr lang="en-US" dirty="0">
-                <a:hlinkClick r:id="rId4"/>
+                <a:hlinkClick r:id="rId3"/>
               </a:rPr>
               <a:t>http://kepler.nasa.gov/multimedia/artwork/diagrams/?</a:t>
             </a:r>
             <a:r>
               <a:rPr lang="en-US" dirty="0" smtClean="0">
-                <a:hlinkClick r:id="rId4"/>
+                <a:hlinkClick r:id="rId3"/>
               </a:rPr>
               <a:t>ImageID=123</a:t>
             </a:r>
@@ -9755,7 +10085,7 @@
           <p:nvPr/>
         </p:nvPicPr>
         <p:blipFill>
-          <a:blip r:embed="rId5"/>
+          <a:blip r:embed="rId4"/>
           <a:stretch>
             <a:fillRect/>
           </a:stretch>
@@ -9848,8 +10178,8 @@
         </p:nvSpPr>
         <p:spPr>
           <a:xfrm>
-            <a:off x="109157" y="6426200"/>
-            <a:ext cx="8925686" cy="318147"/>
+            <a:off x="638545" y="5864747"/>
+            <a:ext cx="3933455" cy="391674"/>
           </a:xfrm>
         </p:spPr>
         <p:txBody>
@@ -9865,7 +10195,7 @@
               <a:rPr lang="en-US" sz="1600" dirty="0" smtClean="0">
                 <a:hlinkClick r:id="rId3"/>
               </a:rPr>
-              <a:t>http</a:t>
+              <a:t>Source: http</a:t>
             </a:r>
             <a:r>
               <a:rPr lang="en-US" sz="1600" dirty="0">
@@ -9905,14 +10235,59 @@
         </p:blipFill>
         <p:spPr>
           <a:xfrm>
-            <a:off x="330200" y="1051938"/>
-            <a:ext cx="8407400" cy="5230272"/>
+            <a:off x="701968" y="1049627"/>
+            <a:ext cx="7740064" cy="4815120"/>
           </a:xfrm>
           <a:prstGeom prst="rect">
             <a:avLst/>
           </a:prstGeom>
         </p:spPr>
       </p:pic>
+      <p:sp>
+        <p:nvSpPr>
+          <p:cNvPr id="5" name="TextBox 4"/>
+          <p:cNvSpPr txBox="1"/>
+          <p:nvPr/>
+        </p:nvSpPr>
+        <p:spPr>
+          <a:xfrm>
+            <a:off x="638545" y="6365126"/>
+            <a:ext cx="5611528" cy="1200329"/>
+          </a:xfrm>
+          <a:prstGeom prst="rect">
+            <a:avLst/>
+          </a:prstGeom>
+          <a:noFill/>
+        </p:spPr>
+        <p:txBody>
+          <a:bodyPr wrap="square" rtlCol="0">
+            <a:spAutoFit/>
+          </a:bodyPr>
+          <a:lstStyle/>
+          <a:p>
+            <a:r>
+              <a:rPr lang="en-US" dirty="0" smtClean="0"/>
+              <a:t>200 Years That Changed the World: </a:t>
+            </a:r>
+            <a:r>
+              <a:rPr lang="en-US" dirty="0" smtClean="0">
+                <a:hlinkClick r:id="rId5"/>
+              </a:rPr>
+              <a:t>www.bit.ly/c6ItL7</a:t>
+            </a:r>
+            <a:endParaRPr lang="en-US" dirty="0" smtClean="0"/>
+          </a:p>
+          <a:p>
+            <a:endParaRPr lang="en-US" dirty="0" smtClean="0"/>
+          </a:p>
+          <a:p>
+            <a:endParaRPr lang="en-US" dirty="0"/>
+          </a:p>
+          <a:p>
+            <a:endParaRPr lang="en-US" dirty="0"/>
+          </a:p>
+        </p:txBody>
+      </p:sp>
     </p:spTree>
     <p:extLst>
       <p:ext uri="{BB962C8B-B14F-4D97-AF65-F5344CB8AC3E}">
@@ -9962,33 +10337,25 @@
         </p:nvSpPr>
         <p:spPr>
           <a:xfrm>
-            <a:off x="135440" y="1314450"/>
+            <a:off x="168406" y="515553"/>
             <a:ext cx="8865133" cy="727838"/>
           </a:xfrm>
         </p:spPr>
         <p:txBody>
           <a:bodyPr>
-            <a:normAutofit fontScale="90000"/>
+            <a:normAutofit/>
           </a:bodyPr>
           <a:lstStyle/>
           <a:p>
             <a:r>
-              <a:rPr lang="en-US" dirty="0"/>
-              <a:t>Data </a:t>
-            </a:r>
-            <a:r>
-              <a:rPr lang="en-US" sz="3300" dirty="0"/>
-              <a:t>Visualization</a:t>
-            </a:r>
-            <a:r>
-              <a:rPr lang="en-US" dirty="0"/>
-              <a:t> </a:t>
-            </a:r>
-            <a:r>
-              <a:rPr lang="en-US" dirty="0" smtClean="0"/>
+              <a:rPr lang="en-US" sz="3200" dirty="0"/>
+              <a:t>Data Visualization </a:t>
+            </a:r>
+            <a:r>
+              <a:rPr lang="en-US" sz="3200" dirty="0" smtClean="0"/>
               <a:t>Increases Customer Engagement</a:t>
             </a:r>
-            <a:endParaRPr lang="en-US" dirty="0"/>
+            <a:endParaRPr lang="en-US" sz="3200" dirty="0"/>
           </a:p>
         </p:txBody>
       </p:sp>
@@ -10010,7 +10377,7 @@
         </p:blipFill>
         <p:spPr>
           <a:xfrm>
-            <a:off x="168406" y="2194774"/>
+            <a:off x="184888" y="1617259"/>
             <a:ext cx="8832167" cy="3564522"/>
           </a:xfrm>
           <a:prstGeom prst="rect">
@@ -10272,7 +10639,7 @@
       </p:sp>
       <p:sp>
         <p:nvSpPr>
-          <p:cNvPr id="3" name="Content Placeholder 2"/>
+          <p:cNvPr id="4" name="Content Placeholder 3"/>
           <p:cNvSpPr>
             <a:spLocks noGrp="1"/>
           </p:cNvSpPr>
@@ -10285,70 +10652,7 @@
           <a:bodyPr/>
           <a:lstStyle/>
           <a:p>
-            <a:r>
-              <a:rPr lang="en-US" dirty="0" smtClean="0"/>
-              <a:t>Examples:</a:t>
-            </a:r>
-          </a:p>
-          <a:p>
-            <a:pPr marL="27675" indent="0">
-              <a:buNone/>
-            </a:pPr>
-            <a:r>
-              <a:rPr lang="en-US" dirty="0">
-                <a:hlinkClick r:id="rId3"/>
-              </a:rPr>
-              <a:t>http://</a:t>
-            </a:r>
-            <a:r>
-              <a:rPr lang="en-US" dirty="0" smtClean="0">
-                <a:hlinkClick r:id="rId3"/>
-              </a:rPr>
-              <a:t>www.nytimes.com/interactive/2013/05/25/sunday-review/corporate-taxes.html</a:t>
-            </a:r>
-            <a:endParaRPr lang="en-US" dirty="0" smtClean="0"/>
-          </a:p>
-          <a:p>
-            <a:pPr marL="27675" indent="0">
-              <a:buNone/>
-            </a:pPr>
-            <a:r>
-              <a:rPr lang="en-US" dirty="0">
-                <a:hlinkClick r:id="rId4"/>
-              </a:rPr>
-              <a:t>http://www.koalastothemax.com</a:t>
-            </a:r>
-            <a:r>
-              <a:rPr lang="en-US" dirty="0" smtClean="0">
-                <a:hlinkClick r:id="rId4"/>
-              </a:rPr>
-              <a:t>/</a:t>
-            </a:r>
-            <a:endParaRPr lang="en-US" dirty="0" smtClean="0"/>
-          </a:p>
-          <a:p>
-            <a:pPr marL="27675" indent="0">
-              <a:buNone/>
-            </a:pPr>
-            <a:r>
-              <a:rPr lang="en-US" dirty="0">
-                <a:hlinkClick r:id="rId5"/>
-              </a:rPr>
-              <a:t>http://www.jasondavies.com/maps/countries-by-area</a:t>
-            </a:r>
-            <a:r>
-              <a:rPr lang="en-US" dirty="0" smtClean="0">
-                <a:hlinkClick r:id="rId5"/>
-              </a:rPr>
-              <a:t>/</a:t>
-            </a:r>
-            <a:endParaRPr lang="en-US" dirty="0" smtClean="0"/>
-          </a:p>
-          <a:p>
-            <a:pPr marL="27675" indent="0">
-              <a:buNone/>
-            </a:pPr>
-            <a:endParaRPr lang="en-US" dirty="0"/>
+            <a:endParaRPr lang="en-US"/>
           </a:p>
         </p:txBody>
       </p:sp>

--- a/Slides/D3.pptx
+++ b/Slides/D3.pptx
@@ -211,7 +211,7 @@
           <a:p>
             <a:fld id="{F2FD5E34-5871-4249-913E-D69CD2F5B120}" type="datetimeFigureOut">
               <a:rPr lang="en-US" smtClean="0"/>
-              <a:t>3/31/2014</a:t>
+              <a:t>4/2/2014</a:t>
             </a:fld>
             <a:endParaRPr lang="en-US"/>
           </a:p>
@@ -1373,15 +1373,7 @@
             </a:pPr>
             <a:r>
               <a:rPr lang="en-US" baseline="0" dirty="0" smtClean="0"/>
-              <a:t>Increased </a:t>
-            </a:r>
-            <a:r>
-              <a:rPr lang="en-US" baseline="0" dirty="0" smtClean="0"/>
-              <a:t>conceptualization of large </a:t>
-            </a:r>
-            <a:r>
-              <a:rPr lang="en-US" baseline="0" dirty="0" smtClean="0"/>
-              <a:t>numbers</a:t>
+              <a:t>Increased conceptualization of large numbers</a:t>
             </a:r>
           </a:p>
           <a:p>
@@ -1407,7 +1399,6 @@
               <a:rPr lang="en-US" baseline="0" dirty="0" smtClean="0"/>
               <a:t>Examples: </a:t>
             </a:r>
-            <a:endParaRPr lang="en-US" baseline="0" dirty="0" smtClean="0"/>
           </a:p>
           <a:p>
             <a:pPr marL="685800" lvl="1" indent="-228600">
@@ -1443,19 +1434,7 @@
               <a:rPr lang="en-US" dirty="0" smtClean="0">
                 <a:hlinkClick r:id="rId3"/>
               </a:rPr>
-              <a:t>http</a:t>
-            </a:r>
-            <a:r>
-              <a:rPr lang="en-US" dirty="0" smtClean="0">
-                <a:hlinkClick r:id="rId3"/>
-              </a:rPr>
-              <a:t>://</a:t>
-            </a:r>
-            <a:r>
-              <a:rPr lang="en-US" dirty="0" smtClean="0">
-                <a:hlinkClick r:id="rId3"/>
-              </a:rPr>
-              <a:t>xkcd.com/980/huge</a:t>
+              <a:t>http://xkcd.com/980/huge</a:t>
             </a:r>
             <a:endParaRPr lang="en-US" dirty="0" smtClean="0"/>
           </a:p>
@@ -2619,11 +2598,7 @@
           <a:p>
             <a:r>
               <a:rPr lang="en-US" dirty="0" smtClean="0"/>
-              <a:t>D3 </a:t>
-            </a:r>
-            <a:r>
-              <a:rPr lang="en-US" dirty="0" smtClean="0"/>
-              <a:t>excels at creating interactive web visualizations in SVG</a:t>
+              <a:t>D3 excels at creating interactive web visualizations in SVG</a:t>
             </a:r>
             <a:endParaRPr lang="en-US" baseline="0" dirty="0" smtClean="0"/>
           </a:p>
@@ -2633,30 +2608,17 @@
           <a:p>
             <a:r>
               <a:rPr lang="en-US" baseline="0" dirty="0" smtClean="0"/>
-              <a:t>Includes tools for creating lots of common data </a:t>
-            </a:r>
+              <a:t>Includes tools for creating lots of common data visualizations, including Geo Maps</a:t>
+            </a:r>
+          </a:p>
+          <a:p>
+            <a:endParaRPr lang="en-US" baseline="0" dirty="0" smtClean="0"/>
+          </a:p>
+          <a:p>
             <a:r>
               <a:rPr lang="en-US" baseline="0" dirty="0" smtClean="0"/>
-              <a:t>visualizations, </a:t>
-            </a:r>
-            <a:r>
-              <a:rPr lang="en-US" baseline="0" dirty="0" smtClean="0"/>
-              <a:t>including Geo Maps</a:t>
-            </a:r>
-          </a:p>
-          <a:p>
-            <a:endParaRPr lang="en-US" baseline="0" dirty="0" smtClean="0"/>
-          </a:p>
-          <a:p>
-            <a:r>
-              <a:rPr lang="en-US" baseline="0" dirty="0" smtClean="0"/>
-              <a:t>There’s no </a:t>
-            </a:r>
-            <a:r>
-              <a:rPr lang="en-US" baseline="0" dirty="0" smtClean="0"/>
-              <a:t>plugins</a:t>
-            </a:r>
-            <a:endParaRPr lang="en-US" baseline="0" dirty="0" smtClean="0"/>
+              <a:t>There’s no plugins</a:t>
+            </a:r>
           </a:p>
           <a:p>
             <a:endParaRPr lang="en-US" baseline="0" dirty="0" smtClean="0"/>
@@ -2799,11 +2761,7 @@
           <a:p>
             <a:r>
               <a:rPr lang="en-US" dirty="0" smtClean="0"/>
-              <a:t>Doesn’t </a:t>
-            </a:r>
-            <a:r>
-              <a:rPr lang="en-US" dirty="0" smtClean="0"/>
-              <a:t>include</a:t>
+              <a:t>Doesn’t include</a:t>
             </a:r>
             <a:r>
               <a:rPr lang="en-US" baseline="0" dirty="0" smtClean="0"/>
@@ -3067,7 +3025,7 @@
           <a:p>
             <a:fld id="{67971B23-299D-4CF4-B59D-A17DAEBDFBC2}" type="datetimeFigureOut">
               <a:rPr lang="en-US" smtClean="0"/>
-              <a:t>3/31/2014</a:t>
+              <a:t>4/2/2014</a:t>
             </a:fld>
             <a:endParaRPr lang="en-US"/>
           </a:p>
@@ -3365,7 +3323,7 @@
           <a:p>
             <a:fld id="{67971B23-299D-4CF4-B59D-A17DAEBDFBC2}" type="datetimeFigureOut">
               <a:rPr lang="en-US" smtClean="0"/>
-              <a:t>3/31/2014</a:t>
+              <a:t>4/2/2014</a:t>
             </a:fld>
             <a:endParaRPr lang="en-US"/>
           </a:p>
@@ -3557,7 +3515,7 @@
           <a:p>
             <a:fld id="{67971B23-299D-4CF4-B59D-A17DAEBDFBC2}" type="datetimeFigureOut">
               <a:rPr lang="en-US" smtClean="0"/>
-              <a:t>3/31/2014</a:t>
+              <a:t>4/2/2014</a:t>
             </a:fld>
             <a:endParaRPr lang="en-US"/>
           </a:p>
@@ -3818,7 +3776,7 @@
           <a:p>
             <a:fld id="{67971B23-299D-4CF4-B59D-A17DAEBDFBC2}" type="datetimeFigureOut">
               <a:rPr lang="en-US" smtClean="0"/>
-              <a:t>3/31/2014</a:t>
+              <a:t>4/2/2014</a:t>
             </a:fld>
             <a:endParaRPr lang="en-US"/>
           </a:p>
@@ -4242,7 +4200,7 @@
           <a:p>
             <a:fld id="{67971B23-299D-4CF4-B59D-A17DAEBDFBC2}" type="datetimeFigureOut">
               <a:rPr lang="en-US" smtClean="0"/>
-              <a:t>3/31/2014</a:t>
+              <a:t>4/2/2014</a:t>
             </a:fld>
             <a:endParaRPr lang="en-US"/>
           </a:p>
@@ -4779,7 +4737,7 @@
           <a:p>
             <a:fld id="{67971B23-299D-4CF4-B59D-A17DAEBDFBC2}" type="datetimeFigureOut">
               <a:rPr lang="en-US" smtClean="0"/>
-              <a:t>3/31/2014</a:t>
+              <a:t>4/2/2014</a:t>
             </a:fld>
             <a:endParaRPr lang="en-US"/>
           </a:p>
@@ -5643,7 +5601,7 @@
           <a:p>
             <a:fld id="{67971B23-299D-4CF4-B59D-A17DAEBDFBC2}" type="datetimeFigureOut">
               <a:rPr lang="en-US" smtClean="0"/>
-              <a:t>3/31/2014</a:t>
+              <a:t>4/2/2014</a:t>
             </a:fld>
             <a:endParaRPr lang="en-US"/>
           </a:p>
@@ -5813,7 +5771,7 @@
           <a:p>
             <a:fld id="{67971B23-299D-4CF4-B59D-A17DAEBDFBC2}" type="datetimeFigureOut">
               <a:rPr lang="en-US" smtClean="0"/>
-              <a:t>3/31/2014</a:t>
+              <a:t>4/2/2014</a:t>
             </a:fld>
             <a:endParaRPr lang="en-US"/>
           </a:p>
@@ -5997,7 +5955,7 @@
           <a:p>
             <a:fld id="{67971B23-299D-4CF4-B59D-A17DAEBDFBC2}" type="datetimeFigureOut">
               <a:rPr lang="en-US" smtClean="0"/>
-              <a:t>3/31/2014</a:t>
+              <a:t>4/2/2014</a:t>
             </a:fld>
             <a:endParaRPr lang="en-US"/>
           </a:p>
@@ -6167,7 +6125,7 @@
           <a:p>
             <a:fld id="{67971B23-299D-4CF4-B59D-A17DAEBDFBC2}" type="datetimeFigureOut">
               <a:rPr lang="en-US" smtClean="0"/>
-              <a:t>3/31/2014</a:t>
+              <a:t>4/2/2014</a:t>
             </a:fld>
             <a:endParaRPr lang="en-US"/>
           </a:p>
@@ -6411,7 +6369,7 @@
           <a:p>
             <a:fld id="{67971B23-299D-4CF4-B59D-A17DAEBDFBC2}" type="datetimeFigureOut">
               <a:rPr lang="en-US" smtClean="0"/>
-              <a:t>3/31/2014</a:t>
+              <a:t>4/2/2014</a:t>
             </a:fld>
             <a:endParaRPr lang="en-US"/>
           </a:p>
@@ -6647,7 +6605,7 @@
           <a:p>
             <a:fld id="{67971B23-299D-4CF4-B59D-A17DAEBDFBC2}" type="datetimeFigureOut">
               <a:rPr lang="en-US" smtClean="0"/>
-              <a:t>3/31/2014</a:t>
+              <a:t>4/2/2014</a:t>
             </a:fld>
             <a:endParaRPr lang="en-US"/>
           </a:p>
@@ -7113,7 +7071,7 @@
           <a:p>
             <a:fld id="{67971B23-299D-4CF4-B59D-A17DAEBDFBC2}" type="datetimeFigureOut">
               <a:rPr lang="en-US" smtClean="0"/>
-              <a:t>3/31/2014</a:t>
+              <a:t>4/2/2014</a:t>
             </a:fld>
             <a:endParaRPr lang="en-US"/>
           </a:p>
@@ -7231,7 +7189,7 @@
           <a:p>
             <a:fld id="{67971B23-299D-4CF4-B59D-A17DAEBDFBC2}" type="datetimeFigureOut">
               <a:rPr lang="en-US" smtClean="0"/>
-              <a:t>3/31/2014</a:t>
+              <a:t>4/2/2014</a:t>
             </a:fld>
             <a:endParaRPr lang="en-US"/>
           </a:p>
@@ -7326,7 +7284,7 @@
           <a:p>
             <a:fld id="{67971B23-299D-4CF4-B59D-A17DAEBDFBC2}" type="datetimeFigureOut">
               <a:rPr lang="en-US" smtClean="0"/>
-              <a:t>3/31/2014</a:t>
+              <a:t>4/2/2014</a:t>
             </a:fld>
             <a:endParaRPr lang="en-US"/>
           </a:p>
@@ -7581,7 +7539,7 @@
           <a:p>
             <a:fld id="{67971B23-299D-4CF4-B59D-A17DAEBDFBC2}" type="datetimeFigureOut">
               <a:rPr lang="en-US" smtClean="0"/>
-              <a:t>3/31/2014</a:t>
+              <a:t>4/2/2014</a:t>
             </a:fld>
             <a:endParaRPr lang="en-US"/>
           </a:p>
@@ -7881,7 +7839,7 @@
           <a:p>
             <a:fld id="{67971B23-299D-4CF4-B59D-A17DAEBDFBC2}" type="datetimeFigureOut">
               <a:rPr lang="en-US" smtClean="0"/>
-              <a:t>3/31/2014</a:t>
+              <a:t>4/2/2014</a:t>
             </a:fld>
             <a:endParaRPr lang="en-US"/>
           </a:p>
@@ -8115,7 +8073,7 @@
           <a:p>
             <a:fld id="{67971B23-299D-4CF4-B59D-A17DAEBDFBC2}" type="datetimeFigureOut">
               <a:rPr lang="en-US" smtClean="0"/>
-              <a:t>3/31/2014</a:t>
+              <a:t>4/2/2014</a:t>
             </a:fld>
             <a:endParaRPr lang="en-US"/>
           </a:p>
@@ -9022,14 +8980,16 @@
         </p:nvSpPr>
         <p:spPr/>
         <p:txBody>
-          <a:bodyPr/>
-          <a:lstStyle/>
-          <a:p>
-            <a:r>
-              <a:rPr lang="en-US" dirty="0" smtClean="0"/>
+          <a:bodyPr>
+            <a:noAutofit/>
+          </a:bodyPr>
+          <a:lstStyle/>
+          <a:p>
+            <a:r>
+              <a:rPr lang="en-US" sz="6000" dirty="0" smtClean="0"/>
               <a:t>Why Not D3.js?</a:t>
             </a:r>
-            <a:endParaRPr lang="en-US" dirty="0"/>
+            <a:endParaRPr lang="en-US" sz="6000" dirty="0"/>
           </a:p>
         </p:txBody>
       </p:sp>
@@ -9082,14 +9042,16 @@
         </p:nvSpPr>
         <p:spPr/>
         <p:txBody>
-          <a:bodyPr/>
-          <a:lstStyle/>
-          <a:p>
-            <a:r>
-              <a:rPr lang="en-US" dirty="0" smtClean="0"/>
+          <a:bodyPr>
+            <a:noAutofit/>
+          </a:bodyPr>
+          <a:lstStyle/>
+          <a:p>
+            <a:r>
+              <a:rPr lang="en-US" sz="6000" dirty="0" smtClean="0"/>
               <a:t>Just Enough SVG</a:t>
             </a:r>
-            <a:endParaRPr lang="en-US" dirty="0"/>
+            <a:endParaRPr lang="en-US" sz="6000" dirty="0"/>
           </a:p>
         </p:txBody>
       </p:sp>
@@ -9161,14 +9123,16 @@
         </p:nvSpPr>
         <p:spPr/>
         <p:txBody>
-          <a:bodyPr/>
-          <a:lstStyle/>
-          <a:p>
-            <a:r>
-              <a:rPr lang="en-US" dirty="0" smtClean="0"/>
+          <a:bodyPr>
+            <a:noAutofit/>
+          </a:bodyPr>
+          <a:lstStyle/>
+          <a:p>
+            <a:r>
+              <a:rPr lang="en-US" sz="6000" dirty="0" smtClean="0"/>
               <a:t>SVG Circle</a:t>
             </a:r>
-            <a:endParaRPr lang="en-US" dirty="0"/>
+            <a:endParaRPr lang="en-US" sz="6000" dirty="0"/>
           </a:p>
         </p:txBody>
       </p:sp>
@@ -9272,14 +9236,16 @@
         </p:nvSpPr>
         <p:spPr/>
         <p:txBody>
-          <a:bodyPr/>
-          <a:lstStyle/>
-          <a:p>
-            <a:r>
-              <a:rPr lang="en-US" dirty="0" smtClean="0"/>
+          <a:bodyPr>
+            <a:noAutofit/>
+          </a:bodyPr>
+          <a:lstStyle/>
+          <a:p>
+            <a:r>
+              <a:rPr lang="en-US" sz="6000" dirty="0" smtClean="0"/>
               <a:t>SVG Rectangle</a:t>
             </a:r>
-            <a:endParaRPr lang="en-US" dirty="0"/>
+            <a:endParaRPr lang="en-US" sz="6000" dirty="0"/>
           </a:p>
         </p:txBody>
       </p:sp>
@@ -9356,14 +9322,16 @@
         </p:nvSpPr>
         <p:spPr/>
         <p:txBody>
-          <a:bodyPr/>
-          <a:lstStyle/>
-          <a:p>
-            <a:r>
-              <a:rPr lang="en-US" dirty="0" smtClean="0"/>
+          <a:bodyPr>
+            <a:noAutofit/>
+          </a:bodyPr>
+          <a:lstStyle/>
+          <a:p>
+            <a:r>
+              <a:rPr lang="en-US" sz="6000" dirty="0" smtClean="0"/>
               <a:t>Demo Time!</a:t>
             </a:r>
-            <a:endParaRPr lang="en-US" dirty="0"/>
+            <a:endParaRPr lang="en-US" sz="6000" dirty="0"/>
           </a:p>
         </p:txBody>
       </p:sp>
@@ -10626,33 +10594,35 @@
         </p:nvSpPr>
         <p:spPr/>
         <p:txBody>
+          <a:bodyPr>
+            <a:noAutofit/>
+          </a:bodyPr>
+          <a:lstStyle/>
+          <a:p>
+            <a:r>
+              <a:rPr lang="en-US" sz="6000" dirty="0" smtClean="0"/>
+              <a:t>Why D3.js?</a:t>
+            </a:r>
+            <a:endParaRPr lang="en-US" sz="6000" dirty="0"/>
+          </a:p>
+        </p:txBody>
+      </p:sp>
+      <p:sp>
+        <p:nvSpPr>
+          <p:cNvPr id="4" name="Content Placeholder 3"/>
+          <p:cNvSpPr>
+            <a:spLocks noGrp="1"/>
+          </p:cNvSpPr>
+          <p:nvPr>
+            <p:ph idx="1"/>
+          </p:nvPr>
+        </p:nvSpPr>
+        <p:spPr/>
+        <p:txBody>
           <a:bodyPr/>
           <a:lstStyle/>
           <a:p>
-            <a:r>
-              <a:rPr lang="en-US" dirty="0" smtClean="0"/>
-              <a:t>Why D3.js?</a:t>
-            </a:r>
             <a:endParaRPr lang="en-US" dirty="0"/>
-          </a:p>
-        </p:txBody>
-      </p:sp>
-      <p:sp>
-        <p:nvSpPr>
-          <p:cNvPr id="4" name="Content Placeholder 3"/>
-          <p:cNvSpPr>
-            <a:spLocks noGrp="1"/>
-          </p:cNvSpPr>
-          <p:nvPr>
-            <p:ph idx="1"/>
-          </p:nvPr>
-        </p:nvSpPr>
-        <p:spPr/>
-        <p:txBody>
-          <a:bodyPr/>
-          <a:lstStyle/>
-          <a:p>
-            <a:endParaRPr lang="en-US"/>
           </a:p>
         </p:txBody>
       </p:sp>
